--- a/Unveiling Tropes.pptx
+++ b/Unveiling Tropes.pptx
@@ -5,7 +5,7 @@
     <p:sldMasterId id="2147483648" r:id="rId1"/>
   </p:sldMasterIdLst>
   <p:notesMasterIdLst>
-    <p:notesMasterId r:id="rId18"/>
+    <p:notesMasterId r:id="rId20"/>
   </p:notesMasterIdLst>
   <p:sldIdLst>
     <p:sldId id="256" r:id="rId2"/>
@@ -16,14 +16,16 @@
     <p:sldId id="267" r:id="rId7"/>
     <p:sldId id="265" r:id="rId8"/>
     <p:sldId id="261" r:id="rId9"/>
-    <p:sldId id="262" r:id="rId10"/>
-    <p:sldId id="263" r:id="rId11"/>
-    <p:sldId id="268" r:id="rId12"/>
-    <p:sldId id="269" r:id="rId13"/>
+    <p:sldId id="263" r:id="rId10"/>
+    <p:sldId id="268" r:id="rId11"/>
+    <p:sldId id="269" r:id="rId12"/>
+    <p:sldId id="262" r:id="rId13"/>
     <p:sldId id="270" r:id="rId14"/>
     <p:sldId id="271" r:id="rId15"/>
     <p:sldId id="272" r:id="rId16"/>
-    <p:sldId id="264" r:id="rId17"/>
+    <p:sldId id="274" r:id="rId17"/>
+    <p:sldId id="273" r:id="rId18"/>
+    <p:sldId id="264" r:id="rId19"/>
   </p:sldIdLst>
   <p:sldSz cx="12192000" cy="6858000"/>
   <p:notesSz cx="6858000" cy="9144000"/>
@@ -130,6 +132,2520 @@
 </p:presentation>
 </file>
 
+<file path=ppt/diagrams/colors1.xml><?xml version="1.0" encoding="utf-8"?>
+<dgm:colorsDef xmlns:dgm="http://schemas.openxmlformats.org/drawingml/2006/diagram" xmlns:a="http://schemas.openxmlformats.org/drawingml/2006/main" uniqueId="urn:microsoft.com/office/officeart/2005/8/colors/accent1_2">
+  <dgm:title val=""/>
+  <dgm:desc val=""/>
+  <dgm:catLst>
+    <dgm:cat type="accent1" pri="11200"/>
+  </dgm:catLst>
+  <dgm:styleLbl name="node0">
+    <dgm:fillClrLst meth="repeat">
+      <a:schemeClr val="accent1"/>
+    </dgm:fillClrLst>
+    <dgm:linClrLst meth="repeat">
+      <a:schemeClr val="lt1"/>
+    </dgm:linClrLst>
+    <dgm:effectClrLst/>
+    <dgm:txLinClrLst/>
+    <dgm:txFillClrLst/>
+    <dgm:txEffectClrLst/>
+  </dgm:styleLbl>
+  <dgm:styleLbl name="alignNode1">
+    <dgm:fillClrLst meth="repeat">
+      <a:schemeClr val="accent1"/>
+    </dgm:fillClrLst>
+    <dgm:linClrLst meth="repeat">
+      <a:schemeClr val="accent1"/>
+    </dgm:linClrLst>
+    <dgm:effectClrLst/>
+    <dgm:txLinClrLst/>
+    <dgm:txFillClrLst/>
+    <dgm:txEffectClrLst/>
+  </dgm:styleLbl>
+  <dgm:styleLbl name="node1">
+    <dgm:fillClrLst meth="repeat">
+      <a:schemeClr val="accent1"/>
+    </dgm:fillClrLst>
+    <dgm:linClrLst meth="repeat">
+      <a:schemeClr val="lt1"/>
+    </dgm:linClrLst>
+    <dgm:effectClrLst/>
+    <dgm:txLinClrLst/>
+    <dgm:txFillClrLst/>
+    <dgm:txEffectClrLst/>
+  </dgm:styleLbl>
+  <dgm:styleLbl name="lnNode1">
+    <dgm:fillClrLst meth="repeat">
+      <a:schemeClr val="accent1"/>
+    </dgm:fillClrLst>
+    <dgm:linClrLst meth="repeat">
+      <a:schemeClr val="lt1"/>
+    </dgm:linClrLst>
+    <dgm:effectClrLst/>
+    <dgm:txLinClrLst/>
+    <dgm:txFillClrLst/>
+    <dgm:txEffectClrLst/>
+  </dgm:styleLbl>
+  <dgm:styleLbl name="vennNode1">
+    <dgm:fillClrLst meth="repeat">
+      <a:schemeClr val="accent1">
+        <a:alpha val="50000"/>
+      </a:schemeClr>
+    </dgm:fillClrLst>
+    <dgm:linClrLst meth="repeat">
+      <a:schemeClr val="lt1"/>
+    </dgm:linClrLst>
+    <dgm:effectClrLst/>
+    <dgm:txLinClrLst/>
+    <dgm:txFillClrLst/>
+    <dgm:txEffectClrLst/>
+  </dgm:styleLbl>
+  <dgm:styleLbl name="node2">
+    <dgm:fillClrLst meth="repeat">
+      <a:schemeClr val="accent1"/>
+    </dgm:fillClrLst>
+    <dgm:linClrLst meth="repeat">
+      <a:schemeClr val="lt1"/>
+    </dgm:linClrLst>
+    <dgm:effectClrLst/>
+    <dgm:txLinClrLst/>
+    <dgm:txFillClrLst/>
+    <dgm:txEffectClrLst/>
+  </dgm:styleLbl>
+  <dgm:styleLbl name="node3">
+    <dgm:fillClrLst meth="repeat">
+      <a:schemeClr val="accent1"/>
+    </dgm:fillClrLst>
+    <dgm:linClrLst meth="repeat">
+      <a:schemeClr val="lt1"/>
+    </dgm:linClrLst>
+    <dgm:effectClrLst/>
+    <dgm:txLinClrLst/>
+    <dgm:txFillClrLst/>
+    <dgm:txEffectClrLst/>
+  </dgm:styleLbl>
+  <dgm:styleLbl name="node4">
+    <dgm:fillClrLst meth="repeat">
+      <a:schemeClr val="accent1"/>
+    </dgm:fillClrLst>
+    <dgm:linClrLst meth="repeat">
+      <a:schemeClr val="lt1"/>
+    </dgm:linClrLst>
+    <dgm:effectClrLst/>
+    <dgm:txLinClrLst/>
+    <dgm:txFillClrLst/>
+    <dgm:txEffectClrLst/>
+  </dgm:styleLbl>
+  <dgm:styleLbl name="fgImgPlace1">
+    <dgm:fillClrLst meth="repeat">
+      <a:schemeClr val="accent1">
+        <a:tint val="50000"/>
+      </a:schemeClr>
+    </dgm:fillClrLst>
+    <dgm:linClrLst meth="repeat">
+      <a:schemeClr val="lt1"/>
+    </dgm:linClrLst>
+    <dgm:effectClrLst/>
+    <dgm:txLinClrLst/>
+    <dgm:txFillClrLst meth="repeat">
+      <a:schemeClr val="lt1"/>
+    </dgm:txFillClrLst>
+    <dgm:txEffectClrLst/>
+  </dgm:styleLbl>
+  <dgm:styleLbl name="alignImgPlace1">
+    <dgm:fillClrLst meth="repeat">
+      <a:schemeClr val="accent1">
+        <a:tint val="50000"/>
+      </a:schemeClr>
+    </dgm:fillClrLst>
+    <dgm:linClrLst meth="repeat">
+      <a:schemeClr val="lt1"/>
+    </dgm:linClrLst>
+    <dgm:effectClrLst/>
+    <dgm:txLinClrLst/>
+    <dgm:txFillClrLst meth="repeat">
+      <a:schemeClr val="lt1"/>
+    </dgm:txFillClrLst>
+    <dgm:txEffectClrLst/>
+  </dgm:styleLbl>
+  <dgm:styleLbl name="bgImgPlace1">
+    <dgm:fillClrLst meth="repeat">
+      <a:schemeClr val="accent1">
+        <a:tint val="50000"/>
+      </a:schemeClr>
+    </dgm:fillClrLst>
+    <dgm:linClrLst meth="repeat">
+      <a:schemeClr val="lt1"/>
+    </dgm:linClrLst>
+    <dgm:effectClrLst/>
+    <dgm:txLinClrLst/>
+    <dgm:txFillClrLst meth="repeat">
+      <a:schemeClr val="lt1"/>
+    </dgm:txFillClrLst>
+    <dgm:txEffectClrLst/>
+  </dgm:styleLbl>
+  <dgm:styleLbl name="sibTrans2D1">
+    <dgm:fillClrLst meth="repeat">
+      <a:schemeClr val="accent1">
+        <a:tint val="60000"/>
+      </a:schemeClr>
+    </dgm:fillClrLst>
+    <dgm:linClrLst meth="repeat">
+      <a:schemeClr val="accent1">
+        <a:tint val="60000"/>
+      </a:schemeClr>
+    </dgm:linClrLst>
+    <dgm:effectClrLst/>
+    <dgm:txLinClrLst/>
+    <dgm:txFillClrLst/>
+    <dgm:txEffectClrLst/>
+  </dgm:styleLbl>
+  <dgm:styleLbl name="fgSibTrans2D1">
+    <dgm:fillClrLst meth="repeat">
+      <a:schemeClr val="accent1">
+        <a:tint val="60000"/>
+      </a:schemeClr>
+    </dgm:fillClrLst>
+    <dgm:linClrLst meth="repeat">
+      <a:schemeClr val="accent1">
+        <a:tint val="60000"/>
+      </a:schemeClr>
+    </dgm:linClrLst>
+    <dgm:effectClrLst/>
+    <dgm:txLinClrLst/>
+    <dgm:txFillClrLst/>
+    <dgm:txEffectClrLst/>
+  </dgm:styleLbl>
+  <dgm:styleLbl name="bgSibTrans2D1">
+    <dgm:fillClrLst meth="repeat">
+      <a:schemeClr val="accent1">
+        <a:tint val="60000"/>
+      </a:schemeClr>
+    </dgm:fillClrLst>
+    <dgm:linClrLst meth="repeat">
+      <a:schemeClr val="accent1">
+        <a:tint val="60000"/>
+      </a:schemeClr>
+    </dgm:linClrLst>
+    <dgm:effectClrLst/>
+    <dgm:txLinClrLst/>
+    <dgm:txFillClrLst/>
+    <dgm:txEffectClrLst/>
+  </dgm:styleLbl>
+  <dgm:styleLbl name="sibTrans1D1">
+    <dgm:fillClrLst meth="repeat">
+      <a:schemeClr val="accent1"/>
+    </dgm:fillClrLst>
+    <dgm:linClrLst meth="repeat">
+      <a:schemeClr val="accent1"/>
+    </dgm:linClrLst>
+    <dgm:effectClrLst/>
+    <dgm:txLinClrLst/>
+    <dgm:txFillClrLst meth="repeat">
+      <a:schemeClr val="tx1"/>
+    </dgm:txFillClrLst>
+    <dgm:txEffectClrLst/>
+  </dgm:styleLbl>
+  <dgm:styleLbl name="callout">
+    <dgm:fillClrLst meth="repeat">
+      <a:schemeClr val="accent1"/>
+    </dgm:fillClrLst>
+    <dgm:linClrLst meth="repeat">
+      <a:schemeClr val="accent1">
+        <a:tint val="50000"/>
+      </a:schemeClr>
+    </dgm:linClrLst>
+    <dgm:effectClrLst/>
+    <dgm:txLinClrLst/>
+    <dgm:txFillClrLst meth="repeat">
+      <a:schemeClr val="tx1"/>
+    </dgm:txFillClrLst>
+    <dgm:txEffectClrLst/>
+  </dgm:styleLbl>
+  <dgm:styleLbl name="asst0">
+    <dgm:fillClrLst meth="repeat">
+      <a:schemeClr val="accent1"/>
+    </dgm:fillClrLst>
+    <dgm:linClrLst meth="repeat">
+      <a:schemeClr val="lt1"/>
+    </dgm:linClrLst>
+    <dgm:effectClrLst/>
+    <dgm:txLinClrLst/>
+    <dgm:txFillClrLst/>
+    <dgm:txEffectClrLst/>
+  </dgm:styleLbl>
+  <dgm:styleLbl name="asst1">
+    <dgm:fillClrLst meth="repeat">
+      <a:schemeClr val="accent1"/>
+    </dgm:fillClrLst>
+    <dgm:linClrLst meth="repeat">
+      <a:schemeClr val="lt1"/>
+    </dgm:linClrLst>
+    <dgm:effectClrLst/>
+    <dgm:txLinClrLst/>
+    <dgm:txFillClrLst/>
+    <dgm:txEffectClrLst/>
+  </dgm:styleLbl>
+  <dgm:styleLbl name="asst2">
+    <dgm:fillClrLst meth="repeat">
+      <a:schemeClr val="accent1"/>
+    </dgm:fillClrLst>
+    <dgm:linClrLst meth="repeat">
+      <a:schemeClr val="lt1"/>
+    </dgm:linClrLst>
+    <dgm:effectClrLst/>
+    <dgm:txLinClrLst/>
+    <dgm:txFillClrLst/>
+    <dgm:txEffectClrLst/>
+  </dgm:styleLbl>
+  <dgm:styleLbl name="asst3">
+    <dgm:fillClrLst meth="repeat">
+      <a:schemeClr val="accent1"/>
+    </dgm:fillClrLst>
+    <dgm:linClrLst meth="repeat">
+      <a:schemeClr val="lt1"/>
+    </dgm:linClrLst>
+    <dgm:effectClrLst/>
+    <dgm:txLinClrLst/>
+    <dgm:txFillClrLst/>
+    <dgm:txEffectClrLst/>
+  </dgm:styleLbl>
+  <dgm:styleLbl name="asst4">
+    <dgm:fillClrLst meth="repeat">
+      <a:schemeClr val="accent1"/>
+    </dgm:fillClrLst>
+    <dgm:linClrLst meth="repeat">
+      <a:schemeClr val="lt1"/>
+    </dgm:linClrLst>
+    <dgm:effectClrLst/>
+    <dgm:txLinClrLst/>
+    <dgm:txFillClrLst/>
+    <dgm:txEffectClrLst/>
+  </dgm:styleLbl>
+  <dgm:styleLbl name="parChTrans2D1">
+    <dgm:fillClrLst meth="repeat">
+      <a:schemeClr val="accent1">
+        <a:tint val="60000"/>
+      </a:schemeClr>
+    </dgm:fillClrLst>
+    <dgm:linClrLst meth="repeat">
+      <a:schemeClr val="accent1">
+        <a:tint val="60000"/>
+      </a:schemeClr>
+    </dgm:linClrLst>
+    <dgm:effectClrLst/>
+    <dgm:txLinClrLst/>
+    <dgm:txFillClrLst meth="repeat">
+      <a:schemeClr val="lt1"/>
+    </dgm:txFillClrLst>
+    <dgm:txEffectClrLst/>
+  </dgm:styleLbl>
+  <dgm:styleLbl name="parChTrans2D2">
+    <dgm:fillClrLst meth="repeat">
+      <a:schemeClr val="accent1"/>
+    </dgm:fillClrLst>
+    <dgm:linClrLst meth="repeat">
+      <a:schemeClr val="accent1"/>
+    </dgm:linClrLst>
+    <dgm:effectClrLst/>
+    <dgm:txLinClrLst/>
+    <dgm:txFillClrLst meth="repeat">
+      <a:schemeClr val="lt1"/>
+    </dgm:txFillClrLst>
+    <dgm:txEffectClrLst/>
+  </dgm:styleLbl>
+  <dgm:styleLbl name="parChTrans2D3">
+    <dgm:fillClrLst meth="repeat">
+      <a:schemeClr val="accent1"/>
+    </dgm:fillClrLst>
+    <dgm:linClrLst meth="repeat">
+      <a:schemeClr val="accent1"/>
+    </dgm:linClrLst>
+    <dgm:effectClrLst/>
+    <dgm:txLinClrLst/>
+    <dgm:txFillClrLst meth="repeat">
+      <a:schemeClr val="lt1"/>
+    </dgm:txFillClrLst>
+    <dgm:txEffectClrLst/>
+  </dgm:styleLbl>
+  <dgm:styleLbl name="parChTrans2D4">
+    <dgm:fillClrLst meth="repeat">
+      <a:schemeClr val="accent1"/>
+    </dgm:fillClrLst>
+    <dgm:linClrLst meth="repeat">
+      <a:schemeClr val="accent1"/>
+    </dgm:linClrLst>
+    <dgm:effectClrLst/>
+    <dgm:txLinClrLst/>
+    <dgm:txFillClrLst meth="repeat">
+      <a:schemeClr val="lt1"/>
+    </dgm:txFillClrLst>
+    <dgm:txEffectClrLst/>
+  </dgm:styleLbl>
+  <dgm:styleLbl name="parChTrans1D1">
+    <dgm:fillClrLst meth="repeat">
+      <a:schemeClr val="accent1"/>
+    </dgm:fillClrLst>
+    <dgm:linClrLst meth="repeat">
+      <a:schemeClr val="accent1">
+        <a:shade val="60000"/>
+      </a:schemeClr>
+    </dgm:linClrLst>
+    <dgm:effectClrLst/>
+    <dgm:txLinClrLst/>
+    <dgm:txFillClrLst meth="repeat">
+      <a:schemeClr val="tx1"/>
+    </dgm:txFillClrLst>
+    <dgm:txEffectClrLst/>
+  </dgm:styleLbl>
+  <dgm:styleLbl name="parChTrans1D2">
+    <dgm:fillClrLst meth="repeat">
+      <a:schemeClr val="accent1"/>
+    </dgm:fillClrLst>
+    <dgm:linClrLst meth="repeat">
+      <a:schemeClr val="accent1">
+        <a:shade val="60000"/>
+      </a:schemeClr>
+    </dgm:linClrLst>
+    <dgm:effectClrLst/>
+    <dgm:txLinClrLst/>
+    <dgm:txFillClrLst meth="repeat">
+      <a:schemeClr val="tx1"/>
+    </dgm:txFillClrLst>
+    <dgm:txEffectClrLst/>
+  </dgm:styleLbl>
+  <dgm:styleLbl name="parChTrans1D3">
+    <dgm:fillClrLst meth="repeat">
+      <a:schemeClr val="accent1"/>
+    </dgm:fillClrLst>
+    <dgm:linClrLst meth="repeat">
+      <a:schemeClr val="accent1">
+        <a:shade val="80000"/>
+      </a:schemeClr>
+    </dgm:linClrLst>
+    <dgm:effectClrLst/>
+    <dgm:txLinClrLst/>
+    <dgm:txFillClrLst meth="repeat">
+      <a:schemeClr val="tx1"/>
+    </dgm:txFillClrLst>
+    <dgm:txEffectClrLst/>
+  </dgm:styleLbl>
+  <dgm:styleLbl name="parChTrans1D4">
+    <dgm:fillClrLst meth="repeat">
+      <a:schemeClr val="accent1"/>
+    </dgm:fillClrLst>
+    <dgm:linClrLst meth="repeat">
+      <a:schemeClr val="accent1">
+        <a:shade val="80000"/>
+      </a:schemeClr>
+    </dgm:linClrLst>
+    <dgm:effectClrLst/>
+    <dgm:txLinClrLst/>
+    <dgm:txFillClrLst meth="repeat">
+      <a:schemeClr val="tx1"/>
+    </dgm:txFillClrLst>
+    <dgm:txEffectClrLst/>
+  </dgm:styleLbl>
+  <dgm:styleLbl name="fgAcc1">
+    <dgm:fillClrLst meth="repeat">
+      <a:schemeClr val="lt1">
+        <a:alpha val="90000"/>
+      </a:schemeClr>
+    </dgm:fillClrLst>
+    <dgm:linClrLst meth="repeat">
+      <a:schemeClr val="accent1"/>
+    </dgm:linClrLst>
+    <dgm:effectClrLst/>
+    <dgm:txLinClrLst/>
+    <dgm:txFillClrLst meth="repeat">
+      <a:schemeClr val="dk1"/>
+    </dgm:txFillClrLst>
+    <dgm:txEffectClrLst/>
+  </dgm:styleLbl>
+  <dgm:styleLbl name="conFgAcc1">
+    <dgm:fillClrLst meth="repeat">
+      <a:schemeClr val="lt1">
+        <a:alpha val="90000"/>
+      </a:schemeClr>
+    </dgm:fillClrLst>
+    <dgm:linClrLst meth="repeat">
+      <a:schemeClr val="accent1"/>
+    </dgm:linClrLst>
+    <dgm:effectClrLst/>
+    <dgm:txLinClrLst/>
+    <dgm:txFillClrLst meth="repeat">
+      <a:schemeClr val="dk1"/>
+    </dgm:txFillClrLst>
+    <dgm:txEffectClrLst/>
+  </dgm:styleLbl>
+  <dgm:styleLbl name="alignAcc1">
+    <dgm:fillClrLst meth="repeat">
+      <a:schemeClr val="lt1">
+        <a:alpha val="90000"/>
+      </a:schemeClr>
+    </dgm:fillClrLst>
+    <dgm:linClrLst meth="repeat">
+      <a:schemeClr val="accent1"/>
+    </dgm:linClrLst>
+    <dgm:effectClrLst/>
+    <dgm:txLinClrLst/>
+    <dgm:txFillClrLst meth="repeat">
+      <a:schemeClr val="dk1"/>
+    </dgm:txFillClrLst>
+    <dgm:txEffectClrLst/>
+  </dgm:styleLbl>
+  <dgm:styleLbl name="trAlignAcc1">
+    <dgm:fillClrLst meth="repeat">
+      <a:schemeClr val="lt1">
+        <a:alpha val="40000"/>
+      </a:schemeClr>
+    </dgm:fillClrLst>
+    <dgm:linClrLst meth="repeat">
+      <a:schemeClr val="accent1"/>
+    </dgm:linClrLst>
+    <dgm:effectClrLst/>
+    <dgm:txLinClrLst/>
+    <dgm:txFillClrLst meth="repeat">
+      <a:schemeClr val="dk1"/>
+    </dgm:txFillClrLst>
+    <dgm:txEffectClrLst/>
+  </dgm:styleLbl>
+  <dgm:styleLbl name="bgAcc1">
+    <dgm:fillClrLst meth="repeat">
+      <a:schemeClr val="lt1">
+        <a:alpha val="90000"/>
+      </a:schemeClr>
+    </dgm:fillClrLst>
+    <dgm:linClrLst meth="repeat">
+      <a:schemeClr val="accent1"/>
+    </dgm:linClrLst>
+    <dgm:effectClrLst/>
+    <dgm:txLinClrLst/>
+    <dgm:txFillClrLst meth="repeat">
+      <a:schemeClr val="dk1"/>
+    </dgm:txFillClrLst>
+    <dgm:txEffectClrLst/>
+  </dgm:styleLbl>
+  <dgm:styleLbl name="solidFgAcc1">
+    <dgm:fillClrLst meth="repeat">
+      <a:schemeClr val="lt1"/>
+    </dgm:fillClrLst>
+    <dgm:linClrLst meth="repeat">
+      <a:schemeClr val="accent1"/>
+    </dgm:linClrLst>
+    <dgm:effectClrLst/>
+    <dgm:txLinClrLst/>
+    <dgm:txFillClrLst meth="repeat">
+      <a:schemeClr val="dk1"/>
+    </dgm:txFillClrLst>
+    <dgm:txEffectClrLst/>
+  </dgm:styleLbl>
+  <dgm:styleLbl name="solidAlignAcc1">
+    <dgm:fillClrLst meth="repeat">
+      <a:schemeClr val="lt1"/>
+    </dgm:fillClrLst>
+    <dgm:linClrLst meth="repeat">
+      <a:schemeClr val="accent1"/>
+    </dgm:linClrLst>
+    <dgm:effectClrLst/>
+    <dgm:txLinClrLst/>
+    <dgm:txFillClrLst meth="repeat">
+      <a:schemeClr val="dk1"/>
+    </dgm:txFillClrLst>
+    <dgm:txEffectClrLst/>
+  </dgm:styleLbl>
+  <dgm:styleLbl name="solidBgAcc1">
+    <dgm:fillClrLst meth="repeat">
+      <a:schemeClr val="lt1"/>
+    </dgm:fillClrLst>
+    <dgm:linClrLst meth="repeat">
+      <a:schemeClr val="accent1"/>
+    </dgm:linClrLst>
+    <dgm:effectClrLst/>
+    <dgm:txLinClrLst/>
+    <dgm:txFillClrLst meth="repeat">
+      <a:schemeClr val="dk1"/>
+    </dgm:txFillClrLst>
+    <dgm:txEffectClrLst/>
+  </dgm:styleLbl>
+  <dgm:styleLbl name="fgAccFollowNode1">
+    <dgm:fillClrLst meth="repeat">
+      <a:schemeClr val="accent1">
+        <a:alpha val="90000"/>
+        <a:tint val="40000"/>
+      </a:schemeClr>
+    </dgm:fillClrLst>
+    <dgm:linClrLst meth="repeat">
+      <a:schemeClr val="accent1">
+        <a:alpha val="90000"/>
+        <a:tint val="40000"/>
+      </a:schemeClr>
+    </dgm:linClrLst>
+    <dgm:effectClrLst/>
+    <dgm:txLinClrLst/>
+    <dgm:txFillClrLst meth="repeat">
+      <a:schemeClr val="dk1"/>
+    </dgm:txFillClrLst>
+    <dgm:txEffectClrLst/>
+  </dgm:styleLbl>
+  <dgm:styleLbl name="alignAccFollowNode1">
+    <dgm:fillClrLst meth="repeat">
+      <a:schemeClr val="accent1">
+        <a:alpha val="90000"/>
+        <a:tint val="40000"/>
+      </a:schemeClr>
+    </dgm:fillClrLst>
+    <dgm:linClrLst meth="repeat">
+      <a:schemeClr val="accent1">
+        <a:alpha val="90000"/>
+        <a:tint val="40000"/>
+      </a:schemeClr>
+    </dgm:linClrLst>
+    <dgm:effectClrLst/>
+    <dgm:txLinClrLst/>
+    <dgm:txFillClrLst meth="repeat">
+      <a:schemeClr val="dk1"/>
+    </dgm:txFillClrLst>
+    <dgm:txEffectClrLst/>
+  </dgm:styleLbl>
+  <dgm:styleLbl name="bgAccFollowNode1">
+    <dgm:fillClrLst meth="repeat">
+      <a:schemeClr val="accent1">
+        <a:alpha val="90000"/>
+        <a:tint val="40000"/>
+      </a:schemeClr>
+    </dgm:fillClrLst>
+    <dgm:linClrLst meth="repeat">
+      <a:schemeClr val="accent1">
+        <a:alpha val="90000"/>
+        <a:tint val="40000"/>
+      </a:schemeClr>
+    </dgm:linClrLst>
+    <dgm:effectClrLst/>
+    <dgm:txLinClrLst/>
+    <dgm:txFillClrLst meth="repeat">
+      <a:schemeClr val="dk1"/>
+    </dgm:txFillClrLst>
+    <dgm:txEffectClrLst/>
+  </dgm:styleLbl>
+  <dgm:styleLbl name="fgAcc0">
+    <dgm:fillClrLst meth="repeat">
+      <a:schemeClr val="lt1">
+        <a:alpha val="90000"/>
+      </a:schemeClr>
+    </dgm:fillClrLst>
+    <dgm:linClrLst meth="repeat">
+      <a:schemeClr val="accent1"/>
+    </dgm:linClrLst>
+    <dgm:effectClrLst/>
+    <dgm:txLinClrLst/>
+    <dgm:txFillClrLst meth="repeat">
+      <a:schemeClr val="dk1"/>
+    </dgm:txFillClrLst>
+    <dgm:txEffectClrLst/>
+  </dgm:styleLbl>
+  <dgm:styleLbl name="fgAcc2">
+    <dgm:fillClrLst meth="repeat">
+      <a:schemeClr val="lt1">
+        <a:alpha val="90000"/>
+      </a:schemeClr>
+    </dgm:fillClrLst>
+    <dgm:linClrLst meth="repeat">
+      <a:schemeClr val="accent1"/>
+    </dgm:linClrLst>
+    <dgm:effectClrLst/>
+    <dgm:txLinClrLst/>
+    <dgm:txFillClrLst meth="repeat">
+      <a:schemeClr val="dk1"/>
+    </dgm:txFillClrLst>
+    <dgm:txEffectClrLst/>
+  </dgm:styleLbl>
+  <dgm:styleLbl name="fgAcc3">
+    <dgm:fillClrLst meth="repeat">
+      <a:schemeClr val="lt1">
+        <a:alpha val="90000"/>
+      </a:schemeClr>
+    </dgm:fillClrLst>
+    <dgm:linClrLst meth="repeat">
+      <a:schemeClr val="accent1"/>
+    </dgm:linClrLst>
+    <dgm:effectClrLst/>
+    <dgm:txLinClrLst/>
+    <dgm:txFillClrLst meth="repeat">
+      <a:schemeClr val="dk1"/>
+    </dgm:txFillClrLst>
+    <dgm:txEffectClrLst/>
+  </dgm:styleLbl>
+  <dgm:styleLbl name="fgAcc4">
+    <dgm:fillClrLst meth="repeat">
+      <a:schemeClr val="lt1">
+        <a:alpha val="90000"/>
+      </a:schemeClr>
+    </dgm:fillClrLst>
+    <dgm:linClrLst meth="repeat">
+      <a:schemeClr val="accent1"/>
+    </dgm:linClrLst>
+    <dgm:effectClrLst/>
+    <dgm:txLinClrLst/>
+    <dgm:txFillClrLst meth="repeat">
+      <a:schemeClr val="dk1"/>
+    </dgm:txFillClrLst>
+    <dgm:txEffectClrLst/>
+  </dgm:styleLbl>
+  <dgm:styleLbl name="bgShp">
+    <dgm:fillClrLst meth="repeat">
+      <a:schemeClr val="accent1">
+        <a:tint val="40000"/>
+      </a:schemeClr>
+    </dgm:fillClrLst>
+    <dgm:linClrLst meth="repeat">
+      <a:schemeClr val="accent1"/>
+    </dgm:linClrLst>
+    <dgm:effectClrLst/>
+    <dgm:txLinClrLst/>
+    <dgm:txFillClrLst meth="repeat">
+      <a:schemeClr val="dk1"/>
+    </dgm:txFillClrLst>
+    <dgm:txEffectClrLst/>
+  </dgm:styleLbl>
+  <dgm:styleLbl name="dkBgShp">
+    <dgm:fillClrLst meth="repeat">
+      <a:schemeClr val="accent1">
+        <a:shade val="80000"/>
+      </a:schemeClr>
+    </dgm:fillClrLst>
+    <dgm:linClrLst meth="repeat">
+      <a:schemeClr val="accent1"/>
+    </dgm:linClrLst>
+    <dgm:effectClrLst/>
+    <dgm:txLinClrLst/>
+    <dgm:txFillClrLst meth="repeat">
+      <a:schemeClr val="lt1"/>
+    </dgm:txFillClrLst>
+    <dgm:txEffectClrLst/>
+  </dgm:styleLbl>
+  <dgm:styleLbl name="trBgShp">
+    <dgm:fillClrLst meth="repeat">
+      <a:schemeClr val="accent1">
+        <a:tint val="50000"/>
+        <a:alpha val="40000"/>
+      </a:schemeClr>
+    </dgm:fillClrLst>
+    <dgm:linClrLst meth="repeat">
+      <a:schemeClr val="accent1"/>
+    </dgm:linClrLst>
+    <dgm:effectClrLst/>
+    <dgm:txLinClrLst/>
+    <dgm:txFillClrLst meth="repeat">
+      <a:schemeClr val="lt1"/>
+    </dgm:txFillClrLst>
+    <dgm:txEffectClrLst/>
+  </dgm:styleLbl>
+  <dgm:styleLbl name="fgShp">
+    <dgm:fillClrLst meth="repeat">
+      <a:schemeClr val="accent1">
+        <a:tint val="60000"/>
+      </a:schemeClr>
+    </dgm:fillClrLst>
+    <dgm:linClrLst meth="repeat">
+      <a:schemeClr val="lt1"/>
+    </dgm:linClrLst>
+    <dgm:effectClrLst/>
+    <dgm:txLinClrLst/>
+    <dgm:txFillClrLst meth="repeat">
+      <a:schemeClr val="dk1"/>
+    </dgm:txFillClrLst>
+    <dgm:txEffectClrLst/>
+  </dgm:styleLbl>
+  <dgm:styleLbl name="revTx">
+    <dgm:fillClrLst meth="repeat">
+      <a:schemeClr val="lt1">
+        <a:alpha val="0"/>
+      </a:schemeClr>
+    </dgm:fillClrLst>
+    <dgm:linClrLst meth="repeat">
+      <a:schemeClr val="dk1">
+        <a:alpha val="0"/>
+      </a:schemeClr>
+    </dgm:linClrLst>
+    <dgm:effectClrLst/>
+    <dgm:txLinClrLst/>
+    <dgm:txFillClrLst meth="repeat">
+      <a:schemeClr val="tx1"/>
+    </dgm:txFillClrLst>
+    <dgm:txEffectClrLst/>
+  </dgm:styleLbl>
+</dgm:colorsDef>
+</file>
+
+<file path=ppt/diagrams/data1.xml><?xml version="1.0" encoding="utf-8"?>
+<dgm:dataModel xmlns:dgm="http://schemas.openxmlformats.org/drawingml/2006/diagram" xmlns:a="http://schemas.openxmlformats.org/drawingml/2006/main">
+  <dgm:ptLst>
+    <dgm:pt modelId="{A5EB9CEF-1B6E-43C5-BDAC-C0B8F15AA449}" type="doc">
+      <dgm:prSet loTypeId="urn:microsoft.com/office/officeart/2005/8/layout/process1" loCatId="process" qsTypeId="urn:microsoft.com/office/officeart/2005/8/quickstyle/simple1" qsCatId="simple" csTypeId="urn:microsoft.com/office/officeart/2005/8/colors/accent1_2" csCatId="accent1" phldr="1"/>
+      <dgm:spPr/>
+    </dgm:pt>
+    <dgm:pt modelId="{32E7885D-BADD-419A-A519-597B6E9DBEF8}">
+      <dgm:prSet phldrT="[Text]"/>
+      <dgm:spPr/>
+      <dgm:t>
+        <a:bodyPr/>
+        <a:lstStyle/>
+        <a:p>
+          <a:r>
+            <a:rPr lang="en-SG" dirty="0"/>
+            <a:t>Input media here</a:t>
+          </a:r>
+        </a:p>
+      </dgm:t>
+    </dgm:pt>
+    <dgm:pt modelId="{D62710EC-18E3-4CFA-8266-E9D107A1FEA1}" type="parTrans" cxnId="{A8BA2981-7646-4E91-8B17-148CC343D271}">
+      <dgm:prSet/>
+      <dgm:spPr/>
+      <dgm:t>
+        <a:bodyPr/>
+        <a:lstStyle/>
+        <a:p>
+          <a:endParaRPr lang="en-SG"/>
+        </a:p>
+      </dgm:t>
+    </dgm:pt>
+    <dgm:pt modelId="{4E51E984-A57A-4FC1-BE1C-3CA279B600DB}" type="sibTrans" cxnId="{A8BA2981-7646-4E91-8B17-148CC343D271}">
+      <dgm:prSet/>
+      <dgm:spPr/>
+      <dgm:t>
+        <a:bodyPr/>
+        <a:lstStyle/>
+        <a:p>
+          <a:endParaRPr lang="en-SG"/>
+        </a:p>
+      </dgm:t>
+    </dgm:pt>
+    <dgm:pt modelId="{9D265DF2-AE86-4C60-8209-181E0D64F2F2}">
+      <dgm:prSet phldrT="[Text]"/>
+      <dgm:spPr/>
+      <dgm:t>
+        <a:bodyPr/>
+        <a:lstStyle/>
+        <a:p>
+          <a:r>
+            <a:rPr lang="en-SG" dirty="0"/>
+            <a:t>Let model scan</a:t>
+          </a:r>
+        </a:p>
+      </dgm:t>
+    </dgm:pt>
+    <dgm:pt modelId="{E02028B1-9CAD-48D4-AE41-114B5AEFF1A5}" type="parTrans" cxnId="{AB92CD7F-3DD0-4137-8B1C-FCC70CB504BA}">
+      <dgm:prSet/>
+      <dgm:spPr/>
+      <dgm:t>
+        <a:bodyPr/>
+        <a:lstStyle/>
+        <a:p>
+          <a:endParaRPr lang="en-SG"/>
+        </a:p>
+      </dgm:t>
+    </dgm:pt>
+    <dgm:pt modelId="{09BA3179-4F2B-480B-9342-496E8F4FA75D}" type="sibTrans" cxnId="{AB92CD7F-3DD0-4137-8B1C-FCC70CB504BA}">
+      <dgm:prSet/>
+      <dgm:spPr/>
+      <dgm:t>
+        <a:bodyPr/>
+        <a:lstStyle/>
+        <a:p>
+          <a:endParaRPr lang="en-SG"/>
+        </a:p>
+      </dgm:t>
+    </dgm:pt>
+    <dgm:pt modelId="{2027E21B-F4BE-4E06-9D51-24816C6A5CAE}">
+      <dgm:prSet phldrT="[Text]"/>
+      <dgm:spPr/>
+      <dgm:t>
+        <a:bodyPr/>
+        <a:lstStyle/>
+        <a:p>
+          <a:r>
+            <a:rPr lang="en-SG" dirty="0"/>
+            <a:t>Return list of tropes</a:t>
+          </a:r>
+        </a:p>
+      </dgm:t>
+    </dgm:pt>
+    <dgm:pt modelId="{8FBE2226-BFFA-4B87-A5F3-3A517950393F}" type="parTrans" cxnId="{34556678-3A74-4981-B883-00A101597EE8}">
+      <dgm:prSet/>
+      <dgm:spPr/>
+      <dgm:t>
+        <a:bodyPr/>
+        <a:lstStyle/>
+        <a:p>
+          <a:endParaRPr lang="en-SG"/>
+        </a:p>
+      </dgm:t>
+    </dgm:pt>
+    <dgm:pt modelId="{F18BDADA-088C-47BC-988D-273845B17D43}" type="sibTrans" cxnId="{34556678-3A74-4981-B883-00A101597EE8}">
+      <dgm:prSet/>
+      <dgm:spPr/>
+      <dgm:t>
+        <a:bodyPr/>
+        <a:lstStyle/>
+        <a:p>
+          <a:endParaRPr lang="en-SG"/>
+        </a:p>
+      </dgm:t>
+    </dgm:pt>
+    <dgm:pt modelId="{421303F5-70A5-4EFA-96D1-C51BC66C514F}" type="pres">
+      <dgm:prSet presAssocID="{A5EB9CEF-1B6E-43C5-BDAC-C0B8F15AA449}" presName="Name0" presStyleCnt="0">
+        <dgm:presLayoutVars>
+          <dgm:dir/>
+          <dgm:resizeHandles val="exact"/>
+        </dgm:presLayoutVars>
+      </dgm:prSet>
+      <dgm:spPr/>
+    </dgm:pt>
+    <dgm:pt modelId="{9B5BEC07-07ED-473E-9D57-6C2C4B3AD4B1}" type="pres">
+      <dgm:prSet presAssocID="{32E7885D-BADD-419A-A519-597B6E9DBEF8}" presName="node" presStyleLbl="node1" presStyleIdx="0" presStyleCnt="3">
+        <dgm:presLayoutVars>
+          <dgm:bulletEnabled val="1"/>
+        </dgm:presLayoutVars>
+      </dgm:prSet>
+      <dgm:spPr/>
+    </dgm:pt>
+    <dgm:pt modelId="{16F80FC2-F3E6-40A3-8388-035A28820548}" type="pres">
+      <dgm:prSet presAssocID="{4E51E984-A57A-4FC1-BE1C-3CA279B600DB}" presName="sibTrans" presStyleLbl="sibTrans2D1" presStyleIdx="0" presStyleCnt="2"/>
+      <dgm:spPr/>
+    </dgm:pt>
+    <dgm:pt modelId="{9893AA7C-3BAC-4D59-B84A-7C2B8CA50C55}" type="pres">
+      <dgm:prSet presAssocID="{4E51E984-A57A-4FC1-BE1C-3CA279B600DB}" presName="connectorText" presStyleLbl="sibTrans2D1" presStyleIdx="0" presStyleCnt="2"/>
+      <dgm:spPr/>
+    </dgm:pt>
+    <dgm:pt modelId="{CD10031E-C72B-483D-94EF-CB141EE55385}" type="pres">
+      <dgm:prSet presAssocID="{9D265DF2-AE86-4C60-8209-181E0D64F2F2}" presName="node" presStyleLbl="node1" presStyleIdx="1" presStyleCnt="3">
+        <dgm:presLayoutVars>
+          <dgm:bulletEnabled val="1"/>
+        </dgm:presLayoutVars>
+      </dgm:prSet>
+      <dgm:spPr/>
+    </dgm:pt>
+    <dgm:pt modelId="{1604DBEB-17A3-4827-A852-5751991A43A7}" type="pres">
+      <dgm:prSet presAssocID="{09BA3179-4F2B-480B-9342-496E8F4FA75D}" presName="sibTrans" presStyleLbl="sibTrans2D1" presStyleIdx="1" presStyleCnt="2"/>
+      <dgm:spPr/>
+    </dgm:pt>
+    <dgm:pt modelId="{71DF12F0-6193-4A84-A21D-19DA07F51F08}" type="pres">
+      <dgm:prSet presAssocID="{09BA3179-4F2B-480B-9342-496E8F4FA75D}" presName="connectorText" presStyleLbl="sibTrans2D1" presStyleIdx="1" presStyleCnt="2"/>
+      <dgm:spPr/>
+    </dgm:pt>
+    <dgm:pt modelId="{1509638A-3A11-4FEA-ABDF-0276036972D0}" type="pres">
+      <dgm:prSet presAssocID="{2027E21B-F4BE-4E06-9D51-24816C6A5CAE}" presName="node" presStyleLbl="node1" presStyleIdx="2" presStyleCnt="3">
+        <dgm:presLayoutVars>
+          <dgm:bulletEnabled val="1"/>
+        </dgm:presLayoutVars>
+      </dgm:prSet>
+      <dgm:spPr/>
+    </dgm:pt>
+  </dgm:ptLst>
+  <dgm:cxnLst>
+    <dgm:cxn modelId="{4F13E725-75E4-48C9-9188-6FCA6DF4CC6B}" type="presOf" srcId="{09BA3179-4F2B-480B-9342-496E8F4FA75D}" destId="{1604DBEB-17A3-4827-A852-5751991A43A7}" srcOrd="0" destOrd="0" presId="urn:microsoft.com/office/officeart/2005/8/layout/process1"/>
+    <dgm:cxn modelId="{1953063C-7915-45FA-B8BF-7CFCF01BF7A4}" type="presOf" srcId="{32E7885D-BADD-419A-A519-597B6E9DBEF8}" destId="{9B5BEC07-07ED-473E-9D57-6C2C4B3AD4B1}" srcOrd="0" destOrd="0" presId="urn:microsoft.com/office/officeart/2005/8/layout/process1"/>
+    <dgm:cxn modelId="{D14DA94A-2AC8-4C9B-9AF3-EA86DE6A9813}" type="presOf" srcId="{4E51E984-A57A-4FC1-BE1C-3CA279B600DB}" destId="{9893AA7C-3BAC-4D59-B84A-7C2B8CA50C55}" srcOrd="1" destOrd="0" presId="urn:microsoft.com/office/officeart/2005/8/layout/process1"/>
+    <dgm:cxn modelId="{78868F50-1062-4533-9C63-A1271AC9DD91}" type="presOf" srcId="{2027E21B-F4BE-4E06-9D51-24816C6A5CAE}" destId="{1509638A-3A11-4FEA-ABDF-0276036972D0}" srcOrd="0" destOrd="0" presId="urn:microsoft.com/office/officeart/2005/8/layout/process1"/>
+    <dgm:cxn modelId="{34556678-3A74-4981-B883-00A101597EE8}" srcId="{A5EB9CEF-1B6E-43C5-BDAC-C0B8F15AA449}" destId="{2027E21B-F4BE-4E06-9D51-24816C6A5CAE}" srcOrd="2" destOrd="0" parTransId="{8FBE2226-BFFA-4B87-A5F3-3A517950393F}" sibTransId="{F18BDADA-088C-47BC-988D-273845B17D43}"/>
+    <dgm:cxn modelId="{AB92CD7F-3DD0-4137-8B1C-FCC70CB504BA}" srcId="{A5EB9CEF-1B6E-43C5-BDAC-C0B8F15AA449}" destId="{9D265DF2-AE86-4C60-8209-181E0D64F2F2}" srcOrd="1" destOrd="0" parTransId="{E02028B1-9CAD-48D4-AE41-114B5AEFF1A5}" sibTransId="{09BA3179-4F2B-480B-9342-496E8F4FA75D}"/>
+    <dgm:cxn modelId="{A8BA2981-7646-4E91-8B17-148CC343D271}" srcId="{A5EB9CEF-1B6E-43C5-BDAC-C0B8F15AA449}" destId="{32E7885D-BADD-419A-A519-597B6E9DBEF8}" srcOrd="0" destOrd="0" parTransId="{D62710EC-18E3-4CFA-8266-E9D107A1FEA1}" sibTransId="{4E51E984-A57A-4FC1-BE1C-3CA279B600DB}"/>
+    <dgm:cxn modelId="{3D82A794-7E79-44DE-A487-C7245FE45A00}" type="presOf" srcId="{A5EB9CEF-1B6E-43C5-BDAC-C0B8F15AA449}" destId="{421303F5-70A5-4EFA-96D1-C51BC66C514F}" srcOrd="0" destOrd="0" presId="urn:microsoft.com/office/officeart/2005/8/layout/process1"/>
+    <dgm:cxn modelId="{A32AA799-3588-4540-90A4-A0BFAA5450EF}" type="presOf" srcId="{4E51E984-A57A-4FC1-BE1C-3CA279B600DB}" destId="{16F80FC2-F3E6-40A3-8388-035A28820548}" srcOrd="0" destOrd="0" presId="urn:microsoft.com/office/officeart/2005/8/layout/process1"/>
+    <dgm:cxn modelId="{78AC3FC3-81B9-4DEF-BAA1-223DF9133ED7}" type="presOf" srcId="{09BA3179-4F2B-480B-9342-496E8F4FA75D}" destId="{71DF12F0-6193-4A84-A21D-19DA07F51F08}" srcOrd="1" destOrd="0" presId="urn:microsoft.com/office/officeart/2005/8/layout/process1"/>
+    <dgm:cxn modelId="{08DB75E7-AEE6-4763-ADCE-37E9F1361BDD}" type="presOf" srcId="{9D265DF2-AE86-4C60-8209-181E0D64F2F2}" destId="{CD10031E-C72B-483D-94EF-CB141EE55385}" srcOrd="0" destOrd="0" presId="urn:microsoft.com/office/officeart/2005/8/layout/process1"/>
+    <dgm:cxn modelId="{A4B1BC54-88F7-4F80-B9F6-3253A8ABB257}" type="presParOf" srcId="{421303F5-70A5-4EFA-96D1-C51BC66C514F}" destId="{9B5BEC07-07ED-473E-9D57-6C2C4B3AD4B1}" srcOrd="0" destOrd="0" presId="urn:microsoft.com/office/officeart/2005/8/layout/process1"/>
+    <dgm:cxn modelId="{E6C9D2DB-41D7-472C-AE14-F11597F3892C}" type="presParOf" srcId="{421303F5-70A5-4EFA-96D1-C51BC66C514F}" destId="{16F80FC2-F3E6-40A3-8388-035A28820548}" srcOrd="1" destOrd="0" presId="urn:microsoft.com/office/officeart/2005/8/layout/process1"/>
+    <dgm:cxn modelId="{5176A9E2-E395-40ED-96C5-4F9D252BD45D}" type="presParOf" srcId="{16F80FC2-F3E6-40A3-8388-035A28820548}" destId="{9893AA7C-3BAC-4D59-B84A-7C2B8CA50C55}" srcOrd="0" destOrd="0" presId="urn:microsoft.com/office/officeart/2005/8/layout/process1"/>
+    <dgm:cxn modelId="{3EF9EADF-6760-4E55-A35A-D1998E9547E9}" type="presParOf" srcId="{421303F5-70A5-4EFA-96D1-C51BC66C514F}" destId="{CD10031E-C72B-483D-94EF-CB141EE55385}" srcOrd="2" destOrd="0" presId="urn:microsoft.com/office/officeart/2005/8/layout/process1"/>
+    <dgm:cxn modelId="{8FF92A71-54FB-4C42-B1D1-2CF941F3BFB5}" type="presParOf" srcId="{421303F5-70A5-4EFA-96D1-C51BC66C514F}" destId="{1604DBEB-17A3-4827-A852-5751991A43A7}" srcOrd="3" destOrd="0" presId="urn:microsoft.com/office/officeart/2005/8/layout/process1"/>
+    <dgm:cxn modelId="{89080835-95A0-4068-8555-A154F9A757E1}" type="presParOf" srcId="{1604DBEB-17A3-4827-A852-5751991A43A7}" destId="{71DF12F0-6193-4A84-A21D-19DA07F51F08}" srcOrd="0" destOrd="0" presId="urn:microsoft.com/office/officeart/2005/8/layout/process1"/>
+    <dgm:cxn modelId="{7601B931-E3DD-495A-B422-1F37E8FC4074}" type="presParOf" srcId="{421303F5-70A5-4EFA-96D1-C51BC66C514F}" destId="{1509638A-3A11-4FEA-ABDF-0276036972D0}" srcOrd="4" destOrd="0" presId="urn:microsoft.com/office/officeart/2005/8/layout/process1"/>
+  </dgm:cxnLst>
+  <dgm:bg/>
+  <dgm:whole/>
+  <dgm:extLst>
+    <a:ext uri="http://schemas.microsoft.com/office/drawing/2008/diagram">
+      <dsp:dataModelExt xmlns:dsp="http://schemas.microsoft.com/office/drawing/2008/diagram" relId="rId7" minVer="http://schemas.openxmlformats.org/drawingml/2006/diagram"/>
+    </a:ext>
+  </dgm:extLst>
+</dgm:dataModel>
+</file>
+
+<file path=ppt/diagrams/drawing1.xml><?xml version="1.0" encoding="utf-8"?>
+<dsp:drawing xmlns:dgm="http://schemas.openxmlformats.org/drawingml/2006/diagram" xmlns:dsp="http://schemas.microsoft.com/office/drawing/2008/diagram" xmlns:a="http://schemas.openxmlformats.org/drawingml/2006/main">
+  <dsp:spTree>
+    <dsp:nvGrpSpPr>
+      <dsp:cNvPr id="0" name=""/>
+      <dsp:cNvGrpSpPr/>
+    </dsp:nvGrpSpPr>
+    <dsp:grpSpPr/>
+    <dsp:sp modelId="{9B5BEC07-07ED-473E-9D57-6C2C4B3AD4B1}">
+      <dsp:nvSpPr>
+        <dsp:cNvPr id="0" name=""/>
+        <dsp:cNvSpPr/>
+      </dsp:nvSpPr>
+      <dsp:spPr>
+        <a:xfrm>
+          <a:off x="9242" y="1346949"/>
+          <a:ext cx="2762398" cy="1657439"/>
+        </a:xfrm>
+        <a:prstGeom prst="roundRect">
+          <a:avLst>
+            <a:gd name="adj" fmla="val 10000"/>
+          </a:avLst>
+        </a:prstGeom>
+        <a:solidFill>
+          <a:schemeClr val="accent1">
+            <a:hueOff val="0"/>
+            <a:satOff val="0"/>
+            <a:lumOff val="0"/>
+            <a:alphaOff val="0"/>
+          </a:schemeClr>
+        </a:solidFill>
+        <a:ln w="12700" cap="flat" cmpd="sng" algn="ctr">
+          <a:solidFill>
+            <a:schemeClr val="lt1">
+              <a:hueOff val="0"/>
+              <a:satOff val="0"/>
+              <a:lumOff val="0"/>
+              <a:alphaOff val="0"/>
+            </a:schemeClr>
+          </a:solidFill>
+          <a:prstDash val="solid"/>
+          <a:miter lim="800000"/>
+        </a:ln>
+        <a:effectLst/>
+      </dsp:spPr>
+      <dsp:style>
+        <a:lnRef idx="2">
+          <a:scrgbClr r="0" g="0" b="0"/>
+        </a:lnRef>
+        <a:fillRef idx="1">
+          <a:scrgbClr r="0" g="0" b="0"/>
+        </a:fillRef>
+        <a:effectRef idx="0">
+          <a:scrgbClr r="0" g="0" b="0"/>
+        </a:effectRef>
+        <a:fontRef idx="minor">
+          <a:schemeClr val="lt1"/>
+        </a:fontRef>
+      </dsp:style>
+      <dsp:txBody>
+        <a:bodyPr spcFirstLastPara="0" vert="horz" wrap="square" lIns="140970" tIns="140970" rIns="140970" bIns="140970" numCol="1" spcCol="1270" anchor="ctr" anchorCtr="0">
+          <a:noAutofit/>
+        </a:bodyPr>
+        <a:lstStyle/>
+        <a:p>
+          <a:pPr marL="0" lvl="0" indent="0" algn="ctr" defTabSz="1644650">
+            <a:lnSpc>
+              <a:spcPct val="90000"/>
+            </a:lnSpc>
+            <a:spcBef>
+              <a:spcPct val="0"/>
+            </a:spcBef>
+            <a:spcAft>
+              <a:spcPct val="35000"/>
+            </a:spcAft>
+            <a:buNone/>
+          </a:pPr>
+          <a:r>
+            <a:rPr lang="en-SG" sz="3700" kern="1200" dirty="0"/>
+            <a:t>Input media here</a:t>
+          </a:r>
+        </a:p>
+      </dsp:txBody>
+      <dsp:txXfrm>
+        <a:off x="57787" y="1395494"/>
+        <a:ext cx="2665308" cy="1560349"/>
+      </dsp:txXfrm>
+    </dsp:sp>
+    <dsp:sp modelId="{16F80FC2-F3E6-40A3-8388-035A28820548}">
+      <dsp:nvSpPr>
+        <dsp:cNvPr id="0" name=""/>
+        <dsp:cNvSpPr/>
+      </dsp:nvSpPr>
+      <dsp:spPr>
+        <a:xfrm>
+          <a:off x="3047880" y="1833131"/>
+          <a:ext cx="585628" cy="685074"/>
+        </a:xfrm>
+        <a:prstGeom prst="rightArrow">
+          <a:avLst>
+            <a:gd name="adj1" fmla="val 60000"/>
+            <a:gd name="adj2" fmla="val 50000"/>
+          </a:avLst>
+        </a:prstGeom>
+        <a:solidFill>
+          <a:schemeClr val="accent1">
+            <a:tint val="60000"/>
+            <a:hueOff val="0"/>
+            <a:satOff val="0"/>
+            <a:lumOff val="0"/>
+            <a:alphaOff val="0"/>
+          </a:schemeClr>
+        </a:solidFill>
+        <a:ln>
+          <a:noFill/>
+        </a:ln>
+        <a:effectLst/>
+      </dsp:spPr>
+      <dsp:style>
+        <a:lnRef idx="0">
+          <a:scrgbClr r="0" g="0" b="0"/>
+        </a:lnRef>
+        <a:fillRef idx="1">
+          <a:scrgbClr r="0" g="0" b="0"/>
+        </a:fillRef>
+        <a:effectRef idx="0">
+          <a:scrgbClr r="0" g="0" b="0"/>
+        </a:effectRef>
+        <a:fontRef idx="minor">
+          <a:schemeClr val="lt1"/>
+        </a:fontRef>
+      </dsp:style>
+      <dsp:txBody>
+        <a:bodyPr spcFirstLastPara="0" vert="horz" wrap="square" lIns="0" tIns="0" rIns="0" bIns="0" numCol="1" spcCol="1270" anchor="ctr" anchorCtr="0">
+          <a:noAutofit/>
+        </a:bodyPr>
+        <a:lstStyle/>
+        <a:p>
+          <a:pPr marL="0" lvl="0" indent="0" algn="ctr" defTabSz="1333500">
+            <a:lnSpc>
+              <a:spcPct val="90000"/>
+            </a:lnSpc>
+            <a:spcBef>
+              <a:spcPct val="0"/>
+            </a:spcBef>
+            <a:spcAft>
+              <a:spcPct val="35000"/>
+            </a:spcAft>
+            <a:buNone/>
+          </a:pPr>
+          <a:endParaRPr lang="en-SG" sz="3000" kern="1200"/>
+        </a:p>
+      </dsp:txBody>
+      <dsp:txXfrm>
+        <a:off x="3047880" y="1970146"/>
+        <a:ext cx="409940" cy="411044"/>
+      </dsp:txXfrm>
+    </dsp:sp>
+    <dsp:sp modelId="{CD10031E-C72B-483D-94EF-CB141EE55385}">
+      <dsp:nvSpPr>
+        <dsp:cNvPr id="0" name=""/>
+        <dsp:cNvSpPr/>
+      </dsp:nvSpPr>
+      <dsp:spPr>
+        <a:xfrm>
+          <a:off x="3876600" y="1346949"/>
+          <a:ext cx="2762398" cy="1657439"/>
+        </a:xfrm>
+        <a:prstGeom prst="roundRect">
+          <a:avLst>
+            <a:gd name="adj" fmla="val 10000"/>
+          </a:avLst>
+        </a:prstGeom>
+        <a:solidFill>
+          <a:schemeClr val="accent1">
+            <a:hueOff val="0"/>
+            <a:satOff val="0"/>
+            <a:lumOff val="0"/>
+            <a:alphaOff val="0"/>
+          </a:schemeClr>
+        </a:solidFill>
+        <a:ln w="12700" cap="flat" cmpd="sng" algn="ctr">
+          <a:solidFill>
+            <a:schemeClr val="lt1">
+              <a:hueOff val="0"/>
+              <a:satOff val="0"/>
+              <a:lumOff val="0"/>
+              <a:alphaOff val="0"/>
+            </a:schemeClr>
+          </a:solidFill>
+          <a:prstDash val="solid"/>
+          <a:miter lim="800000"/>
+        </a:ln>
+        <a:effectLst/>
+      </dsp:spPr>
+      <dsp:style>
+        <a:lnRef idx="2">
+          <a:scrgbClr r="0" g="0" b="0"/>
+        </a:lnRef>
+        <a:fillRef idx="1">
+          <a:scrgbClr r="0" g="0" b="0"/>
+        </a:fillRef>
+        <a:effectRef idx="0">
+          <a:scrgbClr r="0" g="0" b="0"/>
+        </a:effectRef>
+        <a:fontRef idx="minor">
+          <a:schemeClr val="lt1"/>
+        </a:fontRef>
+      </dsp:style>
+      <dsp:txBody>
+        <a:bodyPr spcFirstLastPara="0" vert="horz" wrap="square" lIns="140970" tIns="140970" rIns="140970" bIns="140970" numCol="1" spcCol="1270" anchor="ctr" anchorCtr="0">
+          <a:noAutofit/>
+        </a:bodyPr>
+        <a:lstStyle/>
+        <a:p>
+          <a:pPr marL="0" lvl="0" indent="0" algn="ctr" defTabSz="1644650">
+            <a:lnSpc>
+              <a:spcPct val="90000"/>
+            </a:lnSpc>
+            <a:spcBef>
+              <a:spcPct val="0"/>
+            </a:spcBef>
+            <a:spcAft>
+              <a:spcPct val="35000"/>
+            </a:spcAft>
+            <a:buNone/>
+          </a:pPr>
+          <a:r>
+            <a:rPr lang="en-SG" sz="3700" kern="1200" dirty="0"/>
+            <a:t>Let model scan</a:t>
+          </a:r>
+        </a:p>
+      </dsp:txBody>
+      <dsp:txXfrm>
+        <a:off x="3925145" y="1395494"/>
+        <a:ext cx="2665308" cy="1560349"/>
+      </dsp:txXfrm>
+    </dsp:sp>
+    <dsp:sp modelId="{1604DBEB-17A3-4827-A852-5751991A43A7}">
+      <dsp:nvSpPr>
+        <dsp:cNvPr id="0" name=""/>
+        <dsp:cNvSpPr/>
+      </dsp:nvSpPr>
+      <dsp:spPr>
+        <a:xfrm>
+          <a:off x="6915239" y="1833131"/>
+          <a:ext cx="585628" cy="685074"/>
+        </a:xfrm>
+        <a:prstGeom prst="rightArrow">
+          <a:avLst>
+            <a:gd name="adj1" fmla="val 60000"/>
+            <a:gd name="adj2" fmla="val 50000"/>
+          </a:avLst>
+        </a:prstGeom>
+        <a:solidFill>
+          <a:schemeClr val="accent1">
+            <a:tint val="60000"/>
+            <a:hueOff val="0"/>
+            <a:satOff val="0"/>
+            <a:lumOff val="0"/>
+            <a:alphaOff val="0"/>
+          </a:schemeClr>
+        </a:solidFill>
+        <a:ln>
+          <a:noFill/>
+        </a:ln>
+        <a:effectLst/>
+      </dsp:spPr>
+      <dsp:style>
+        <a:lnRef idx="0">
+          <a:scrgbClr r="0" g="0" b="0"/>
+        </a:lnRef>
+        <a:fillRef idx="1">
+          <a:scrgbClr r="0" g="0" b="0"/>
+        </a:fillRef>
+        <a:effectRef idx="0">
+          <a:scrgbClr r="0" g="0" b="0"/>
+        </a:effectRef>
+        <a:fontRef idx="minor">
+          <a:schemeClr val="lt1"/>
+        </a:fontRef>
+      </dsp:style>
+      <dsp:txBody>
+        <a:bodyPr spcFirstLastPara="0" vert="horz" wrap="square" lIns="0" tIns="0" rIns="0" bIns="0" numCol="1" spcCol="1270" anchor="ctr" anchorCtr="0">
+          <a:noAutofit/>
+        </a:bodyPr>
+        <a:lstStyle/>
+        <a:p>
+          <a:pPr marL="0" lvl="0" indent="0" algn="ctr" defTabSz="1333500">
+            <a:lnSpc>
+              <a:spcPct val="90000"/>
+            </a:lnSpc>
+            <a:spcBef>
+              <a:spcPct val="0"/>
+            </a:spcBef>
+            <a:spcAft>
+              <a:spcPct val="35000"/>
+            </a:spcAft>
+            <a:buNone/>
+          </a:pPr>
+          <a:endParaRPr lang="en-SG" sz="3000" kern="1200"/>
+        </a:p>
+      </dsp:txBody>
+      <dsp:txXfrm>
+        <a:off x="6915239" y="1970146"/>
+        <a:ext cx="409940" cy="411044"/>
+      </dsp:txXfrm>
+    </dsp:sp>
+    <dsp:sp modelId="{1509638A-3A11-4FEA-ABDF-0276036972D0}">
+      <dsp:nvSpPr>
+        <dsp:cNvPr id="0" name=""/>
+        <dsp:cNvSpPr/>
+      </dsp:nvSpPr>
+      <dsp:spPr>
+        <a:xfrm>
+          <a:off x="7743958" y="1346949"/>
+          <a:ext cx="2762398" cy="1657439"/>
+        </a:xfrm>
+        <a:prstGeom prst="roundRect">
+          <a:avLst>
+            <a:gd name="adj" fmla="val 10000"/>
+          </a:avLst>
+        </a:prstGeom>
+        <a:solidFill>
+          <a:schemeClr val="accent1">
+            <a:hueOff val="0"/>
+            <a:satOff val="0"/>
+            <a:lumOff val="0"/>
+            <a:alphaOff val="0"/>
+          </a:schemeClr>
+        </a:solidFill>
+        <a:ln w="12700" cap="flat" cmpd="sng" algn="ctr">
+          <a:solidFill>
+            <a:schemeClr val="lt1">
+              <a:hueOff val="0"/>
+              <a:satOff val="0"/>
+              <a:lumOff val="0"/>
+              <a:alphaOff val="0"/>
+            </a:schemeClr>
+          </a:solidFill>
+          <a:prstDash val="solid"/>
+          <a:miter lim="800000"/>
+        </a:ln>
+        <a:effectLst/>
+      </dsp:spPr>
+      <dsp:style>
+        <a:lnRef idx="2">
+          <a:scrgbClr r="0" g="0" b="0"/>
+        </a:lnRef>
+        <a:fillRef idx="1">
+          <a:scrgbClr r="0" g="0" b="0"/>
+        </a:fillRef>
+        <a:effectRef idx="0">
+          <a:scrgbClr r="0" g="0" b="0"/>
+        </a:effectRef>
+        <a:fontRef idx="minor">
+          <a:schemeClr val="lt1"/>
+        </a:fontRef>
+      </dsp:style>
+      <dsp:txBody>
+        <a:bodyPr spcFirstLastPara="0" vert="horz" wrap="square" lIns="140970" tIns="140970" rIns="140970" bIns="140970" numCol="1" spcCol="1270" anchor="ctr" anchorCtr="0">
+          <a:noAutofit/>
+        </a:bodyPr>
+        <a:lstStyle/>
+        <a:p>
+          <a:pPr marL="0" lvl="0" indent="0" algn="ctr" defTabSz="1644650">
+            <a:lnSpc>
+              <a:spcPct val="90000"/>
+            </a:lnSpc>
+            <a:spcBef>
+              <a:spcPct val="0"/>
+            </a:spcBef>
+            <a:spcAft>
+              <a:spcPct val="35000"/>
+            </a:spcAft>
+            <a:buNone/>
+          </a:pPr>
+          <a:r>
+            <a:rPr lang="en-SG" sz="3700" kern="1200" dirty="0"/>
+            <a:t>Return list of tropes</a:t>
+          </a:r>
+        </a:p>
+      </dsp:txBody>
+      <dsp:txXfrm>
+        <a:off x="7792503" y="1395494"/>
+        <a:ext cx="2665308" cy="1560349"/>
+      </dsp:txXfrm>
+    </dsp:sp>
+  </dsp:spTree>
+</dsp:drawing>
+</file>
+
+<file path=ppt/diagrams/layout1.xml><?xml version="1.0" encoding="utf-8"?>
+<dgm:layoutDef xmlns:dgm="http://schemas.openxmlformats.org/drawingml/2006/diagram" xmlns:a="http://schemas.openxmlformats.org/drawingml/2006/main" uniqueId="urn:microsoft.com/office/officeart/2005/8/layout/process1">
+  <dgm:title val=""/>
+  <dgm:desc val=""/>
+  <dgm:catLst>
+    <dgm:cat type="process" pri="1000"/>
+    <dgm:cat type="convert" pri="15000"/>
+  </dgm:catLst>
+  <dgm:sampData useDef="1">
+    <dgm:dataModel>
+      <dgm:ptLst/>
+      <dgm:bg/>
+      <dgm:whole/>
+    </dgm:dataModel>
+  </dgm:sampData>
+  <dgm:styleData>
+    <dgm:dataModel>
+      <dgm:ptLst>
+        <dgm:pt modelId="0" type="doc"/>
+        <dgm:pt modelId="1"/>
+        <dgm:pt modelId="2"/>
+      </dgm:ptLst>
+      <dgm:cxnLst>
+        <dgm:cxn modelId="3" srcId="0" destId="1" srcOrd="0" destOrd="0"/>
+        <dgm:cxn modelId="4" srcId="0" destId="2" srcOrd="1" destOrd="0"/>
+      </dgm:cxnLst>
+      <dgm:bg/>
+      <dgm:whole/>
+    </dgm:dataModel>
+  </dgm:styleData>
+  <dgm:clrData>
+    <dgm:dataModel>
+      <dgm:ptLst>
+        <dgm:pt modelId="0" type="doc"/>
+        <dgm:pt modelId="1"/>
+        <dgm:pt modelId="2"/>
+        <dgm:pt modelId="3"/>
+        <dgm:pt modelId="4"/>
+      </dgm:ptLst>
+      <dgm:cxnLst>
+        <dgm:cxn modelId="5" srcId="0" destId="1" srcOrd="0" destOrd="0"/>
+        <dgm:cxn modelId="6" srcId="0" destId="2" srcOrd="1" destOrd="0"/>
+        <dgm:cxn modelId="7" srcId="0" destId="3" srcOrd="2" destOrd="0"/>
+        <dgm:cxn modelId="8" srcId="0" destId="4" srcOrd="3" destOrd="0"/>
+      </dgm:cxnLst>
+      <dgm:bg/>
+      <dgm:whole/>
+    </dgm:dataModel>
+  </dgm:clrData>
+  <dgm:layoutNode name="Name0">
+    <dgm:varLst>
+      <dgm:dir/>
+      <dgm:resizeHandles val="exact"/>
+    </dgm:varLst>
+    <dgm:choose name="Name1">
+      <dgm:if name="Name2" func="var" arg="dir" op="equ" val="norm">
+        <dgm:alg type="lin"/>
+      </dgm:if>
+      <dgm:else name="Name3">
+        <dgm:alg type="lin">
+          <dgm:param type="linDir" val="fromR"/>
+        </dgm:alg>
+      </dgm:else>
+    </dgm:choose>
+    <dgm:shape xmlns:r="http://schemas.openxmlformats.org/officeDocument/2006/relationships" r:blip="">
+      <dgm:adjLst/>
+    </dgm:shape>
+    <dgm:presOf/>
+    <dgm:constrLst>
+      <dgm:constr type="w" for="ch" ptType="node" refType="w"/>
+      <dgm:constr type="h" for="ch" ptType="node" op="equ"/>
+      <dgm:constr type="primFontSz" for="ch" ptType="node" op="equ" val="65"/>
+      <dgm:constr type="w" for="ch" ptType="sibTrans" refType="w" refFor="ch" refPtType="node" op="equ" fact="0.4"/>
+      <dgm:constr type="h" for="ch" ptType="sibTrans" op="equ"/>
+      <dgm:constr type="primFontSz" for="des" forName="connectorText" op="equ" val="55"/>
+      <dgm:constr type="primFontSz" for="des" forName="connectorText" refType="primFontSz" refFor="ch" refPtType="node" op="lte" fact="0.8"/>
+    </dgm:constrLst>
+    <dgm:ruleLst/>
+    <dgm:forEach name="nodesForEach" axis="ch" ptType="node">
+      <dgm:layoutNode name="node">
+        <dgm:varLst>
+          <dgm:bulletEnabled val="1"/>
+        </dgm:varLst>
+        <dgm:alg type="tx"/>
+        <dgm:shape xmlns:r="http://schemas.openxmlformats.org/officeDocument/2006/relationships" type="roundRect" r:blip="">
+          <dgm:adjLst>
+            <dgm:adj idx="1" val="0.1"/>
+          </dgm:adjLst>
+        </dgm:shape>
+        <dgm:presOf axis="desOrSelf" ptType="node"/>
+        <dgm:constrLst>
+          <dgm:constr type="h" refType="w" fact="0.6"/>
+          <dgm:constr type="tMarg" refType="primFontSz" fact="0.3"/>
+          <dgm:constr type="bMarg" refType="primFontSz" fact="0.3"/>
+          <dgm:constr type="lMarg" refType="primFontSz" fact="0.3"/>
+          <dgm:constr type="rMarg" refType="primFontSz" fact="0.3"/>
+        </dgm:constrLst>
+        <dgm:ruleLst>
+          <dgm:rule type="primFontSz" val="18" fact="NaN" max="NaN"/>
+          <dgm:rule type="h" val="NaN" fact="1.5" max="NaN"/>
+          <dgm:rule type="primFontSz" val="5" fact="NaN" max="NaN"/>
+          <dgm:rule type="h" val="INF" fact="NaN" max="NaN"/>
+        </dgm:ruleLst>
+      </dgm:layoutNode>
+      <dgm:forEach name="sibTransForEach" axis="followSib" ptType="sibTrans" cnt="1">
+        <dgm:layoutNode name="sibTrans">
+          <dgm:alg type="conn">
+            <dgm:param type="begPts" val="auto"/>
+            <dgm:param type="endPts" val="auto"/>
+          </dgm:alg>
+          <dgm:shape xmlns:r="http://schemas.openxmlformats.org/officeDocument/2006/relationships" type="conn" r:blip="">
+            <dgm:adjLst/>
+          </dgm:shape>
+          <dgm:presOf axis="self"/>
+          <dgm:constrLst>
+            <dgm:constr type="h" refType="w" fact="0.62"/>
+            <dgm:constr type="connDist"/>
+            <dgm:constr type="begPad" refType="connDist" fact="0.25"/>
+            <dgm:constr type="endPad" refType="connDist" fact="0.22"/>
+          </dgm:constrLst>
+          <dgm:ruleLst/>
+          <dgm:layoutNode name="connectorText">
+            <dgm:alg type="tx">
+              <dgm:param type="autoTxRot" val="grav"/>
+            </dgm:alg>
+            <dgm:shape xmlns:r="http://schemas.openxmlformats.org/officeDocument/2006/relationships" type="conn" r:blip="" hideGeom="1">
+              <dgm:adjLst/>
+            </dgm:shape>
+            <dgm:presOf axis="self"/>
+            <dgm:constrLst>
+              <dgm:constr type="lMarg"/>
+              <dgm:constr type="rMarg"/>
+              <dgm:constr type="tMarg"/>
+              <dgm:constr type="bMarg"/>
+            </dgm:constrLst>
+            <dgm:ruleLst>
+              <dgm:rule type="primFontSz" val="5" fact="NaN" max="NaN"/>
+            </dgm:ruleLst>
+          </dgm:layoutNode>
+        </dgm:layoutNode>
+      </dgm:forEach>
+    </dgm:forEach>
+  </dgm:layoutNode>
+</dgm:layoutDef>
+</file>
+
+<file path=ppt/diagrams/quickStyle1.xml><?xml version="1.0" encoding="utf-8"?>
+<dgm:styleDef xmlns:dgm="http://schemas.openxmlformats.org/drawingml/2006/diagram" xmlns:a="http://schemas.openxmlformats.org/drawingml/2006/main" uniqueId="urn:microsoft.com/office/officeart/2005/8/quickstyle/simple1">
+  <dgm:title val=""/>
+  <dgm:desc val=""/>
+  <dgm:catLst>
+    <dgm:cat type="simple" pri="10100"/>
+  </dgm:catLst>
+  <dgm:scene3d>
+    <a:camera prst="orthographicFront"/>
+    <a:lightRig rig="threePt" dir="t"/>
+  </dgm:scene3d>
+  <dgm:styleLbl name="node0">
+    <dgm:scene3d>
+      <a:camera prst="orthographicFront"/>
+      <a:lightRig rig="threePt" dir="t"/>
+    </dgm:scene3d>
+    <dgm:sp3d/>
+    <dgm:txPr/>
+    <dgm:style>
+      <a:lnRef idx="2">
+        <a:scrgbClr r="0" g="0" b="0"/>
+      </a:lnRef>
+      <a:fillRef idx="1">
+        <a:scrgbClr r="0" g="0" b="0"/>
+      </a:fillRef>
+      <a:effectRef idx="0">
+        <a:scrgbClr r="0" g="0" b="0"/>
+      </a:effectRef>
+      <a:fontRef idx="minor">
+        <a:schemeClr val="lt1"/>
+      </a:fontRef>
+    </dgm:style>
+  </dgm:styleLbl>
+  <dgm:styleLbl name="lnNode1">
+    <dgm:scene3d>
+      <a:camera prst="orthographicFront"/>
+      <a:lightRig rig="threePt" dir="t"/>
+    </dgm:scene3d>
+    <dgm:sp3d/>
+    <dgm:txPr/>
+    <dgm:style>
+      <a:lnRef idx="2">
+        <a:scrgbClr r="0" g="0" b="0"/>
+      </a:lnRef>
+      <a:fillRef idx="1">
+        <a:scrgbClr r="0" g="0" b="0"/>
+      </a:fillRef>
+      <a:effectRef idx="0">
+        <a:scrgbClr r="0" g="0" b="0"/>
+      </a:effectRef>
+      <a:fontRef idx="minor">
+        <a:schemeClr val="lt1"/>
+      </a:fontRef>
+    </dgm:style>
+  </dgm:styleLbl>
+  <dgm:styleLbl name="vennNode1">
+    <dgm:scene3d>
+      <a:camera prst="orthographicFront"/>
+      <a:lightRig rig="threePt" dir="t"/>
+    </dgm:scene3d>
+    <dgm:sp3d/>
+    <dgm:txPr/>
+    <dgm:style>
+      <a:lnRef idx="2">
+        <a:scrgbClr r="0" g="0" b="0"/>
+      </a:lnRef>
+      <a:fillRef idx="1">
+        <a:scrgbClr r="0" g="0" b="0"/>
+      </a:fillRef>
+      <a:effectRef idx="0">
+        <a:scrgbClr r="0" g="0" b="0"/>
+      </a:effectRef>
+      <a:fontRef idx="minor">
+        <a:schemeClr val="tx1"/>
+      </a:fontRef>
+    </dgm:style>
+  </dgm:styleLbl>
+  <dgm:styleLbl name="alignNode1">
+    <dgm:scene3d>
+      <a:camera prst="orthographicFront"/>
+      <a:lightRig rig="threePt" dir="t"/>
+    </dgm:scene3d>
+    <dgm:sp3d/>
+    <dgm:txPr/>
+    <dgm:style>
+      <a:lnRef idx="2">
+        <a:scrgbClr r="0" g="0" b="0"/>
+      </a:lnRef>
+      <a:fillRef idx="1">
+        <a:scrgbClr r="0" g="0" b="0"/>
+      </a:fillRef>
+      <a:effectRef idx="0">
+        <a:scrgbClr r="0" g="0" b="0"/>
+      </a:effectRef>
+      <a:fontRef idx="minor">
+        <a:schemeClr val="lt1"/>
+      </a:fontRef>
+    </dgm:style>
+  </dgm:styleLbl>
+  <dgm:styleLbl name="node1">
+    <dgm:scene3d>
+      <a:camera prst="orthographicFront"/>
+      <a:lightRig rig="threePt" dir="t"/>
+    </dgm:scene3d>
+    <dgm:sp3d/>
+    <dgm:txPr/>
+    <dgm:style>
+      <a:lnRef idx="2">
+        <a:scrgbClr r="0" g="0" b="0"/>
+      </a:lnRef>
+      <a:fillRef idx="1">
+        <a:scrgbClr r="0" g="0" b="0"/>
+      </a:fillRef>
+      <a:effectRef idx="0">
+        <a:scrgbClr r="0" g="0" b="0"/>
+      </a:effectRef>
+      <a:fontRef idx="minor">
+        <a:schemeClr val="lt1"/>
+      </a:fontRef>
+    </dgm:style>
+  </dgm:styleLbl>
+  <dgm:styleLbl name="node2">
+    <dgm:scene3d>
+      <a:camera prst="orthographicFront"/>
+      <a:lightRig rig="threePt" dir="t"/>
+    </dgm:scene3d>
+    <dgm:sp3d/>
+    <dgm:txPr/>
+    <dgm:style>
+      <a:lnRef idx="2">
+        <a:scrgbClr r="0" g="0" b="0"/>
+      </a:lnRef>
+      <a:fillRef idx="1">
+        <a:scrgbClr r="0" g="0" b="0"/>
+      </a:fillRef>
+      <a:effectRef idx="0">
+        <a:scrgbClr r="0" g="0" b="0"/>
+      </a:effectRef>
+      <a:fontRef idx="minor">
+        <a:schemeClr val="lt1"/>
+      </a:fontRef>
+    </dgm:style>
+  </dgm:styleLbl>
+  <dgm:styleLbl name="node3">
+    <dgm:scene3d>
+      <a:camera prst="orthographicFront"/>
+      <a:lightRig rig="threePt" dir="t"/>
+    </dgm:scene3d>
+    <dgm:sp3d/>
+    <dgm:txPr/>
+    <dgm:style>
+      <a:lnRef idx="2">
+        <a:scrgbClr r="0" g="0" b="0"/>
+      </a:lnRef>
+      <a:fillRef idx="1">
+        <a:scrgbClr r="0" g="0" b="0"/>
+      </a:fillRef>
+      <a:effectRef idx="0">
+        <a:scrgbClr r="0" g="0" b="0"/>
+      </a:effectRef>
+      <a:fontRef idx="minor">
+        <a:schemeClr val="lt1"/>
+      </a:fontRef>
+    </dgm:style>
+  </dgm:styleLbl>
+  <dgm:styleLbl name="node4">
+    <dgm:scene3d>
+      <a:camera prst="orthographicFront"/>
+      <a:lightRig rig="threePt" dir="t"/>
+    </dgm:scene3d>
+    <dgm:sp3d/>
+    <dgm:txPr/>
+    <dgm:style>
+      <a:lnRef idx="2">
+        <a:scrgbClr r="0" g="0" b="0"/>
+      </a:lnRef>
+      <a:fillRef idx="1">
+        <a:scrgbClr r="0" g="0" b="0"/>
+      </a:fillRef>
+      <a:effectRef idx="0">
+        <a:scrgbClr r="0" g="0" b="0"/>
+      </a:effectRef>
+      <a:fontRef idx="minor">
+        <a:schemeClr val="lt1"/>
+      </a:fontRef>
+    </dgm:style>
+  </dgm:styleLbl>
+  <dgm:styleLbl name="fgImgPlace1">
+    <dgm:scene3d>
+      <a:camera prst="orthographicFront"/>
+      <a:lightRig rig="threePt" dir="t"/>
+    </dgm:scene3d>
+    <dgm:sp3d/>
+    <dgm:txPr/>
+    <dgm:style>
+      <a:lnRef idx="2">
+        <a:scrgbClr r="0" g="0" b="0"/>
+      </a:lnRef>
+      <a:fillRef idx="1">
+        <a:scrgbClr r="0" g="0" b="0"/>
+      </a:fillRef>
+      <a:effectRef idx="0">
+        <a:scrgbClr r="0" g="0" b="0"/>
+      </a:effectRef>
+      <a:fontRef idx="minor"/>
+    </dgm:style>
+  </dgm:styleLbl>
+  <dgm:styleLbl name="alignImgPlace1">
+    <dgm:scene3d>
+      <a:camera prst="orthographicFront"/>
+      <a:lightRig rig="threePt" dir="t"/>
+    </dgm:scene3d>
+    <dgm:sp3d/>
+    <dgm:txPr/>
+    <dgm:style>
+      <a:lnRef idx="2">
+        <a:scrgbClr r="0" g="0" b="0"/>
+      </a:lnRef>
+      <a:fillRef idx="1">
+        <a:scrgbClr r="0" g="0" b="0"/>
+      </a:fillRef>
+      <a:effectRef idx="0">
+        <a:scrgbClr r="0" g="0" b="0"/>
+      </a:effectRef>
+      <a:fontRef idx="minor"/>
+    </dgm:style>
+  </dgm:styleLbl>
+  <dgm:styleLbl name="bgImgPlace1">
+    <dgm:scene3d>
+      <a:camera prst="orthographicFront"/>
+      <a:lightRig rig="threePt" dir="t"/>
+    </dgm:scene3d>
+    <dgm:sp3d/>
+    <dgm:txPr/>
+    <dgm:style>
+      <a:lnRef idx="2">
+        <a:scrgbClr r="0" g="0" b="0"/>
+      </a:lnRef>
+      <a:fillRef idx="1">
+        <a:scrgbClr r="0" g="0" b="0"/>
+      </a:fillRef>
+      <a:effectRef idx="0">
+        <a:scrgbClr r="0" g="0" b="0"/>
+      </a:effectRef>
+      <a:fontRef idx="minor"/>
+    </dgm:style>
+  </dgm:styleLbl>
+  <dgm:styleLbl name="sibTrans2D1">
+    <dgm:scene3d>
+      <a:camera prst="orthographicFront"/>
+      <a:lightRig rig="threePt" dir="t"/>
+    </dgm:scene3d>
+    <dgm:sp3d/>
+    <dgm:txPr/>
+    <dgm:style>
+      <a:lnRef idx="0">
+        <a:scrgbClr r="0" g="0" b="0"/>
+      </a:lnRef>
+      <a:fillRef idx="1">
+        <a:scrgbClr r="0" g="0" b="0"/>
+      </a:fillRef>
+      <a:effectRef idx="0">
+        <a:scrgbClr r="0" g="0" b="0"/>
+      </a:effectRef>
+      <a:fontRef idx="minor">
+        <a:schemeClr val="lt1"/>
+      </a:fontRef>
+    </dgm:style>
+  </dgm:styleLbl>
+  <dgm:styleLbl name="fgSibTrans2D1">
+    <dgm:scene3d>
+      <a:camera prst="orthographicFront"/>
+      <a:lightRig rig="threePt" dir="t"/>
+    </dgm:scene3d>
+    <dgm:sp3d/>
+    <dgm:txPr/>
+    <dgm:style>
+      <a:lnRef idx="0">
+        <a:scrgbClr r="0" g="0" b="0"/>
+      </a:lnRef>
+      <a:fillRef idx="1">
+        <a:scrgbClr r="0" g="0" b="0"/>
+      </a:fillRef>
+      <a:effectRef idx="0">
+        <a:scrgbClr r="0" g="0" b="0"/>
+      </a:effectRef>
+      <a:fontRef idx="minor">
+        <a:schemeClr val="lt1"/>
+      </a:fontRef>
+    </dgm:style>
+  </dgm:styleLbl>
+  <dgm:styleLbl name="bgSibTrans2D1">
+    <dgm:scene3d>
+      <a:camera prst="orthographicFront"/>
+      <a:lightRig rig="threePt" dir="t"/>
+    </dgm:scene3d>
+    <dgm:sp3d/>
+    <dgm:txPr/>
+    <dgm:style>
+      <a:lnRef idx="0">
+        <a:scrgbClr r="0" g="0" b="0"/>
+      </a:lnRef>
+      <a:fillRef idx="1">
+        <a:scrgbClr r="0" g="0" b="0"/>
+      </a:fillRef>
+      <a:effectRef idx="0">
+        <a:scrgbClr r="0" g="0" b="0"/>
+      </a:effectRef>
+      <a:fontRef idx="minor">
+        <a:schemeClr val="lt1"/>
+      </a:fontRef>
+    </dgm:style>
+  </dgm:styleLbl>
+  <dgm:styleLbl name="sibTrans1D1">
+    <dgm:scene3d>
+      <a:camera prst="orthographicFront"/>
+      <a:lightRig rig="threePt" dir="t"/>
+    </dgm:scene3d>
+    <dgm:sp3d/>
+    <dgm:txPr/>
+    <dgm:style>
+      <a:lnRef idx="1">
+        <a:scrgbClr r="0" g="0" b="0"/>
+      </a:lnRef>
+      <a:fillRef idx="0">
+        <a:scrgbClr r="0" g="0" b="0"/>
+      </a:fillRef>
+      <a:effectRef idx="0">
+        <a:scrgbClr r="0" g="0" b="0"/>
+      </a:effectRef>
+      <a:fontRef idx="minor"/>
+    </dgm:style>
+  </dgm:styleLbl>
+  <dgm:styleLbl name="callout">
+    <dgm:scene3d>
+      <a:camera prst="orthographicFront"/>
+      <a:lightRig rig="threePt" dir="t"/>
+    </dgm:scene3d>
+    <dgm:sp3d/>
+    <dgm:txPr/>
+    <dgm:style>
+      <a:lnRef idx="2">
+        <a:scrgbClr r="0" g="0" b="0"/>
+      </a:lnRef>
+      <a:fillRef idx="1">
+        <a:scrgbClr r="0" g="0" b="0"/>
+      </a:fillRef>
+      <a:effectRef idx="0">
+        <a:scrgbClr r="0" g="0" b="0"/>
+      </a:effectRef>
+      <a:fontRef idx="minor"/>
+    </dgm:style>
+  </dgm:styleLbl>
+  <dgm:styleLbl name="asst0">
+    <dgm:scene3d>
+      <a:camera prst="orthographicFront"/>
+      <a:lightRig rig="threePt" dir="t"/>
+    </dgm:scene3d>
+    <dgm:sp3d/>
+    <dgm:txPr/>
+    <dgm:style>
+      <a:lnRef idx="2">
+        <a:scrgbClr r="0" g="0" b="0"/>
+      </a:lnRef>
+      <a:fillRef idx="1">
+        <a:scrgbClr r="0" g="0" b="0"/>
+      </a:fillRef>
+      <a:effectRef idx="0">
+        <a:scrgbClr r="0" g="0" b="0"/>
+      </a:effectRef>
+      <a:fontRef idx="minor">
+        <a:schemeClr val="lt1"/>
+      </a:fontRef>
+    </dgm:style>
+  </dgm:styleLbl>
+  <dgm:styleLbl name="asst1">
+    <dgm:scene3d>
+      <a:camera prst="orthographicFront"/>
+      <a:lightRig rig="threePt" dir="t"/>
+    </dgm:scene3d>
+    <dgm:sp3d/>
+    <dgm:txPr/>
+    <dgm:style>
+      <a:lnRef idx="2">
+        <a:scrgbClr r="0" g="0" b="0"/>
+      </a:lnRef>
+      <a:fillRef idx="1">
+        <a:scrgbClr r="0" g="0" b="0"/>
+      </a:fillRef>
+      <a:effectRef idx="0">
+        <a:scrgbClr r="0" g="0" b="0"/>
+      </a:effectRef>
+      <a:fontRef idx="minor">
+        <a:schemeClr val="lt1"/>
+      </a:fontRef>
+    </dgm:style>
+  </dgm:styleLbl>
+  <dgm:styleLbl name="asst2">
+    <dgm:scene3d>
+      <a:camera prst="orthographicFront"/>
+      <a:lightRig rig="threePt" dir="t"/>
+    </dgm:scene3d>
+    <dgm:sp3d/>
+    <dgm:txPr/>
+    <dgm:style>
+      <a:lnRef idx="2">
+        <a:scrgbClr r="0" g="0" b="0"/>
+      </a:lnRef>
+      <a:fillRef idx="1">
+        <a:scrgbClr r="0" g="0" b="0"/>
+      </a:fillRef>
+      <a:effectRef idx="0">
+        <a:scrgbClr r="0" g="0" b="0"/>
+      </a:effectRef>
+      <a:fontRef idx="minor">
+        <a:schemeClr val="lt1"/>
+      </a:fontRef>
+    </dgm:style>
+  </dgm:styleLbl>
+  <dgm:styleLbl name="asst3">
+    <dgm:scene3d>
+      <a:camera prst="orthographicFront"/>
+      <a:lightRig rig="threePt" dir="t"/>
+    </dgm:scene3d>
+    <dgm:sp3d/>
+    <dgm:txPr/>
+    <dgm:style>
+      <a:lnRef idx="2">
+        <a:scrgbClr r="0" g="0" b="0"/>
+      </a:lnRef>
+      <a:fillRef idx="1">
+        <a:scrgbClr r="0" g="0" b="0"/>
+      </a:fillRef>
+      <a:effectRef idx="0">
+        <a:scrgbClr r="0" g="0" b="0"/>
+      </a:effectRef>
+      <a:fontRef idx="minor">
+        <a:schemeClr val="lt1"/>
+      </a:fontRef>
+    </dgm:style>
+  </dgm:styleLbl>
+  <dgm:styleLbl name="asst4">
+    <dgm:scene3d>
+      <a:camera prst="orthographicFront"/>
+      <a:lightRig rig="threePt" dir="t"/>
+    </dgm:scene3d>
+    <dgm:sp3d/>
+    <dgm:txPr/>
+    <dgm:style>
+      <a:lnRef idx="2">
+        <a:scrgbClr r="0" g="0" b="0"/>
+      </a:lnRef>
+      <a:fillRef idx="1">
+        <a:scrgbClr r="0" g="0" b="0"/>
+      </a:fillRef>
+      <a:effectRef idx="0">
+        <a:scrgbClr r="0" g="0" b="0"/>
+      </a:effectRef>
+      <a:fontRef idx="minor">
+        <a:schemeClr val="lt1"/>
+      </a:fontRef>
+    </dgm:style>
+  </dgm:styleLbl>
+  <dgm:styleLbl name="parChTrans2D1">
+    <dgm:scene3d>
+      <a:camera prst="orthographicFront"/>
+      <a:lightRig rig="threePt" dir="t"/>
+    </dgm:scene3d>
+    <dgm:sp3d/>
+    <dgm:txPr/>
+    <dgm:style>
+      <a:lnRef idx="2">
+        <a:scrgbClr r="0" g="0" b="0"/>
+      </a:lnRef>
+      <a:fillRef idx="1">
+        <a:scrgbClr r="0" g="0" b="0"/>
+      </a:fillRef>
+      <a:effectRef idx="0">
+        <a:scrgbClr r="0" g="0" b="0"/>
+      </a:effectRef>
+      <a:fontRef idx="minor">
+        <a:schemeClr val="lt1"/>
+      </a:fontRef>
+    </dgm:style>
+  </dgm:styleLbl>
+  <dgm:styleLbl name="parChTrans2D2">
+    <dgm:scene3d>
+      <a:camera prst="orthographicFront"/>
+      <a:lightRig rig="threePt" dir="t"/>
+    </dgm:scene3d>
+    <dgm:sp3d/>
+    <dgm:txPr/>
+    <dgm:style>
+      <a:lnRef idx="2">
+        <a:scrgbClr r="0" g="0" b="0"/>
+      </a:lnRef>
+      <a:fillRef idx="1">
+        <a:scrgbClr r="0" g="0" b="0"/>
+      </a:fillRef>
+      <a:effectRef idx="0">
+        <a:scrgbClr r="0" g="0" b="0"/>
+      </a:effectRef>
+      <a:fontRef idx="minor">
+        <a:schemeClr val="lt1"/>
+      </a:fontRef>
+    </dgm:style>
+  </dgm:styleLbl>
+  <dgm:styleLbl name="parChTrans2D3">
+    <dgm:scene3d>
+      <a:camera prst="orthographicFront"/>
+      <a:lightRig rig="threePt" dir="t"/>
+    </dgm:scene3d>
+    <dgm:sp3d/>
+    <dgm:txPr/>
+    <dgm:style>
+      <a:lnRef idx="2">
+        <a:scrgbClr r="0" g="0" b="0"/>
+      </a:lnRef>
+      <a:fillRef idx="1">
+        <a:scrgbClr r="0" g="0" b="0"/>
+      </a:fillRef>
+      <a:effectRef idx="0">
+        <a:scrgbClr r="0" g="0" b="0"/>
+      </a:effectRef>
+      <a:fontRef idx="minor">
+        <a:schemeClr val="lt1"/>
+      </a:fontRef>
+    </dgm:style>
+  </dgm:styleLbl>
+  <dgm:styleLbl name="parChTrans2D4">
+    <dgm:scene3d>
+      <a:camera prst="orthographicFront"/>
+      <a:lightRig rig="threePt" dir="t"/>
+    </dgm:scene3d>
+    <dgm:sp3d/>
+    <dgm:txPr/>
+    <dgm:style>
+      <a:lnRef idx="2">
+        <a:scrgbClr r="0" g="0" b="0"/>
+      </a:lnRef>
+      <a:fillRef idx="1">
+        <a:scrgbClr r="0" g="0" b="0"/>
+      </a:fillRef>
+      <a:effectRef idx="0">
+        <a:scrgbClr r="0" g="0" b="0"/>
+      </a:effectRef>
+      <a:fontRef idx="minor">
+        <a:schemeClr val="lt1"/>
+      </a:fontRef>
+    </dgm:style>
+  </dgm:styleLbl>
+  <dgm:styleLbl name="parChTrans1D1">
+    <dgm:scene3d>
+      <a:camera prst="orthographicFront"/>
+      <a:lightRig rig="threePt" dir="t"/>
+    </dgm:scene3d>
+    <dgm:sp3d/>
+    <dgm:txPr/>
+    <dgm:style>
+      <a:lnRef idx="2">
+        <a:scrgbClr r="0" g="0" b="0"/>
+      </a:lnRef>
+      <a:fillRef idx="0">
+        <a:scrgbClr r="0" g="0" b="0"/>
+      </a:fillRef>
+      <a:effectRef idx="0">
+        <a:scrgbClr r="0" g="0" b="0"/>
+      </a:effectRef>
+      <a:fontRef idx="minor"/>
+    </dgm:style>
+  </dgm:styleLbl>
+  <dgm:styleLbl name="parChTrans1D2">
+    <dgm:scene3d>
+      <a:camera prst="orthographicFront"/>
+      <a:lightRig rig="threePt" dir="t"/>
+    </dgm:scene3d>
+    <dgm:sp3d/>
+    <dgm:txPr/>
+    <dgm:style>
+      <a:lnRef idx="2">
+        <a:scrgbClr r="0" g="0" b="0"/>
+      </a:lnRef>
+      <a:fillRef idx="0">
+        <a:scrgbClr r="0" g="0" b="0"/>
+      </a:fillRef>
+      <a:effectRef idx="0">
+        <a:scrgbClr r="0" g="0" b="0"/>
+      </a:effectRef>
+      <a:fontRef idx="minor"/>
+    </dgm:style>
+  </dgm:styleLbl>
+  <dgm:styleLbl name="parChTrans1D3">
+    <dgm:scene3d>
+      <a:camera prst="orthographicFront"/>
+      <a:lightRig rig="threePt" dir="t"/>
+    </dgm:scene3d>
+    <dgm:sp3d/>
+    <dgm:txPr/>
+    <dgm:style>
+      <a:lnRef idx="2">
+        <a:scrgbClr r="0" g="0" b="0"/>
+      </a:lnRef>
+      <a:fillRef idx="0">
+        <a:scrgbClr r="0" g="0" b="0"/>
+      </a:fillRef>
+      <a:effectRef idx="0">
+        <a:scrgbClr r="0" g="0" b="0"/>
+      </a:effectRef>
+      <a:fontRef idx="minor"/>
+    </dgm:style>
+  </dgm:styleLbl>
+  <dgm:styleLbl name="parChTrans1D4">
+    <dgm:scene3d>
+      <a:camera prst="orthographicFront"/>
+      <a:lightRig rig="threePt" dir="t"/>
+    </dgm:scene3d>
+    <dgm:sp3d/>
+    <dgm:txPr/>
+    <dgm:style>
+      <a:lnRef idx="2">
+        <a:scrgbClr r="0" g="0" b="0"/>
+      </a:lnRef>
+      <a:fillRef idx="0">
+        <a:scrgbClr r="0" g="0" b="0"/>
+      </a:fillRef>
+      <a:effectRef idx="0">
+        <a:scrgbClr r="0" g="0" b="0"/>
+      </a:effectRef>
+      <a:fontRef idx="minor"/>
+    </dgm:style>
+  </dgm:styleLbl>
+  <dgm:styleLbl name="fgAcc1">
+    <dgm:scene3d>
+      <a:camera prst="orthographicFront"/>
+      <a:lightRig rig="threePt" dir="t"/>
+    </dgm:scene3d>
+    <dgm:sp3d/>
+    <dgm:txPr/>
+    <dgm:style>
+      <a:lnRef idx="2">
+        <a:scrgbClr r="0" g="0" b="0"/>
+      </a:lnRef>
+      <a:fillRef idx="1">
+        <a:scrgbClr r="0" g="0" b="0"/>
+      </a:fillRef>
+      <a:effectRef idx="0">
+        <a:scrgbClr r="0" g="0" b="0"/>
+      </a:effectRef>
+      <a:fontRef idx="minor"/>
+    </dgm:style>
+  </dgm:styleLbl>
+  <dgm:styleLbl name="conFgAcc1">
+    <dgm:scene3d>
+      <a:camera prst="orthographicFront"/>
+      <a:lightRig rig="threePt" dir="t"/>
+    </dgm:scene3d>
+    <dgm:sp3d/>
+    <dgm:txPr/>
+    <dgm:style>
+      <a:lnRef idx="2">
+        <a:scrgbClr r="0" g="0" b="0"/>
+      </a:lnRef>
+      <a:fillRef idx="1">
+        <a:scrgbClr r="0" g="0" b="0"/>
+      </a:fillRef>
+      <a:effectRef idx="0">
+        <a:scrgbClr r="0" g="0" b="0"/>
+      </a:effectRef>
+      <a:fontRef idx="minor"/>
+    </dgm:style>
+  </dgm:styleLbl>
+  <dgm:styleLbl name="alignAcc1">
+    <dgm:scene3d>
+      <a:camera prst="orthographicFront"/>
+      <a:lightRig rig="threePt" dir="t"/>
+    </dgm:scene3d>
+    <dgm:sp3d/>
+    <dgm:txPr/>
+    <dgm:style>
+      <a:lnRef idx="2">
+        <a:scrgbClr r="0" g="0" b="0"/>
+      </a:lnRef>
+      <a:fillRef idx="1">
+        <a:scrgbClr r="0" g="0" b="0"/>
+      </a:fillRef>
+      <a:effectRef idx="0">
+        <a:scrgbClr r="0" g="0" b="0"/>
+      </a:effectRef>
+      <a:fontRef idx="minor"/>
+    </dgm:style>
+  </dgm:styleLbl>
+  <dgm:styleLbl name="trAlignAcc1">
+    <dgm:scene3d>
+      <a:camera prst="orthographicFront"/>
+      <a:lightRig rig="threePt" dir="t"/>
+    </dgm:scene3d>
+    <dgm:sp3d/>
+    <dgm:txPr/>
+    <dgm:style>
+      <a:lnRef idx="1">
+        <a:scrgbClr r="0" g="0" b="0"/>
+      </a:lnRef>
+      <a:fillRef idx="1">
+        <a:scrgbClr r="0" g="0" b="0"/>
+      </a:fillRef>
+      <a:effectRef idx="0">
+        <a:scrgbClr r="0" g="0" b="0"/>
+      </a:effectRef>
+      <a:fontRef idx="minor"/>
+    </dgm:style>
+  </dgm:styleLbl>
+  <dgm:styleLbl name="bgAcc1">
+    <dgm:scene3d>
+      <a:camera prst="orthographicFront"/>
+      <a:lightRig rig="threePt" dir="t"/>
+    </dgm:scene3d>
+    <dgm:sp3d/>
+    <dgm:txPr/>
+    <dgm:style>
+      <a:lnRef idx="2">
+        <a:scrgbClr r="0" g="0" b="0"/>
+      </a:lnRef>
+      <a:fillRef idx="1">
+        <a:scrgbClr r="0" g="0" b="0"/>
+      </a:fillRef>
+      <a:effectRef idx="0">
+        <a:scrgbClr r="0" g="0" b="0"/>
+      </a:effectRef>
+      <a:fontRef idx="minor"/>
+    </dgm:style>
+  </dgm:styleLbl>
+  <dgm:styleLbl name="solidFgAcc1">
+    <dgm:scene3d>
+      <a:camera prst="orthographicFront"/>
+      <a:lightRig rig="threePt" dir="t"/>
+    </dgm:scene3d>
+    <dgm:sp3d/>
+    <dgm:txPr/>
+    <dgm:style>
+      <a:lnRef idx="2">
+        <a:scrgbClr r="0" g="0" b="0"/>
+      </a:lnRef>
+      <a:fillRef idx="1">
+        <a:scrgbClr r="0" g="0" b="0"/>
+      </a:fillRef>
+      <a:effectRef idx="0">
+        <a:scrgbClr r="0" g="0" b="0"/>
+      </a:effectRef>
+      <a:fontRef idx="minor"/>
+    </dgm:style>
+  </dgm:styleLbl>
+  <dgm:styleLbl name="solidAlignAcc1">
+    <dgm:scene3d>
+      <a:camera prst="orthographicFront"/>
+      <a:lightRig rig="threePt" dir="t"/>
+    </dgm:scene3d>
+    <dgm:sp3d/>
+    <dgm:txPr/>
+    <dgm:style>
+      <a:lnRef idx="2">
+        <a:scrgbClr r="0" g="0" b="0"/>
+      </a:lnRef>
+      <a:fillRef idx="1">
+        <a:scrgbClr r="0" g="0" b="0"/>
+      </a:fillRef>
+      <a:effectRef idx="0">
+        <a:scrgbClr r="0" g="0" b="0"/>
+      </a:effectRef>
+      <a:fontRef idx="minor"/>
+    </dgm:style>
+  </dgm:styleLbl>
+  <dgm:styleLbl name="solidBgAcc1">
+    <dgm:scene3d>
+      <a:camera prst="orthographicFront"/>
+      <a:lightRig rig="threePt" dir="t"/>
+    </dgm:scene3d>
+    <dgm:sp3d/>
+    <dgm:txPr/>
+    <dgm:style>
+      <a:lnRef idx="2">
+        <a:scrgbClr r="0" g="0" b="0"/>
+      </a:lnRef>
+      <a:fillRef idx="1">
+        <a:scrgbClr r="0" g="0" b="0"/>
+      </a:fillRef>
+      <a:effectRef idx="0">
+        <a:scrgbClr r="0" g="0" b="0"/>
+      </a:effectRef>
+      <a:fontRef idx="minor"/>
+    </dgm:style>
+  </dgm:styleLbl>
+  <dgm:styleLbl name="fgAccFollowNode1">
+    <dgm:scene3d>
+      <a:camera prst="orthographicFront"/>
+      <a:lightRig rig="threePt" dir="t"/>
+    </dgm:scene3d>
+    <dgm:sp3d/>
+    <dgm:txPr/>
+    <dgm:style>
+      <a:lnRef idx="2">
+        <a:scrgbClr r="0" g="0" b="0"/>
+      </a:lnRef>
+      <a:fillRef idx="1">
+        <a:scrgbClr r="0" g="0" b="0"/>
+      </a:fillRef>
+      <a:effectRef idx="0">
+        <a:scrgbClr r="0" g="0" b="0"/>
+      </a:effectRef>
+      <a:fontRef idx="minor"/>
+    </dgm:style>
+  </dgm:styleLbl>
+  <dgm:styleLbl name="alignAccFollowNode1">
+    <dgm:scene3d>
+      <a:camera prst="orthographicFront"/>
+      <a:lightRig rig="threePt" dir="t"/>
+    </dgm:scene3d>
+    <dgm:sp3d/>
+    <dgm:txPr/>
+    <dgm:style>
+      <a:lnRef idx="2">
+        <a:scrgbClr r="0" g="0" b="0"/>
+      </a:lnRef>
+      <a:fillRef idx="1">
+        <a:scrgbClr r="0" g="0" b="0"/>
+      </a:fillRef>
+      <a:effectRef idx="0">
+        <a:scrgbClr r="0" g="0" b="0"/>
+      </a:effectRef>
+      <a:fontRef idx="minor"/>
+    </dgm:style>
+  </dgm:styleLbl>
+  <dgm:styleLbl name="bgAccFollowNode1">
+    <dgm:scene3d>
+      <a:camera prst="orthographicFront"/>
+      <a:lightRig rig="threePt" dir="t"/>
+    </dgm:scene3d>
+    <dgm:sp3d/>
+    <dgm:txPr/>
+    <dgm:style>
+      <a:lnRef idx="2">
+        <a:scrgbClr r="0" g="0" b="0"/>
+      </a:lnRef>
+      <a:fillRef idx="1">
+        <a:scrgbClr r="0" g="0" b="0"/>
+      </a:fillRef>
+      <a:effectRef idx="0">
+        <a:scrgbClr r="0" g="0" b="0"/>
+      </a:effectRef>
+      <a:fontRef idx="minor"/>
+    </dgm:style>
+  </dgm:styleLbl>
+  <dgm:styleLbl name="fgAcc0">
+    <dgm:scene3d>
+      <a:camera prst="orthographicFront"/>
+      <a:lightRig rig="threePt" dir="t"/>
+    </dgm:scene3d>
+    <dgm:sp3d/>
+    <dgm:txPr/>
+    <dgm:style>
+      <a:lnRef idx="2">
+        <a:scrgbClr r="0" g="0" b="0"/>
+      </a:lnRef>
+      <a:fillRef idx="1">
+        <a:scrgbClr r="0" g="0" b="0"/>
+      </a:fillRef>
+      <a:effectRef idx="0">
+        <a:scrgbClr r="0" g="0" b="0"/>
+      </a:effectRef>
+      <a:fontRef idx="minor"/>
+    </dgm:style>
+  </dgm:styleLbl>
+  <dgm:styleLbl name="fgAcc2">
+    <dgm:scene3d>
+      <a:camera prst="orthographicFront"/>
+      <a:lightRig rig="threePt" dir="t"/>
+    </dgm:scene3d>
+    <dgm:sp3d/>
+    <dgm:txPr/>
+    <dgm:style>
+      <a:lnRef idx="2">
+        <a:scrgbClr r="0" g="0" b="0"/>
+      </a:lnRef>
+      <a:fillRef idx="1">
+        <a:scrgbClr r="0" g="0" b="0"/>
+      </a:fillRef>
+      <a:effectRef idx="0">
+        <a:scrgbClr r="0" g="0" b="0"/>
+      </a:effectRef>
+      <a:fontRef idx="minor"/>
+    </dgm:style>
+  </dgm:styleLbl>
+  <dgm:styleLbl name="fgAcc3">
+    <dgm:scene3d>
+      <a:camera prst="orthographicFront"/>
+      <a:lightRig rig="threePt" dir="t"/>
+    </dgm:scene3d>
+    <dgm:sp3d/>
+    <dgm:txPr/>
+    <dgm:style>
+      <a:lnRef idx="2">
+        <a:scrgbClr r="0" g="0" b="0"/>
+      </a:lnRef>
+      <a:fillRef idx="1">
+        <a:scrgbClr r="0" g="0" b="0"/>
+      </a:fillRef>
+      <a:effectRef idx="0">
+        <a:scrgbClr r="0" g="0" b="0"/>
+      </a:effectRef>
+      <a:fontRef idx="minor"/>
+    </dgm:style>
+  </dgm:styleLbl>
+  <dgm:styleLbl name="fgAcc4">
+    <dgm:scene3d>
+      <a:camera prst="orthographicFront"/>
+      <a:lightRig rig="threePt" dir="t"/>
+    </dgm:scene3d>
+    <dgm:sp3d/>
+    <dgm:txPr/>
+    <dgm:style>
+      <a:lnRef idx="2">
+        <a:scrgbClr r="0" g="0" b="0"/>
+      </a:lnRef>
+      <a:fillRef idx="1">
+        <a:scrgbClr r="0" g="0" b="0"/>
+      </a:fillRef>
+      <a:effectRef idx="0">
+        <a:scrgbClr r="0" g="0" b="0"/>
+      </a:effectRef>
+      <a:fontRef idx="minor"/>
+    </dgm:style>
+  </dgm:styleLbl>
+  <dgm:styleLbl name="bgShp">
+    <dgm:scene3d>
+      <a:camera prst="orthographicFront"/>
+      <a:lightRig rig="threePt" dir="t"/>
+    </dgm:scene3d>
+    <dgm:sp3d/>
+    <dgm:txPr/>
+    <dgm:style>
+      <a:lnRef idx="0">
+        <a:scrgbClr r="0" g="0" b="0"/>
+      </a:lnRef>
+      <a:fillRef idx="1">
+        <a:scrgbClr r="0" g="0" b="0"/>
+      </a:fillRef>
+      <a:effectRef idx="0">
+        <a:scrgbClr r="0" g="0" b="0"/>
+      </a:effectRef>
+      <a:fontRef idx="minor"/>
+    </dgm:style>
+  </dgm:styleLbl>
+  <dgm:styleLbl name="dkBgShp">
+    <dgm:scene3d>
+      <a:camera prst="orthographicFront"/>
+      <a:lightRig rig="threePt" dir="t"/>
+    </dgm:scene3d>
+    <dgm:sp3d/>
+    <dgm:txPr/>
+    <dgm:style>
+      <a:lnRef idx="0">
+        <a:scrgbClr r="0" g="0" b="0"/>
+      </a:lnRef>
+      <a:fillRef idx="1">
+        <a:scrgbClr r="0" g="0" b="0"/>
+      </a:fillRef>
+      <a:effectRef idx="0">
+        <a:scrgbClr r="0" g="0" b="0"/>
+      </a:effectRef>
+      <a:fontRef idx="minor"/>
+    </dgm:style>
+  </dgm:styleLbl>
+  <dgm:styleLbl name="trBgShp">
+    <dgm:scene3d>
+      <a:camera prst="orthographicFront"/>
+      <a:lightRig rig="threePt" dir="t"/>
+    </dgm:scene3d>
+    <dgm:sp3d/>
+    <dgm:txPr/>
+    <dgm:style>
+      <a:lnRef idx="0">
+        <a:scrgbClr r="0" g="0" b="0"/>
+      </a:lnRef>
+      <a:fillRef idx="1">
+        <a:scrgbClr r="0" g="0" b="0"/>
+      </a:fillRef>
+      <a:effectRef idx="0">
+        <a:scrgbClr r="0" g="0" b="0"/>
+      </a:effectRef>
+      <a:fontRef idx="minor"/>
+    </dgm:style>
+  </dgm:styleLbl>
+  <dgm:styleLbl name="fgShp">
+    <dgm:scene3d>
+      <a:camera prst="orthographicFront"/>
+      <a:lightRig rig="threePt" dir="t"/>
+    </dgm:scene3d>
+    <dgm:sp3d/>
+    <dgm:txPr/>
+    <dgm:style>
+      <a:lnRef idx="2">
+        <a:scrgbClr r="0" g="0" b="0"/>
+      </a:lnRef>
+      <a:fillRef idx="1">
+        <a:scrgbClr r="0" g="0" b="0"/>
+      </a:fillRef>
+      <a:effectRef idx="0">
+        <a:scrgbClr r="0" g="0" b="0"/>
+      </a:effectRef>
+      <a:fontRef idx="minor"/>
+    </dgm:style>
+  </dgm:styleLbl>
+  <dgm:styleLbl name="revTx">
+    <dgm:scene3d>
+      <a:camera prst="orthographicFront"/>
+      <a:lightRig rig="threePt" dir="t"/>
+    </dgm:scene3d>
+    <dgm:sp3d/>
+    <dgm:txPr/>
+    <dgm:style>
+      <a:lnRef idx="0">
+        <a:scrgbClr r="0" g="0" b="0"/>
+      </a:lnRef>
+      <a:fillRef idx="0">
+        <a:scrgbClr r="0" g="0" b="0"/>
+      </a:fillRef>
+      <a:effectRef idx="0">
+        <a:scrgbClr r="0" g="0" b="0"/>
+      </a:effectRef>
+      <a:fontRef idx="minor"/>
+    </dgm:style>
+  </dgm:styleLbl>
+</dgm:styleDef>
+</file>
+
 <file path=ppt/notesMasters/notesMaster1.xml><?xml version="1.0" encoding="utf-8"?>
 <p:notesMaster xmlns:a="http://schemas.openxmlformats.org/drawingml/2006/main" xmlns:r="http://schemas.openxmlformats.org/officeDocument/2006/relationships" xmlns:p="http://schemas.openxmlformats.org/presentationml/2006/main">
   <p:cSld>
@@ -212,7 +2728,7 @@
           <a:p>
             <a:fld id="{121E3297-75B2-40B0-B98B-875AF5EC2453}" type="datetimeFigureOut">
               <a:rPr lang="en-SG" smtClean="0"/>
-              <a:t>7/11/2023</a:t>
+              <a:t>8/11/2023</a:t>
             </a:fld>
             <a:endParaRPr lang="en-SG"/>
           </a:p>
@@ -713,14 +3229,8 @@
           <a:lstStyle/>
           <a:p>
             <a:r>
-              <a:rPr lang="en-US" b="0" i="0" dirty="0">
-                <a:solidFill>
-                  <a:srgbClr val="1F1F1F"/>
-                </a:solidFill>
-                <a:effectLst/>
-                <a:latin typeface="Google Sans"/>
-              </a:rPr>
-              <a:t>The Simpsons, a long-running and well-documented television series, served as the primary data source for developing the trope scanner. The show's extensive history, spanning over three decades, provided a rich corpus of text for training and testing the model. Additionally, the availability of a well-maintained wiki, Simpsons Wiki, ensured access to comprehensive episode summaries and detailed character information. Tv Tropes, a comprehensive database of tropes, provided a rich source of trope definitions and examples, facilitating the identification and classification of tropes within the text.</a:t>
+              <a:rPr lang="en-US" dirty="0"/>
+              <a:t>In this section, we will delve into the methodology behind the creation of our trope-scanning tool. Understanding how the tool was developed is crucial to appreciating its capabilities and potential. Over the next few slides, we'll take a comprehensive look at the process.</a:t>
             </a:r>
             <a:endParaRPr lang="en-SG" dirty="0"/>
           </a:p>
@@ -743,7 +3253,7 @@
           <a:p>
             <a:fld id="{C25E15D1-2997-4995-89EA-ABE974C14F7F}" type="slidenum">
               <a:rPr lang="en-SG" smtClean="0"/>
-              <a:t>7</a:t>
+              <a:t>5</a:t>
             </a:fld>
             <a:endParaRPr lang="en-SG"/>
           </a:p>
@@ -752,7 +3262,7 @@
     </p:spTree>
     <p:extLst>
       <p:ext uri="{BB962C8B-B14F-4D97-AF65-F5344CB8AC3E}">
-        <p14:creationId xmlns:p14="http://schemas.microsoft.com/office/powerpoint/2010/main" val="2960533896"/>
+        <p14:creationId xmlns:p14="http://schemas.microsoft.com/office/powerpoint/2010/main" val="12466187"/>
       </p:ext>
     </p:extLst>
   </p:cSld>
@@ -807,16 +3317,353 @@
           <a:lstStyle/>
           <a:p>
             <a:r>
+              <a:rPr lang="en-US" b="0" i="0" dirty="0">
+                <a:solidFill>
+                  <a:srgbClr val="1F1F1F"/>
+                </a:solidFill>
+                <a:effectLst/>
+                <a:latin typeface="Google Sans"/>
+              </a:rPr>
+              <a:t>The Simpsons, a long-running and well-documented television series, served as the primary data source for developing the trope scanner. The show's extensive history, spanning over three decades, provided a rich corpus of text for training and testing the model. Additionally, the availability of a well-maintained wiki, Simpsons Wiki, ensured access to comprehensive episode summaries and detailed character information. Tv Tropes, a comprehensive database of tropes, provided a rich source of trope definitions and examples, facilitating the identification and classification of tropes within the text.</a:t>
+            </a:r>
+            <a:endParaRPr lang="en-SG" dirty="0"/>
+          </a:p>
+        </p:txBody>
+      </p:sp>
+      <p:sp>
+        <p:nvSpPr>
+          <p:cNvPr id="4" name="Slide Number Placeholder 3"/>
+          <p:cNvSpPr>
+            <a:spLocks noGrp="1"/>
+          </p:cNvSpPr>
+          <p:nvPr>
+            <p:ph type="sldNum" sz="quarter" idx="5"/>
+          </p:nvPr>
+        </p:nvSpPr>
+        <p:spPr/>
+        <p:txBody>
+          <a:bodyPr/>
+          <a:lstStyle/>
+          <a:p>
+            <a:fld id="{C25E15D1-2997-4995-89EA-ABE974C14F7F}" type="slidenum">
+              <a:rPr lang="en-SG" smtClean="0"/>
+              <a:t>7</a:t>
+            </a:fld>
+            <a:endParaRPr lang="en-SG"/>
+          </a:p>
+        </p:txBody>
+      </p:sp>
+    </p:spTree>
+    <p:extLst>
+      <p:ext uri="{BB962C8B-B14F-4D97-AF65-F5344CB8AC3E}">
+        <p14:creationId xmlns:p14="http://schemas.microsoft.com/office/powerpoint/2010/main" val="2960533896"/>
+      </p:ext>
+    </p:extLst>
+  </p:cSld>
+  <p:clrMapOvr>
+    <a:masterClrMapping/>
+  </p:clrMapOvr>
+</p:notes>
+</file>
+
+<file path=ppt/notesSlides/notesSlide4.xml><?xml version="1.0" encoding="utf-8"?>
+<p:notes xmlns:a="http://schemas.openxmlformats.org/drawingml/2006/main" xmlns:r="http://schemas.openxmlformats.org/officeDocument/2006/relationships" xmlns:p="http://schemas.openxmlformats.org/presentationml/2006/main">
+  <p:cSld>
+    <p:spTree>
+      <p:nvGrpSpPr>
+        <p:cNvPr id="1" name=""/>
+        <p:cNvGrpSpPr/>
+        <p:nvPr/>
+      </p:nvGrpSpPr>
+      <p:grpSpPr>
+        <a:xfrm>
+          <a:off x="0" y="0"/>
+          <a:ext cx="0" cy="0"/>
+          <a:chOff x="0" y="0"/>
+          <a:chExt cx="0" cy="0"/>
+        </a:xfrm>
+      </p:grpSpPr>
+      <p:sp>
+        <p:nvSpPr>
+          <p:cNvPr id="2" name="Slide Image Placeholder 1"/>
+          <p:cNvSpPr>
+            <a:spLocks noGrp="1" noRot="1" noChangeAspect="1"/>
+          </p:cNvSpPr>
+          <p:nvPr>
+            <p:ph type="sldImg"/>
+          </p:nvPr>
+        </p:nvSpPr>
+        <p:spPr/>
+      </p:sp>
+      <p:sp>
+        <p:nvSpPr>
+          <p:cNvPr id="3" name="Notes Placeholder 2"/>
+          <p:cNvSpPr>
+            <a:spLocks noGrp="1"/>
+          </p:cNvSpPr>
+          <p:nvPr>
+            <p:ph type="body" idx="1"/>
+          </p:nvPr>
+        </p:nvSpPr>
+        <p:spPr/>
+        <p:txBody>
+          <a:bodyPr/>
+          <a:lstStyle/>
+          <a:p>
+            <a:r>
               <a:rPr lang="en-SG" dirty="0"/>
-              <a:t>Btw, I only realized the avatar wiki would have made scraping a lot easier as it’s even more formatted than the </a:t>
-            </a:r>
-            <a:r>
-              <a:rPr lang="en-SG" dirty="0" err="1"/>
-              <a:t>simpsons</a:t>
-            </a:r>
+              <a:t>How to use the machine:</a:t>
+            </a:r>
+          </a:p>
+          <a:p>
+            <a:pPr marL="228600" indent="-228600">
+              <a:buFont typeface="+mj-lt"/>
+              <a:buAutoNum type="arabicPeriod"/>
+            </a:pPr>
             <a:r>
               <a:rPr lang="en-SG" dirty="0"/>
-              <a:t> wiki.</a:t>
+              <a:t>Copy the passage you want to find tropes from.</a:t>
+            </a:r>
+          </a:p>
+          <a:p>
+            <a:pPr marL="228600" indent="-228600">
+              <a:buFont typeface="+mj-lt"/>
+              <a:buAutoNum type="arabicPeriod"/>
+            </a:pPr>
+            <a:r>
+              <a:rPr lang="en-SG" dirty="0"/>
+              <a:t>The model will scan and determine from its dataset what tropes are likely to be inside your passage.</a:t>
+            </a:r>
+          </a:p>
+          <a:p>
+            <a:pPr marL="228600" indent="-228600">
+              <a:buFont typeface="+mj-lt"/>
+              <a:buAutoNum type="arabicPeriod"/>
+            </a:pPr>
+            <a:r>
+              <a:rPr lang="en-SG" dirty="0"/>
+              <a:t>You get a list of tropes and the attached text that made the model believe that text is why the trope is present.</a:t>
+            </a:r>
+          </a:p>
+        </p:txBody>
+      </p:sp>
+      <p:sp>
+        <p:nvSpPr>
+          <p:cNvPr id="4" name="Slide Number Placeholder 3"/>
+          <p:cNvSpPr>
+            <a:spLocks noGrp="1"/>
+          </p:cNvSpPr>
+          <p:nvPr>
+            <p:ph type="sldNum" sz="quarter" idx="5"/>
+          </p:nvPr>
+        </p:nvSpPr>
+        <p:spPr/>
+        <p:txBody>
+          <a:bodyPr/>
+          <a:lstStyle/>
+          <a:p>
+            <a:fld id="{C25E15D1-2997-4995-89EA-ABE974C14F7F}" type="slidenum">
+              <a:rPr lang="en-SG" smtClean="0"/>
+              <a:t>12</a:t>
+            </a:fld>
+            <a:endParaRPr lang="en-SG"/>
+          </a:p>
+        </p:txBody>
+      </p:sp>
+    </p:spTree>
+    <p:extLst>
+      <p:ext uri="{BB962C8B-B14F-4D97-AF65-F5344CB8AC3E}">
+        <p14:creationId xmlns:p14="http://schemas.microsoft.com/office/powerpoint/2010/main" val="86821700"/>
+      </p:ext>
+    </p:extLst>
+  </p:cSld>
+  <p:clrMapOvr>
+    <a:masterClrMapping/>
+  </p:clrMapOvr>
+</p:notes>
+</file>
+
+<file path=ppt/notesSlides/notesSlide5.xml><?xml version="1.0" encoding="utf-8"?>
+<p:notes xmlns:a="http://schemas.openxmlformats.org/drawingml/2006/main" xmlns:r="http://schemas.openxmlformats.org/officeDocument/2006/relationships" xmlns:p="http://schemas.openxmlformats.org/presentationml/2006/main">
+  <p:cSld>
+    <p:spTree>
+      <p:nvGrpSpPr>
+        <p:cNvPr id="1" name=""/>
+        <p:cNvGrpSpPr/>
+        <p:nvPr/>
+      </p:nvGrpSpPr>
+      <p:grpSpPr>
+        <a:xfrm>
+          <a:off x="0" y="0"/>
+          <a:ext cx="0" cy="0"/>
+          <a:chOff x="0" y="0"/>
+          <a:chExt cx="0" cy="0"/>
+        </a:xfrm>
+      </p:grpSpPr>
+      <p:sp>
+        <p:nvSpPr>
+          <p:cNvPr id="2" name="Slide Image Placeholder 1"/>
+          <p:cNvSpPr>
+            <a:spLocks noGrp="1" noRot="1" noChangeAspect="1"/>
+          </p:cNvSpPr>
+          <p:nvPr>
+            <p:ph type="sldImg"/>
+          </p:nvPr>
+        </p:nvSpPr>
+        <p:spPr/>
+      </p:sp>
+      <p:sp>
+        <p:nvSpPr>
+          <p:cNvPr id="3" name="Notes Placeholder 2"/>
+          <p:cNvSpPr>
+            <a:spLocks noGrp="1"/>
+          </p:cNvSpPr>
+          <p:nvPr>
+            <p:ph type="body" idx="1"/>
+          </p:nvPr>
+        </p:nvSpPr>
+        <p:spPr/>
+        <p:txBody>
+          <a:bodyPr/>
+          <a:lstStyle/>
+          <a:p>
+            <a:pPr marL="628650" lvl="1" indent="-171450">
+              <a:buFont typeface="Arial" panose="020B0604020202020204" pitchFamily="34" charset="0"/>
+              <a:buChar char="•"/>
+            </a:pPr>
+            <a:r>
+              <a:rPr lang="en-US" b="1" dirty="0"/>
+              <a:t>Language Barrier</a:t>
+            </a:r>
+            <a:r>
+              <a:rPr lang="en-US" dirty="0"/>
+              <a:t>: Currently, the tool is limited to analyzing English-language input, restricting its accessibility to a wider audience.</a:t>
+            </a:r>
+          </a:p>
+          <a:p>
+            <a:pPr marL="628650" lvl="1" indent="-171450">
+              <a:buFont typeface="Arial" panose="020B0604020202020204" pitchFamily="34" charset="0"/>
+              <a:buChar char="•"/>
+            </a:pPr>
+            <a:r>
+              <a:rPr lang="en-US" b="1" dirty="0"/>
+              <a:t>Structured Text Focus</a:t>
+            </a:r>
+            <a:r>
+              <a:rPr lang="en-US" dirty="0"/>
+              <a:t>: The tool is primarily designed for structured text-based media source (such as wiki transcripts and summaries), such as scripts and novels, limiting its application to other forms of media.</a:t>
+            </a:r>
+          </a:p>
+          <a:p>
+            <a:endParaRPr lang="en-SG" dirty="0"/>
+          </a:p>
+        </p:txBody>
+      </p:sp>
+      <p:sp>
+        <p:nvSpPr>
+          <p:cNvPr id="4" name="Slide Number Placeholder 3"/>
+          <p:cNvSpPr>
+            <a:spLocks noGrp="1"/>
+          </p:cNvSpPr>
+          <p:nvPr>
+            <p:ph type="sldNum" sz="quarter" idx="5"/>
+          </p:nvPr>
+        </p:nvSpPr>
+        <p:spPr/>
+        <p:txBody>
+          <a:bodyPr/>
+          <a:lstStyle/>
+          <a:p>
+            <a:fld id="{C25E15D1-2997-4995-89EA-ABE974C14F7F}" type="slidenum">
+              <a:rPr lang="en-SG" smtClean="0"/>
+              <a:t>14</a:t>
+            </a:fld>
+            <a:endParaRPr lang="en-SG"/>
+          </a:p>
+        </p:txBody>
+      </p:sp>
+    </p:spTree>
+    <p:extLst>
+      <p:ext uri="{BB962C8B-B14F-4D97-AF65-F5344CB8AC3E}">
+        <p14:creationId xmlns:p14="http://schemas.microsoft.com/office/powerpoint/2010/main" val="1816613992"/>
+      </p:ext>
+    </p:extLst>
+  </p:cSld>
+  <p:clrMapOvr>
+    <a:masterClrMapping/>
+  </p:clrMapOvr>
+</p:notes>
+</file>
+
+<file path=ppt/notesSlides/notesSlide6.xml><?xml version="1.0" encoding="utf-8"?>
+<p:notes xmlns:a="http://schemas.openxmlformats.org/drawingml/2006/main" xmlns:r="http://schemas.openxmlformats.org/officeDocument/2006/relationships" xmlns:p="http://schemas.openxmlformats.org/presentationml/2006/main">
+  <p:cSld>
+    <p:spTree>
+      <p:nvGrpSpPr>
+        <p:cNvPr id="1" name=""/>
+        <p:cNvGrpSpPr/>
+        <p:nvPr/>
+      </p:nvGrpSpPr>
+      <p:grpSpPr>
+        <a:xfrm>
+          <a:off x="0" y="0"/>
+          <a:ext cx="0" cy="0"/>
+          <a:chOff x="0" y="0"/>
+          <a:chExt cx="0" cy="0"/>
+        </a:xfrm>
+      </p:grpSpPr>
+      <p:sp>
+        <p:nvSpPr>
+          <p:cNvPr id="2" name="Slide Image Placeholder 1"/>
+          <p:cNvSpPr>
+            <a:spLocks noGrp="1" noRot="1" noChangeAspect="1"/>
+          </p:cNvSpPr>
+          <p:nvPr>
+            <p:ph type="sldImg"/>
+          </p:nvPr>
+        </p:nvSpPr>
+        <p:spPr/>
+      </p:sp>
+      <p:sp>
+        <p:nvSpPr>
+          <p:cNvPr id="3" name="Notes Placeholder 2"/>
+          <p:cNvSpPr>
+            <a:spLocks noGrp="1"/>
+          </p:cNvSpPr>
+          <p:nvPr>
+            <p:ph type="body" idx="1"/>
+          </p:nvPr>
+        </p:nvSpPr>
+        <p:spPr/>
+        <p:txBody>
+          <a:bodyPr/>
+          <a:lstStyle/>
+          <a:p>
+            <a:pPr marL="628650" lvl="1" indent="-171450">
+              <a:buFont typeface="Arial" panose="020B0604020202020204" pitchFamily="34" charset="0"/>
+              <a:buChar char="•"/>
+            </a:pPr>
+            <a:r>
+              <a:rPr lang="en-US" b="1" dirty="0"/>
+              <a:t>Global Trope Recognition</a:t>
+            </a:r>
+            <a:r>
+              <a:rPr lang="en-US" dirty="0"/>
+              <a:t>: TV Tropes, the underlying knowledge base for the tool, already encompasses non-English media, demonstrating the global relevance of tropes.</a:t>
+            </a:r>
+          </a:p>
+          <a:p>
+            <a:pPr marL="628650" lvl="1" indent="-171450">
+              <a:buFont typeface="Arial" panose="020B0604020202020204" pitchFamily="34" charset="0"/>
+              <a:buChar char="•"/>
+            </a:pPr>
+            <a:r>
+              <a:rPr lang="en-US" b="1" dirty="0"/>
+              <a:t>Bridging Linguistic and Cultural Gaps</a:t>
+            </a:r>
+            <a:r>
+              <a:rPr lang="en-US" dirty="0"/>
+              <a:t>: Expanding the tool's analysis capabilities to a broader international audience holds the potential to bridge language and cultural barriers, fostering a more inclusive understanding of tropes.</a:t>
             </a:r>
           </a:p>
         </p:txBody>
@@ -847,7 +3694,148 @@
     </p:spTree>
     <p:extLst>
       <p:ext uri="{BB962C8B-B14F-4D97-AF65-F5344CB8AC3E}">
-        <p14:creationId xmlns:p14="http://schemas.microsoft.com/office/powerpoint/2010/main" val="3931660907"/>
+        <p14:creationId xmlns:p14="http://schemas.microsoft.com/office/powerpoint/2010/main" val="1117877994"/>
+      </p:ext>
+    </p:extLst>
+  </p:cSld>
+  <p:clrMapOvr>
+    <a:masterClrMapping/>
+  </p:clrMapOvr>
+</p:notes>
+</file>
+
+<file path=ppt/notesSlides/notesSlide7.xml><?xml version="1.0" encoding="utf-8"?>
+<p:notes xmlns:a="http://schemas.openxmlformats.org/drawingml/2006/main" xmlns:r="http://schemas.openxmlformats.org/officeDocument/2006/relationships" xmlns:p="http://schemas.openxmlformats.org/presentationml/2006/main">
+  <p:cSld>
+    <p:spTree>
+      <p:nvGrpSpPr>
+        <p:cNvPr id="1" name=""/>
+        <p:cNvGrpSpPr/>
+        <p:nvPr/>
+      </p:nvGrpSpPr>
+      <p:grpSpPr>
+        <a:xfrm>
+          <a:off x="0" y="0"/>
+          <a:ext cx="0" cy="0"/>
+          <a:chOff x="0" y="0"/>
+          <a:chExt cx="0" cy="0"/>
+        </a:xfrm>
+      </p:grpSpPr>
+      <p:sp>
+        <p:nvSpPr>
+          <p:cNvPr id="2" name="Slide Image Placeholder 1"/>
+          <p:cNvSpPr>
+            <a:spLocks noGrp="1" noRot="1" noChangeAspect="1"/>
+          </p:cNvSpPr>
+          <p:nvPr>
+            <p:ph type="sldImg"/>
+          </p:nvPr>
+        </p:nvSpPr>
+        <p:spPr/>
+      </p:sp>
+      <p:sp>
+        <p:nvSpPr>
+          <p:cNvPr id="3" name="Notes Placeholder 2"/>
+          <p:cNvSpPr>
+            <a:spLocks noGrp="1"/>
+          </p:cNvSpPr>
+          <p:nvPr>
+            <p:ph type="body" idx="1"/>
+          </p:nvPr>
+        </p:nvSpPr>
+        <p:spPr/>
+        <p:txBody>
+          <a:bodyPr/>
+          <a:lstStyle/>
+          <a:p>
+            <a:pPr marL="914400" lvl="1" indent="-457200">
+              <a:buFont typeface="+mj-lt"/>
+              <a:buAutoNum type="arabicPeriod"/>
+            </a:pPr>
+            <a:r>
+              <a:rPr lang="en-US" b="1" dirty="0"/>
+              <a:t>Non-Structured Text Media Support</a:t>
+            </a:r>
+            <a:r>
+              <a:rPr lang="en-US" dirty="0"/>
+              <a:t>: Enhancing the tool's versatility by enabling support for non-structured text media, such as blog posts and social media content, will broaden its applicability.</a:t>
+            </a:r>
+          </a:p>
+          <a:p>
+            <a:pPr marL="914400" lvl="1" indent="-457200">
+              <a:buFont typeface="+mj-lt"/>
+              <a:buAutoNum type="arabicPeriod"/>
+            </a:pPr>
+            <a:r>
+              <a:rPr lang="en-US" b="1" dirty="0"/>
+              <a:t>Audio Analysis Integration</a:t>
+            </a:r>
+            <a:r>
+              <a:rPr lang="en-US" dirty="0"/>
+              <a:t>: Exploring the incorporation of audio content, including podcasts and dialogues, into the tool's analysis will provide a deeper understanding of trope usage in auditory mediums.</a:t>
+            </a:r>
+          </a:p>
+          <a:p>
+            <a:pPr marL="914400" lvl="1" indent="-457200">
+              <a:buFont typeface="+mj-lt"/>
+              <a:buAutoNum type="arabicPeriod"/>
+            </a:pPr>
+            <a:r>
+              <a:rPr lang="en-US" b="1" dirty="0"/>
+              <a:t>Image Recognition Functionality</a:t>
+            </a:r>
+            <a:r>
+              <a:rPr lang="en-US" dirty="0"/>
+              <a:t>: Extending the tool's functionality to analyze images will allow for the identification of tropes within visual elements, recognizing that a single image can convey multiple narrative devices.</a:t>
+            </a:r>
+          </a:p>
+          <a:p>
+            <a:pPr marL="914400" lvl="1" indent="-457200">
+              <a:buFont typeface="+mj-lt"/>
+              <a:buAutoNum type="arabicPeriod"/>
+            </a:pPr>
+            <a:r>
+              <a:rPr lang="en-US" b="1" dirty="0"/>
+              <a:t>Video Media Inclusion</a:t>
+            </a:r>
+            <a:r>
+              <a:rPr lang="en-US" dirty="0"/>
+              <a:t>: Aiming to include video media analysis will provide a comprehensive trope-scanning experience across various forms of media. (Such as YouTubers who do What-Ifs with no existing wiki for them)</a:t>
+            </a:r>
+            <a:endParaRPr lang="en-SG" dirty="0"/>
+          </a:p>
+          <a:p>
+            <a:endParaRPr lang="en-SG" dirty="0"/>
+          </a:p>
+        </p:txBody>
+      </p:sp>
+      <p:sp>
+        <p:nvSpPr>
+          <p:cNvPr id="4" name="Slide Number Placeholder 3"/>
+          <p:cNvSpPr>
+            <a:spLocks noGrp="1"/>
+          </p:cNvSpPr>
+          <p:nvPr>
+            <p:ph type="sldNum" sz="quarter" idx="5"/>
+          </p:nvPr>
+        </p:nvSpPr>
+        <p:spPr/>
+        <p:txBody>
+          <a:bodyPr/>
+          <a:lstStyle/>
+          <a:p>
+            <a:fld id="{C25E15D1-2997-4995-89EA-ABE974C14F7F}" type="slidenum">
+              <a:rPr lang="en-SG" smtClean="0"/>
+              <a:t>16</a:t>
+            </a:fld>
+            <a:endParaRPr lang="en-SG"/>
+          </a:p>
+        </p:txBody>
+      </p:sp>
+    </p:spTree>
+    <p:extLst>
+      <p:ext uri="{BB962C8B-B14F-4D97-AF65-F5344CB8AC3E}">
+        <p14:creationId xmlns:p14="http://schemas.microsoft.com/office/powerpoint/2010/main" val="1271475098"/>
       </p:ext>
     </p:extLst>
   </p:cSld>
@@ -1006,7 +3994,7 @@
           <a:p>
             <a:fld id="{44A3B300-3034-4711-A098-AB0362F90C4D}" type="datetime1">
               <a:rPr lang="en-SG" smtClean="0"/>
-              <a:t>7/11/2023</a:t>
+              <a:t>8/11/2023</a:t>
             </a:fld>
             <a:endParaRPr lang="en-SG"/>
           </a:p>
@@ -1206,7 +4194,7 @@
           <a:p>
             <a:fld id="{9A10E00A-CDD1-43F5-8F32-673CFCC90A06}" type="datetime1">
               <a:rPr lang="en-SG" smtClean="0"/>
-              <a:t>7/11/2023</a:t>
+              <a:t>8/11/2023</a:t>
             </a:fld>
             <a:endParaRPr lang="en-SG"/>
           </a:p>
@@ -1416,7 +4404,7 @@
           <a:p>
             <a:fld id="{A8CFDA9A-4B43-4746-ABFB-7F1D187BEB52}" type="datetime1">
               <a:rPr lang="en-SG" smtClean="0"/>
-              <a:t>7/11/2023</a:t>
+              <a:t>8/11/2023</a:t>
             </a:fld>
             <a:endParaRPr lang="en-SG"/>
           </a:p>
@@ -1616,7 +4604,7 @@
           <a:p>
             <a:fld id="{6F379FAB-37FC-433C-B1CD-CDC09AA66DAE}" type="datetime1">
               <a:rPr lang="en-SG" smtClean="0"/>
-              <a:t>7/11/2023</a:t>
+              <a:t>8/11/2023</a:t>
             </a:fld>
             <a:endParaRPr lang="en-SG"/>
           </a:p>
@@ -1931,7 +4919,7 @@
           <a:p>
             <a:fld id="{41C82C2E-FF91-4EC7-A099-AC8701610FE2}" type="datetime1">
               <a:rPr lang="en-SG" smtClean="0"/>
-              <a:t>7/11/2023</a:t>
+              <a:t>8/11/2023</a:t>
             </a:fld>
             <a:endParaRPr lang="en-SG"/>
           </a:p>
@@ -2199,7 +5187,7 @@
           <a:p>
             <a:fld id="{009A6468-D97D-48A8-90D4-1193D41A0015}" type="datetime1">
               <a:rPr lang="en-SG" smtClean="0"/>
-              <a:t>7/11/2023</a:t>
+              <a:t>8/11/2023</a:t>
             </a:fld>
             <a:endParaRPr lang="en-SG"/>
           </a:p>
@@ -2614,7 +5602,7 @@
           <a:p>
             <a:fld id="{A90DFADD-FBA2-4915-9CC4-58C11C1A1085}" type="datetime1">
               <a:rPr lang="en-SG" smtClean="0"/>
-              <a:t>7/11/2023</a:t>
+              <a:t>8/11/2023</a:t>
             </a:fld>
             <a:endParaRPr lang="en-SG"/>
           </a:p>
@@ -2756,7 +5744,7 @@
           <a:p>
             <a:fld id="{2746AC76-0F03-4FF9-A7EF-78F1A93EB052}" type="datetime1">
               <a:rPr lang="en-SG" smtClean="0"/>
-              <a:t>7/11/2023</a:t>
+              <a:t>8/11/2023</a:t>
             </a:fld>
             <a:endParaRPr lang="en-SG"/>
           </a:p>
@@ -2869,7 +5857,7 @@
           <a:p>
             <a:fld id="{2B559D62-B841-4488-A495-CA6A89CB402F}" type="datetime1">
               <a:rPr lang="en-SG" smtClean="0"/>
-              <a:t>7/11/2023</a:t>
+              <a:t>8/11/2023</a:t>
             </a:fld>
             <a:endParaRPr lang="en-SG"/>
           </a:p>
@@ -3182,7 +6170,7 @@
           <a:p>
             <a:fld id="{C4F2C3DF-051A-434A-AD8C-9C4A0090360D}" type="datetime1">
               <a:rPr lang="en-SG" smtClean="0"/>
-              <a:t>7/11/2023</a:t>
+              <a:t>8/11/2023</a:t>
             </a:fld>
             <a:endParaRPr lang="en-SG"/>
           </a:p>
@@ -3471,7 +6459,7 @@
           <a:p>
             <a:fld id="{D348C875-7BA4-4EC9-9F1F-2047C20AE531}" type="datetime1">
               <a:rPr lang="en-SG" smtClean="0"/>
-              <a:t>7/11/2023</a:t>
+              <a:t>8/11/2023</a:t>
             </a:fld>
             <a:endParaRPr lang="en-SG"/>
           </a:p>
@@ -3714,7 +6702,7 @@
           <a:p>
             <a:fld id="{9FAD9D93-73FA-4888-8FED-12D2B901195C}" type="datetime1">
               <a:rPr lang="en-SG" smtClean="0"/>
-              <a:t>7/11/2023</a:t>
+              <a:t>8/11/2023</a:t>
             </a:fld>
             <a:endParaRPr lang="en-SG"/>
           </a:p>
@@ -4335,7 +7323,7 @@
           <p:cNvPr id="2" name="Title 1">
             <a:extLst>
               <a:ext uri="{FF2B5EF4-FFF2-40B4-BE49-F238E27FC236}">
-                <a16:creationId xmlns:a16="http://schemas.microsoft.com/office/drawing/2014/main" id="{301F39E2-43F6-3327-EA20-8199D0D2FA38}"/>
+                <a16:creationId xmlns:a16="http://schemas.microsoft.com/office/drawing/2014/main" id="{8C547F8E-4824-3588-92D2-0D4DA4EFCEBC}"/>
               </a:ext>
             </a:extLst>
           </p:cNvPr>
@@ -4352,9 +7340,10 @@
           <a:lstStyle/>
           <a:p>
             <a:r>
-              <a:rPr lang="en-SG" dirty="0"/>
-              <a:t>Evaluation</a:t>
-            </a:r>
+              <a:rPr lang="en-US" dirty="0"/>
+              <a:t>Results and Findings</a:t>
+            </a:r>
+            <a:endParaRPr lang="en-SG" dirty="0"/>
           </a:p>
         </p:txBody>
       </p:sp>
@@ -4363,7 +7352,7 @@
           <p:cNvPr id="3" name="Content Placeholder 2">
             <a:extLst>
               <a:ext uri="{FF2B5EF4-FFF2-40B4-BE49-F238E27FC236}">
-                <a16:creationId xmlns:a16="http://schemas.microsoft.com/office/drawing/2014/main" id="{2FF5435C-63C3-6142-DE01-B9240A928DD0}"/>
+                <a16:creationId xmlns:a16="http://schemas.microsoft.com/office/drawing/2014/main" id="{EA7FDE6B-D567-21A9-C3D5-9705E7218373}"/>
               </a:ext>
             </a:extLst>
           </p:cNvPr>
@@ -4376,20 +7365,15 @@
         </p:nvSpPr>
         <p:spPr/>
         <p:txBody>
-          <a:bodyPr/>
+          <a:bodyPr>
+            <a:normAutofit/>
+          </a:bodyPr>
           <a:lstStyle/>
           <a:p>
             <a:r>
               <a:rPr lang="en-US" dirty="0"/>
-              <a:t>If applicable, discuss how you evaluated the effectiveness or accuracy of the tool.</a:t>
-            </a:r>
-          </a:p>
-          <a:p>
-            <a:r>
-              <a:rPr lang="en-US" dirty="0"/>
-              <a:t>Share any results or findings from the evaluation process.</a:t>
-            </a:r>
-            <a:endParaRPr lang="en-SG" dirty="0"/>
+              <a:t>This section should present the results of using your trope-scanning tool on sample texts and discuss the key findings. Be sure to include relevant statistics, visualizations, or examples to support your findings.</a:t>
+            </a:r>
           </a:p>
         </p:txBody>
       </p:sp>
@@ -4398,7 +7382,7 @@
           <p:cNvPr id="4" name="Footer Placeholder 3">
             <a:extLst>
               <a:ext uri="{FF2B5EF4-FFF2-40B4-BE49-F238E27FC236}">
-                <a16:creationId xmlns:a16="http://schemas.microsoft.com/office/drawing/2014/main" id="{149D4E25-9978-A56A-C099-E00EB7F7E300}"/>
+                <a16:creationId xmlns:a16="http://schemas.microsoft.com/office/drawing/2014/main" id="{6DA68FBD-9EBA-3A54-F48F-09CB3BBF0F3E}"/>
               </a:ext>
             </a:extLst>
           </p:cNvPr>
@@ -4421,7 +7405,7 @@
     </p:spTree>
     <p:extLst>
       <p:ext uri="{BB962C8B-B14F-4D97-AF65-F5344CB8AC3E}">
-        <p14:creationId xmlns:p14="http://schemas.microsoft.com/office/powerpoint/2010/main" val="3387552392"/>
+        <p14:creationId xmlns:p14="http://schemas.microsoft.com/office/powerpoint/2010/main" val="2858678321"/>
       </p:ext>
     </p:extLst>
   </p:cSld>
@@ -4453,7 +7437,7 @@
           <p:cNvPr id="2" name="Title 1">
             <a:extLst>
               <a:ext uri="{FF2B5EF4-FFF2-40B4-BE49-F238E27FC236}">
-                <a16:creationId xmlns:a16="http://schemas.microsoft.com/office/drawing/2014/main" id="{8C547F8E-4824-3588-92D2-0D4DA4EFCEBC}"/>
+                <a16:creationId xmlns:a16="http://schemas.microsoft.com/office/drawing/2014/main" id="{7E2C1F7B-62C6-6544-6337-A2E050AFB834}"/>
               </a:ext>
             </a:extLst>
           </p:cNvPr>
@@ -4471,7 +7455,7 @@
           <a:p>
             <a:r>
               <a:rPr lang="en-US" dirty="0"/>
-              <a:t>Results and Findings</a:t>
+              <a:t>Tool Description</a:t>
             </a:r>
             <a:endParaRPr lang="en-SG" dirty="0"/>
           </a:p>
@@ -4482,7 +7466,7 @@
           <p:cNvPr id="3" name="Content Placeholder 2">
             <a:extLst>
               <a:ext uri="{FF2B5EF4-FFF2-40B4-BE49-F238E27FC236}">
-                <a16:creationId xmlns:a16="http://schemas.microsoft.com/office/drawing/2014/main" id="{EA7FDE6B-D567-21A9-C3D5-9705E7218373}"/>
+                <a16:creationId xmlns:a16="http://schemas.microsoft.com/office/drawing/2014/main" id="{58D79C7D-D18E-3067-44D4-B2598DCCA30F}"/>
               </a:ext>
             </a:extLst>
           </p:cNvPr>
@@ -4502,7 +7486,62 @@
           <a:p>
             <a:r>
               <a:rPr lang="en-US" dirty="0"/>
-              <a:t>This section should present the results of using your trope-scanning tool on sample texts and discuss the key findings. Be sure to include relevant statistics, visualizations, or examples to support your findings.</a:t>
+              <a:t>Key Features:</a:t>
+            </a:r>
+          </a:p>
+          <a:p>
+            <a:pPr lvl="1"/>
+            <a:r>
+              <a:rPr lang="en-US" dirty="0"/>
+              <a:t>Identify tropes in written text</a:t>
+            </a:r>
+          </a:p>
+          <a:p>
+            <a:pPr lvl="1"/>
+            <a:r>
+              <a:rPr lang="en-US" dirty="0"/>
+              <a:t>Analyze trope usage and significance</a:t>
+            </a:r>
+          </a:p>
+          <a:p>
+            <a:pPr lvl="1"/>
+            <a:r>
+              <a:rPr lang="en-US" dirty="0"/>
+              <a:t>Compare tropes across different media</a:t>
+            </a:r>
+          </a:p>
+          <a:p>
+            <a:pPr lvl="1"/>
+            <a:r>
+              <a:rPr lang="en-US" dirty="0"/>
+              <a:t>Visualize trope distribution for deeper insights</a:t>
+            </a:r>
+          </a:p>
+          <a:p>
+            <a:r>
+              <a:rPr lang="en-US" dirty="0"/>
+              <a:t>Ease of Use:</a:t>
+            </a:r>
+          </a:p>
+          <a:p>
+            <a:pPr lvl="1"/>
+            <a:r>
+              <a:rPr lang="en-US" dirty="0"/>
+              <a:t>Intuitive interface for seamless navigation</a:t>
+            </a:r>
+          </a:p>
+          <a:p>
+            <a:pPr lvl="1"/>
+            <a:r>
+              <a:rPr lang="en-US" dirty="0"/>
+              <a:t>Simple input methods for various media formats</a:t>
+            </a:r>
+          </a:p>
+          <a:p>
+            <a:pPr lvl="1"/>
+            <a:r>
+              <a:rPr lang="en-US" dirty="0"/>
+              <a:t>Interactive visualizations for enhanced understanding</a:t>
             </a:r>
           </a:p>
         </p:txBody>
@@ -4512,7 +7551,7 @@
           <p:cNvPr id="4" name="Footer Placeholder 3">
             <a:extLst>
               <a:ext uri="{FF2B5EF4-FFF2-40B4-BE49-F238E27FC236}">
-                <a16:creationId xmlns:a16="http://schemas.microsoft.com/office/drawing/2014/main" id="{6DA68FBD-9EBA-3A54-F48F-09CB3BBF0F3E}"/>
+                <a16:creationId xmlns:a16="http://schemas.microsoft.com/office/drawing/2014/main" id="{653B5AAD-6E08-1998-669B-8C6F4BA74959}"/>
               </a:ext>
             </a:extLst>
           </p:cNvPr>
@@ -4535,7 +7574,7 @@
     </p:spTree>
     <p:extLst>
       <p:ext uri="{BB962C8B-B14F-4D97-AF65-F5344CB8AC3E}">
-        <p14:creationId xmlns:p14="http://schemas.microsoft.com/office/powerpoint/2010/main" val="2858678321"/>
+        <p14:creationId xmlns:p14="http://schemas.microsoft.com/office/powerpoint/2010/main" val="4154243650"/>
       </p:ext>
     </p:extLst>
   </p:cSld>
@@ -4567,7 +7606,7 @@
           <p:cNvPr id="2" name="Title 1">
             <a:extLst>
               <a:ext uri="{FF2B5EF4-FFF2-40B4-BE49-F238E27FC236}">
-                <a16:creationId xmlns:a16="http://schemas.microsoft.com/office/drawing/2014/main" id="{7E2C1F7B-62C6-6544-6337-A2E050AFB834}"/>
+                <a16:creationId xmlns:a16="http://schemas.microsoft.com/office/drawing/2014/main" id="{BED2D3D8-D4F8-D468-493A-FF1E6A6FEEB6}"/>
               </a:ext>
             </a:extLst>
           </p:cNvPr>
@@ -4576,35 +7615,6 @@
           </p:cNvSpPr>
           <p:nvPr>
             <p:ph type="title"/>
-          </p:nvPr>
-        </p:nvSpPr>
-        <p:spPr/>
-        <p:txBody>
-          <a:bodyPr/>
-          <a:lstStyle/>
-          <a:p>
-            <a:r>
-              <a:rPr lang="en-US" dirty="0"/>
-              <a:t>Tool Description</a:t>
-            </a:r>
-            <a:endParaRPr lang="en-SG" dirty="0"/>
-          </a:p>
-        </p:txBody>
-      </p:sp>
-      <p:sp>
-        <p:nvSpPr>
-          <p:cNvPr id="3" name="Content Placeholder 2">
-            <a:extLst>
-              <a:ext uri="{FF2B5EF4-FFF2-40B4-BE49-F238E27FC236}">
-                <a16:creationId xmlns:a16="http://schemas.microsoft.com/office/drawing/2014/main" id="{58D79C7D-D18E-3067-44D4-B2598DCCA30F}"/>
-              </a:ext>
-            </a:extLst>
-          </p:cNvPr>
-          <p:cNvSpPr>
-            <a:spLocks noGrp="1"/>
-          </p:cNvSpPr>
-          <p:nvPr>
-            <p:ph idx="1"/>
           </p:nvPr>
         </p:nvSpPr>
         <p:spPr/>
@@ -4615,63 +7625,8 @@
           <a:lstStyle/>
           <a:p>
             <a:r>
-              <a:rPr lang="en-US" dirty="0"/>
-              <a:t>Key Features:</a:t>
-            </a:r>
-          </a:p>
-          <a:p>
-            <a:pPr lvl="1"/>
-            <a:r>
-              <a:rPr lang="en-US" dirty="0"/>
-              <a:t>Identify tropes in written text</a:t>
-            </a:r>
-          </a:p>
-          <a:p>
-            <a:pPr lvl="1"/>
-            <a:r>
-              <a:rPr lang="en-US" dirty="0"/>
-              <a:t>Analyze trope usage and significance</a:t>
-            </a:r>
-          </a:p>
-          <a:p>
-            <a:pPr lvl="1"/>
-            <a:r>
-              <a:rPr lang="en-US" dirty="0"/>
-              <a:t>Compare tropes across different media</a:t>
-            </a:r>
-          </a:p>
-          <a:p>
-            <a:pPr lvl="1"/>
-            <a:r>
-              <a:rPr lang="en-US" dirty="0"/>
-              <a:t>Visualize trope distribution for deeper insights</a:t>
-            </a:r>
-          </a:p>
-          <a:p>
-            <a:r>
-              <a:rPr lang="en-US" dirty="0"/>
-              <a:t>Ease of Use:</a:t>
-            </a:r>
-          </a:p>
-          <a:p>
-            <a:pPr lvl="1"/>
-            <a:r>
-              <a:rPr lang="en-US" dirty="0"/>
-              <a:t>Intuitive interface for seamless navigation</a:t>
-            </a:r>
-          </a:p>
-          <a:p>
-            <a:pPr lvl="1"/>
-            <a:r>
-              <a:rPr lang="en-US" dirty="0"/>
-              <a:t>Simple input methods for various media formats</a:t>
-            </a:r>
-          </a:p>
-          <a:p>
-            <a:pPr lvl="1"/>
-            <a:r>
-              <a:rPr lang="en-US" dirty="0"/>
-              <a:t>Interactive visualizations for enhanced understanding</a:t>
+              <a:rPr lang="en-SG" dirty="0"/>
+              <a:t>Functionality</a:t>
             </a:r>
           </a:p>
         </p:txBody>
@@ -4681,7 +7636,7 @@
           <p:cNvPr id="4" name="Footer Placeholder 3">
             <a:extLst>
               <a:ext uri="{FF2B5EF4-FFF2-40B4-BE49-F238E27FC236}">
-                <a16:creationId xmlns:a16="http://schemas.microsoft.com/office/drawing/2014/main" id="{653B5AAD-6E08-1998-669B-8C6F4BA74959}"/>
+                <a16:creationId xmlns:a16="http://schemas.microsoft.com/office/drawing/2014/main" id="{F4D4210A-A464-8375-3098-FC5C154984B2}"/>
               </a:ext>
             </a:extLst>
           </p:cNvPr>
@@ -4698,13 +7653,125 @@
           <a:lstStyle/>
           <a:p>
             <a:endParaRPr lang="en-SG"/>
+          </a:p>
+        </p:txBody>
+      </p:sp>
+      <p:graphicFrame>
+        <p:nvGraphicFramePr>
+          <p:cNvPr id="14" name="Content Placeholder 13">
+            <a:extLst>
+              <a:ext uri="{FF2B5EF4-FFF2-40B4-BE49-F238E27FC236}">
+                <a16:creationId xmlns:a16="http://schemas.microsoft.com/office/drawing/2014/main" id="{2EBDF62B-4DB3-93B6-394E-875A7B512F61}"/>
+              </a:ext>
+            </a:extLst>
+          </p:cNvPr>
+          <p:cNvGraphicFramePr>
+            <a:graphicFrameLocks noGrp="1"/>
+          </p:cNvGraphicFramePr>
+          <p:nvPr>
+            <p:ph idx="1"/>
+            <p:extLst>
+              <p:ext uri="{D42A27DB-BD31-4B8C-83A1-F6EECF244321}">
+                <p14:modId xmlns:p14="http://schemas.microsoft.com/office/powerpoint/2010/main" val="757512924"/>
+              </p:ext>
+            </p:extLst>
+          </p:nvPr>
+        </p:nvGraphicFramePr>
+        <p:xfrm>
+          <a:off x="838200" y="1825625"/>
+          <a:ext cx="10515600" cy="4351338"/>
+        </p:xfrm>
+        <a:graphic>
+          <a:graphicData uri="http://schemas.openxmlformats.org/drawingml/2006/diagram">
+            <dgm:relIds xmlns:dgm="http://schemas.openxmlformats.org/drawingml/2006/diagram" xmlns:r="http://schemas.openxmlformats.org/officeDocument/2006/relationships" r:dm="rId3" r:lo="rId4" r:qs="rId5" r:cs="rId6"/>
+          </a:graphicData>
+        </a:graphic>
+      </p:graphicFrame>
+      <p:sp>
+        <p:nvSpPr>
+          <p:cNvPr id="17" name="Rectangle 16">
+            <a:extLst>
+              <a:ext uri="{FF2B5EF4-FFF2-40B4-BE49-F238E27FC236}">
+                <a16:creationId xmlns:a16="http://schemas.microsoft.com/office/drawing/2014/main" id="{D500CEF5-D6C3-88C5-FD84-831FB26E594B}"/>
+              </a:ext>
+            </a:extLst>
+          </p:cNvPr>
+          <p:cNvSpPr/>
+          <p:nvPr/>
+        </p:nvSpPr>
+        <p:spPr>
+          <a:xfrm>
+            <a:off x="5298394" y="136525"/>
+            <a:ext cx="2855006" cy="2855006"/>
+          </a:xfrm>
+          <a:prstGeom prst="rect">
+            <a:avLst/>
+          </a:prstGeom>
+        </p:spPr>
+        <p:style>
+          <a:lnRef idx="2">
+            <a:schemeClr val="accent1">
+              <a:shade val="15000"/>
+            </a:schemeClr>
+          </a:lnRef>
+          <a:fillRef idx="1">
+            <a:schemeClr val="accent1"/>
+          </a:fillRef>
+          <a:effectRef idx="0">
+            <a:schemeClr val="accent1"/>
+          </a:effectRef>
+          <a:fontRef idx="minor">
+            <a:schemeClr val="lt1"/>
+          </a:fontRef>
+        </p:style>
+        <p:txBody>
+          <a:bodyPr rtlCol="0" anchor="ctr"/>
+          <a:lstStyle/>
+          <a:p>
+            <a:pPr algn="ctr"/>
+            <a:endParaRPr lang="en-SG"/>
+          </a:p>
+        </p:txBody>
+      </p:sp>
+      <p:sp>
+        <p:nvSpPr>
+          <p:cNvPr id="16" name="TextBox 15">
+            <a:extLst>
+              <a:ext uri="{FF2B5EF4-FFF2-40B4-BE49-F238E27FC236}">
+                <a16:creationId xmlns:a16="http://schemas.microsoft.com/office/drawing/2014/main" id="{F4680B68-8D72-4A92-4ECC-F69FADC0B59E}"/>
+              </a:ext>
+            </a:extLst>
+          </p:cNvPr>
+          <p:cNvSpPr txBox="1"/>
+          <p:nvPr/>
+        </p:nvSpPr>
+        <p:spPr>
+          <a:xfrm>
+            <a:off x="5452573" y="1240862"/>
+            <a:ext cx="2546647" cy="646331"/>
+          </a:xfrm>
+          <a:prstGeom prst="rect">
+            <a:avLst/>
+          </a:prstGeom>
+          <a:noFill/>
+        </p:spPr>
+        <p:txBody>
+          <a:bodyPr wrap="square" rtlCol="0">
+            <a:spAutoFit/>
+          </a:bodyPr>
+          <a:lstStyle/>
+          <a:p>
+            <a:r>
+              <a:rPr lang="en-SG" dirty="0"/>
+              <a:t>REMEMBER TO PUT THE QR CODE HERE</a:t>
+            </a:r>
           </a:p>
         </p:txBody>
       </p:sp>
     </p:spTree>
     <p:extLst>
       <p:ext uri="{BB962C8B-B14F-4D97-AF65-F5344CB8AC3E}">
-        <p14:creationId xmlns:p14="http://schemas.microsoft.com/office/powerpoint/2010/main" val="4154243650"/>
+        <p14:creationId xmlns:p14="http://schemas.microsoft.com/office/powerpoint/2010/main" val="1569411802"/>
       </p:ext>
     </p:extLst>
   </p:cSld>
@@ -4886,7 +7953,7 @@
           <a:p>
             <a:r>
               <a:rPr lang="en-US" dirty="0"/>
-              <a:t>Future Enhancements</a:t>
+              <a:t>Future Enhancements (Part 1)</a:t>
             </a:r>
             <a:endParaRPr lang="en-SG" dirty="0"/>
           </a:p>
@@ -4911,7 +7978,7 @@
         <p:spPr/>
         <p:txBody>
           <a:bodyPr>
-            <a:normAutofit fontScale="62500" lnSpcReduction="20000"/>
+            <a:normAutofit/>
           </a:bodyPr>
           <a:lstStyle/>
           <a:p>
@@ -4926,10 +7993,7 @@
               <a:rPr lang="en-US" b="1" dirty="0"/>
               <a:t>Language Barrier</a:t>
             </a:r>
-            <a:r>
-              <a:rPr lang="en-US" dirty="0"/>
-              <a:t>: Currently, the tool is limited to analyzing English-language input, restricting its accessibility to a wider audience.</a:t>
-            </a:r>
+            <a:endParaRPr lang="en-US" dirty="0"/>
           </a:p>
           <a:p>
             <a:pPr lvl="1"/>
@@ -4937,101 +8001,7 @@
               <a:rPr lang="en-US" b="1" dirty="0"/>
               <a:t>Structured Text Focus</a:t>
             </a:r>
-            <a:r>
-              <a:rPr lang="en-US" dirty="0"/>
-              <a:t>: The tool is primarily designed for structured text-based media source (such as wiki transcripts and summaries), such as scripts and novels, limiting its application to other forms of media.</a:t>
-            </a:r>
-          </a:p>
-          <a:p>
-            <a:r>
-              <a:rPr lang="en-US" dirty="0"/>
-              <a:t>Internationalization: Recognize the importance of internationalization.</a:t>
-            </a:r>
-          </a:p>
-          <a:p>
-            <a:pPr lvl="1"/>
-            <a:r>
-              <a:rPr lang="en-US" b="1" dirty="0"/>
-              <a:t>Global Trope Recognition</a:t>
-            </a:r>
-            <a:r>
-              <a:rPr lang="en-US" dirty="0"/>
-              <a:t>: TV Tropes, the underlying knowledge base for the tool, already encompasses non-English media, demonstrating the global relevance of tropes.</a:t>
-            </a:r>
-          </a:p>
-          <a:p>
-            <a:pPr lvl="1"/>
-            <a:r>
-              <a:rPr lang="en-US" b="1" dirty="0"/>
-              <a:t>Bridging Linguistic and Cultural Gaps</a:t>
-            </a:r>
-            <a:r>
-              <a:rPr lang="en-US" dirty="0"/>
-              <a:t>: Expanding the tool's analysis capabilities to a broader international audience holds the potential to bridge language and cultural barriers, fostering a more inclusive understanding of tropes.</a:t>
-            </a:r>
-          </a:p>
-          <a:p>
-            <a:r>
-              <a:rPr lang="en-US" dirty="0"/>
-              <a:t>Expansion Plans:</a:t>
-            </a:r>
-          </a:p>
-          <a:p>
-            <a:pPr marL="914400" lvl="1" indent="-457200">
-              <a:buFont typeface="+mj-lt"/>
-              <a:buAutoNum type="arabicPeriod"/>
-            </a:pPr>
-            <a:r>
-              <a:rPr lang="en-US" b="1" dirty="0"/>
-              <a:t>Non-Structured Text Media Support</a:t>
-            </a:r>
-            <a:r>
-              <a:rPr lang="en-US" dirty="0"/>
-              <a:t>: Enhancing the tool's versatility by enabling support for non-structured text media, such as blog posts and social media content, will broaden its applicability.</a:t>
-            </a:r>
-          </a:p>
-          <a:p>
-            <a:pPr marL="914400" lvl="1" indent="-457200">
-              <a:buFont typeface="+mj-lt"/>
-              <a:buAutoNum type="arabicPeriod"/>
-            </a:pPr>
-            <a:r>
-              <a:rPr lang="en-US" b="1" dirty="0"/>
-              <a:t>Audio Analysis Integration</a:t>
-            </a:r>
-            <a:r>
-              <a:rPr lang="en-US" dirty="0"/>
-              <a:t>: Exploring the incorporation of audio content, including podcasts and dialogues, into the tool's analysis will provide a deeper understanding of trope usage in auditory mediums.</a:t>
-            </a:r>
-          </a:p>
-          <a:p>
-            <a:pPr marL="914400" lvl="1" indent="-457200">
-              <a:buFont typeface="+mj-lt"/>
-              <a:buAutoNum type="arabicPeriod"/>
-            </a:pPr>
-            <a:r>
-              <a:rPr lang="en-US" b="1" dirty="0"/>
-              <a:t>Image Recognition Functionality</a:t>
-            </a:r>
-            <a:r>
-              <a:rPr lang="en-US" dirty="0"/>
-              <a:t>: Extending the tool's functionality to analyze images will allow for the identification of tropes within visual elements, recognizing that a single image can convey multiple narrative devices.</a:t>
-            </a:r>
-          </a:p>
-          <a:p>
-            <a:pPr marL="914400" lvl="1" indent="-457200">
-              <a:buFont typeface="+mj-lt"/>
-              <a:buAutoNum type="arabicPeriod"/>
-            </a:pPr>
-            <a:r>
-              <a:rPr lang="en-US" b="1" dirty="0"/>
-              <a:t>Video Media Inclusion</a:t>
-            </a:r>
-            <a:r>
-              <a:rPr lang="en-US" dirty="0"/>
-              <a:t>: Aiming to include video media analysis will provide a comprehensive trope-scanning experience across various forms of media. (Such as YouTubers who do What-Ifs with no existing wiki for them)</a:t>
-            </a:r>
-            <a:endParaRPr lang="en-SG" dirty="0"/>
+            <a:endParaRPr lang="en-US" dirty="0"/>
           </a:p>
         </p:txBody>
       </p:sp>
@@ -5060,6 +8030,179 @@
           </a:p>
         </p:txBody>
       </p:sp>
+      <p:pic>
+        <p:nvPicPr>
+          <p:cNvPr id="6" name="Picture 5">
+            <a:extLst>
+              <a:ext uri="{FF2B5EF4-FFF2-40B4-BE49-F238E27FC236}">
+                <a16:creationId xmlns:a16="http://schemas.microsoft.com/office/drawing/2014/main" id="{07A29679-0E64-683C-1B10-6C15A31F9488}"/>
+              </a:ext>
+            </a:extLst>
+          </p:cNvPr>
+          <p:cNvPicPr>
+            <a:picLocks noChangeAspect="1"/>
+          </p:cNvPicPr>
+          <p:nvPr/>
+        </p:nvPicPr>
+        <p:blipFill>
+          <a:blip r:embed="rId3">
+            <a:extLst>
+              <a:ext uri="{28A0092B-C50C-407E-A947-70E740481C1C}">
+                <a14:useLocalDpi xmlns:a14="http://schemas.microsoft.com/office/drawing/2010/main" val="0"/>
+              </a:ext>
+              <a:ext uri="{837473B0-CC2E-450A-ABE3-18F120FF3D39}">
+                <a1611:picAttrSrcUrl xmlns:a1611="http://schemas.microsoft.com/office/drawing/2016/11/main" r:id="rId4"/>
+              </a:ext>
+            </a:extLst>
+          </a:blip>
+          <a:stretch>
+            <a:fillRect/>
+          </a:stretch>
+        </p:blipFill>
+        <p:spPr>
+          <a:xfrm>
+            <a:off x="397918" y="3343020"/>
+            <a:ext cx="4968842" cy="3017238"/>
+          </a:xfrm>
+          <a:prstGeom prst="rect">
+            <a:avLst/>
+          </a:prstGeom>
+        </p:spPr>
+      </p:pic>
+      <p:sp>
+        <p:nvSpPr>
+          <p:cNvPr id="7" name="TextBox 6">
+            <a:extLst>
+              <a:ext uri="{FF2B5EF4-FFF2-40B4-BE49-F238E27FC236}">
+                <a16:creationId xmlns:a16="http://schemas.microsoft.com/office/drawing/2014/main" id="{FF2E4F90-FDF0-97BC-F14D-4ED60693A891}"/>
+              </a:ext>
+            </a:extLst>
+          </p:cNvPr>
+          <p:cNvSpPr txBox="1"/>
+          <p:nvPr/>
+        </p:nvSpPr>
+        <p:spPr>
+          <a:xfrm>
+            <a:off x="1521151" y="3567501"/>
+            <a:ext cx="1129617" cy="646331"/>
+          </a:xfrm>
+          <a:prstGeom prst="rect">
+            <a:avLst/>
+          </a:prstGeom>
+          <a:noFill/>
+        </p:spPr>
+        <p:txBody>
+          <a:bodyPr wrap="square" rtlCol="0">
+            <a:spAutoFit/>
+          </a:bodyPr>
+          <a:lstStyle/>
+          <a:p>
+            <a:r>
+              <a:rPr lang="zh-CN" altLang="en-US" dirty="0">
+                <a:latin typeface="+mj-lt"/>
+              </a:rPr>
+              <a:t>她正在学习弹钢琴。</a:t>
+            </a:r>
+            <a:endParaRPr lang="en-SG" dirty="0">
+              <a:latin typeface="+mj-lt"/>
+            </a:endParaRPr>
+          </a:p>
+        </p:txBody>
+      </p:sp>
+      <p:sp>
+        <p:nvSpPr>
+          <p:cNvPr id="8" name="TextBox 7">
+            <a:extLst>
+              <a:ext uri="{FF2B5EF4-FFF2-40B4-BE49-F238E27FC236}">
+                <a16:creationId xmlns:a16="http://schemas.microsoft.com/office/drawing/2014/main" id="{F767EA1F-05E8-BCEF-6BEA-7EEE5037B3C0}"/>
+              </a:ext>
+            </a:extLst>
+          </p:cNvPr>
+          <p:cNvSpPr txBox="1"/>
+          <p:nvPr/>
+        </p:nvSpPr>
+        <p:spPr>
+          <a:xfrm>
+            <a:off x="3116688" y="3582826"/>
+            <a:ext cx="1198938" cy="646331"/>
+          </a:xfrm>
+          <a:prstGeom prst="rect">
+            <a:avLst/>
+          </a:prstGeom>
+          <a:noFill/>
+        </p:spPr>
+        <p:txBody>
+          <a:bodyPr wrap="square" rtlCol="0">
+            <a:spAutoFit/>
+          </a:bodyPr>
+          <a:lstStyle/>
+          <a:p>
+            <a:r>
+              <a:rPr lang="en-SG" dirty="0">
+                <a:latin typeface="+mj-lt"/>
+              </a:rPr>
+              <a:t>ERROR!</a:t>
+            </a:r>
+            <a:r>
+              <a:rPr lang="ja-JP" altLang="en-US" dirty="0">
+                <a:latin typeface="+mj-lt"/>
+              </a:rPr>
+              <a:t> </a:t>
+            </a:r>
+            <a:r>
+              <a:rPr lang="en-SG" altLang="ja-JP" dirty="0">
+                <a:latin typeface="+mj-lt"/>
+              </a:rPr>
+              <a:t>Text</a:t>
+            </a:r>
+            <a:r>
+              <a:rPr lang="ja-JP" altLang="en-US" dirty="0">
+                <a:latin typeface="+mj-lt"/>
+              </a:rPr>
+              <a:t> </a:t>
+            </a:r>
+            <a:r>
+              <a:rPr lang="en-SG" altLang="ja-JP" dirty="0">
+                <a:latin typeface="+mj-lt"/>
+              </a:rPr>
+              <a:t>error!</a:t>
+            </a:r>
+            <a:endParaRPr lang="en-SG" dirty="0">
+              <a:latin typeface="+mj-lt"/>
+            </a:endParaRPr>
+          </a:p>
+        </p:txBody>
+      </p:sp>
+      <p:pic>
+        <p:nvPicPr>
+          <p:cNvPr id="9" name="Picture 8">
+            <a:extLst>
+              <a:ext uri="{FF2B5EF4-FFF2-40B4-BE49-F238E27FC236}">
+                <a16:creationId xmlns:a16="http://schemas.microsoft.com/office/drawing/2014/main" id="{D75E6277-970C-C61C-33EA-8F5BEDFEDF2F}"/>
+              </a:ext>
+            </a:extLst>
+          </p:cNvPr>
+          <p:cNvPicPr>
+            <a:picLocks noChangeAspect="1"/>
+          </p:cNvPicPr>
+          <p:nvPr/>
+        </p:nvPicPr>
+        <p:blipFill>
+          <a:blip r:embed="rId5"/>
+          <a:stretch>
+            <a:fillRect/>
+          </a:stretch>
+        </p:blipFill>
+        <p:spPr>
+          <a:xfrm>
+            <a:off x="5832680" y="3124603"/>
+            <a:ext cx="5790213" cy="3231747"/>
+          </a:xfrm>
+          <a:prstGeom prst="rect">
+            <a:avLst/>
+          </a:prstGeom>
+        </p:spPr>
+      </p:pic>
     </p:spTree>
     <p:extLst>
       <p:ext uri="{BB962C8B-B14F-4D97-AF65-F5344CB8AC3E}">
@@ -5095,7 +8238,7 @@
           <p:cNvPr id="2" name="Title 1">
             <a:extLst>
               <a:ext uri="{FF2B5EF4-FFF2-40B4-BE49-F238E27FC236}">
-                <a16:creationId xmlns:a16="http://schemas.microsoft.com/office/drawing/2014/main" id="{48B3F1B2-8888-86D3-5C6D-B313A724FB95}"/>
+                <a16:creationId xmlns:a16="http://schemas.microsoft.com/office/drawing/2014/main" id="{4BA6A9F7-4D81-412C-566A-445720E0D770}"/>
               </a:ext>
             </a:extLst>
           </p:cNvPr>
@@ -5112,13 +8255,10 @@
           <a:lstStyle/>
           <a:p>
             <a:r>
-              <a:rPr lang="en-SG" dirty="0" err="1"/>
-              <a:t>Streamlit</a:t>
-            </a:r>
-            <a:r>
-              <a:rPr lang="en-SG" dirty="0"/>
-              <a:t> app</a:t>
-            </a:r>
+              <a:rPr lang="en-US" dirty="0"/>
+              <a:t>Future Enhancements (Part 2)</a:t>
+            </a:r>
+            <a:endParaRPr lang="en-SG" dirty="0"/>
           </a:p>
         </p:txBody>
       </p:sp>
@@ -5127,7 +8267,7 @@
           <p:cNvPr id="3" name="Content Placeholder 2">
             <a:extLst>
               <a:ext uri="{FF2B5EF4-FFF2-40B4-BE49-F238E27FC236}">
-                <a16:creationId xmlns:a16="http://schemas.microsoft.com/office/drawing/2014/main" id="{55BD4E40-F0F4-51EF-859B-4ED768334506}"/>
+                <a16:creationId xmlns:a16="http://schemas.microsoft.com/office/drawing/2014/main" id="{CD40CE73-47D5-816E-F6B7-013B939C7337}"/>
               </a:ext>
             </a:extLst>
           </p:cNvPr>
@@ -5140,37 +8280,183 @@
         </p:nvSpPr>
         <p:spPr/>
         <p:txBody>
+          <a:bodyPr>
+            <a:normAutofit/>
+          </a:bodyPr>
+          <a:lstStyle/>
+          <a:p>
+            <a:r>
+              <a:rPr lang="en-US" dirty="0"/>
+              <a:t>Internationalization: Recognize the importance of internationalization.</a:t>
+            </a:r>
+          </a:p>
+          <a:p>
+            <a:pPr lvl="1"/>
+            <a:r>
+              <a:rPr lang="en-US" b="1" dirty="0"/>
+              <a:t>Global Trope Recognition</a:t>
+            </a:r>
+          </a:p>
+          <a:p>
+            <a:pPr lvl="1"/>
+            <a:r>
+              <a:rPr lang="en-US" b="1" dirty="0"/>
+              <a:t>Bridging Linguistic and Cultural Gaps</a:t>
+            </a:r>
+            <a:endParaRPr lang="en-US" dirty="0"/>
+          </a:p>
+        </p:txBody>
+      </p:sp>
+      <p:sp>
+        <p:nvSpPr>
+          <p:cNvPr id="4" name="Footer Placeholder 3">
+            <a:extLst>
+              <a:ext uri="{FF2B5EF4-FFF2-40B4-BE49-F238E27FC236}">
+                <a16:creationId xmlns:a16="http://schemas.microsoft.com/office/drawing/2014/main" id="{6ED4E292-EC13-05E7-3B48-CCED9F3AF554}"/>
+              </a:ext>
+            </a:extLst>
+          </p:cNvPr>
+          <p:cNvSpPr>
+            <a:spLocks noGrp="1"/>
+          </p:cNvSpPr>
+          <p:nvPr>
+            <p:ph type="ftr" sz="quarter" idx="11"/>
+          </p:nvPr>
+        </p:nvSpPr>
+        <p:spPr/>
+        <p:txBody>
           <a:bodyPr/>
           <a:lstStyle/>
           <a:p>
-            <a:r>
-              <a:rPr lang="en-SG" dirty="0"/>
-              <a:t>(INSERT QR CODE HERE)</a:t>
-            </a:r>
-          </a:p>
-        </p:txBody>
-      </p:sp>
-      <p:sp>
-        <p:nvSpPr>
-          <p:cNvPr id="4" name="Footer Placeholder 3">
-            <a:extLst>
-              <a:ext uri="{FF2B5EF4-FFF2-40B4-BE49-F238E27FC236}">
-                <a16:creationId xmlns:a16="http://schemas.microsoft.com/office/drawing/2014/main" id="{E3FB28EB-617E-8B9E-9E22-84D891BF6609}"/>
-              </a:ext>
-            </a:extLst>
-          </p:cNvPr>
-          <p:cNvSpPr>
-            <a:spLocks noGrp="1"/>
-          </p:cNvSpPr>
-          <p:nvPr>
-            <p:ph type="ftr" sz="quarter" idx="11"/>
-          </p:nvPr>
-        </p:nvSpPr>
-        <p:spPr/>
-        <p:txBody>
-          <a:bodyPr/>
-          <a:lstStyle/>
-          <a:p>
+            <a:endParaRPr lang="en-SG"/>
+          </a:p>
+        </p:txBody>
+      </p:sp>
+      <p:pic>
+        <p:nvPicPr>
+          <p:cNvPr id="1026" name="Picture 2" descr="Earth Kids Stock Illustrations – 16,897 Earth Kids Stock Illustrations,  Vectors &amp; Clipart - Dreamstime">
+            <a:extLst>
+              <a:ext uri="{FF2B5EF4-FFF2-40B4-BE49-F238E27FC236}">
+                <a16:creationId xmlns:a16="http://schemas.microsoft.com/office/drawing/2014/main" id="{4F01021D-6872-F028-EE96-9F4DD70F4E01}"/>
+              </a:ext>
+            </a:extLst>
+          </p:cNvPr>
+          <p:cNvPicPr>
+            <a:picLocks noChangeAspect="1" noChangeArrowheads="1"/>
+          </p:cNvPicPr>
+          <p:nvPr/>
+        </p:nvPicPr>
+        <p:blipFill>
+          <a:blip r:embed="rId3">
+            <a:extLst>
+              <a:ext uri="{28A0092B-C50C-407E-A947-70E740481C1C}">
+                <a14:useLocalDpi xmlns:a14="http://schemas.microsoft.com/office/drawing/2010/main" val="0"/>
+              </a:ext>
+            </a:extLst>
+          </a:blip>
+          <a:srcRect/>
+          <a:stretch>
+            <a:fillRect/>
+          </a:stretch>
+        </p:blipFill>
+        <p:spPr bwMode="auto">
+          <a:xfrm>
+            <a:off x="7041646" y="2461655"/>
+            <a:ext cx="4235242" cy="4670642"/>
+          </a:xfrm>
+          <a:prstGeom prst="rect">
+            <a:avLst/>
+          </a:prstGeom>
+          <a:noFill/>
+          <a:extLst>
+            <a:ext uri="{909E8E84-426E-40DD-AFC4-6F175D3DCCD1}">
+              <a14:hiddenFill xmlns:a14="http://schemas.microsoft.com/office/drawing/2010/main">
+                <a:solidFill>
+                  <a:srgbClr val="FFFFFF"/>
+                </a:solidFill>
+              </a14:hiddenFill>
+            </a:ext>
+          </a:extLst>
+        </p:spPr>
+      </p:pic>
+      <p:pic>
+        <p:nvPicPr>
+          <p:cNvPr id="8" name="Picture 7">
+            <a:extLst>
+              <a:ext uri="{FF2B5EF4-FFF2-40B4-BE49-F238E27FC236}">
+                <a16:creationId xmlns:a16="http://schemas.microsoft.com/office/drawing/2014/main" id="{81EDE8DD-6001-5E36-E364-A848C983D50D}"/>
+              </a:ext>
+            </a:extLst>
+          </p:cNvPr>
+          <p:cNvPicPr>
+            <a:picLocks noChangeAspect="1"/>
+          </p:cNvPicPr>
+          <p:nvPr/>
+        </p:nvPicPr>
+        <p:blipFill>
+          <a:blip r:embed="rId4"/>
+          <a:stretch>
+            <a:fillRect/>
+          </a:stretch>
+        </p:blipFill>
+        <p:spPr>
+          <a:xfrm>
+            <a:off x="53695" y="3400737"/>
+            <a:ext cx="6911039" cy="2128853"/>
+          </a:xfrm>
+          <a:prstGeom prst="rect">
+            <a:avLst/>
+          </a:prstGeom>
+        </p:spPr>
+      </p:pic>
+      <p:sp>
+        <p:nvSpPr>
+          <p:cNvPr id="9" name="Oval 8">
+            <a:extLst>
+              <a:ext uri="{FF2B5EF4-FFF2-40B4-BE49-F238E27FC236}">
+                <a16:creationId xmlns:a16="http://schemas.microsoft.com/office/drawing/2014/main" id="{E12E9832-7CEE-C5F5-9E15-F2C4369C1BA7}"/>
+              </a:ext>
+            </a:extLst>
+          </p:cNvPr>
+          <p:cNvSpPr/>
+          <p:nvPr/>
+        </p:nvSpPr>
+        <p:spPr>
+          <a:xfrm>
+            <a:off x="-598250" y="3074840"/>
+            <a:ext cx="7947589" cy="3102123"/>
+          </a:xfrm>
+          <a:prstGeom prst="ellipse">
+            <a:avLst/>
+          </a:prstGeom>
+          <a:noFill/>
+          <a:ln>
+            <a:solidFill>
+              <a:schemeClr val="tx1"/>
+            </a:solidFill>
+          </a:ln>
+        </p:spPr>
+        <p:style>
+          <a:lnRef idx="2">
+            <a:schemeClr val="accent1">
+              <a:shade val="15000"/>
+            </a:schemeClr>
+          </a:lnRef>
+          <a:fillRef idx="1">
+            <a:schemeClr val="accent1"/>
+          </a:fillRef>
+          <a:effectRef idx="0">
+            <a:schemeClr val="accent1"/>
+          </a:effectRef>
+          <a:fontRef idx="minor">
+            <a:schemeClr val="lt1"/>
+          </a:fontRef>
+        </p:style>
+        <p:txBody>
+          <a:bodyPr rtlCol="0" anchor="ctr"/>
+          <a:lstStyle/>
+          <a:p>
+            <a:pPr algn="ctr"/>
             <a:endParaRPr lang="en-SG"/>
           </a:p>
         </p:txBody>
@@ -5178,7 +8464,7 @@
     </p:spTree>
     <p:extLst>
       <p:ext uri="{BB962C8B-B14F-4D97-AF65-F5344CB8AC3E}">
-        <p14:creationId xmlns:p14="http://schemas.microsoft.com/office/powerpoint/2010/main" val="3918134273"/>
+        <p14:creationId xmlns:p14="http://schemas.microsoft.com/office/powerpoint/2010/main" val="1205128982"/>
       </p:ext>
     </p:extLst>
   </p:cSld>
@@ -5189,6 +8475,430 @@
 </file>
 
 <file path=ppt/slides/slide16.xml><?xml version="1.0" encoding="utf-8"?>
+<p:sld xmlns:a="http://schemas.openxmlformats.org/drawingml/2006/main" xmlns:r="http://schemas.openxmlformats.org/officeDocument/2006/relationships" xmlns:p="http://schemas.openxmlformats.org/presentationml/2006/main">
+  <p:cSld>
+    <p:spTree>
+      <p:nvGrpSpPr>
+        <p:cNvPr id="1" name=""/>
+        <p:cNvGrpSpPr/>
+        <p:nvPr/>
+      </p:nvGrpSpPr>
+      <p:grpSpPr>
+        <a:xfrm>
+          <a:off x="0" y="0"/>
+          <a:ext cx="0" cy="0"/>
+          <a:chOff x="0" y="0"/>
+          <a:chExt cx="0" cy="0"/>
+        </a:xfrm>
+      </p:grpSpPr>
+      <p:sp>
+        <p:nvSpPr>
+          <p:cNvPr id="2" name="Title 1">
+            <a:extLst>
+              <a:ext uri="{FF2B5EF4-FFF2-40B4-BE49-F238E27FC236}">
+                <a16:creationId xmlns:a16="http://schemas.microsoft.com/office/drawing/2014/main" id="{4BA6A9F7-4D81-412C-566A-445720E0D770}"/>
+              </a:ext>
+            </a:extLst>
+          </p:cNvPr>
+          <p:cNvSpPr>
+            <a:spLocks noGrp="1"/>
+          </p:cNvSpPr>
+          <p:nvPr>
+            <p:ph type="title"/>
+          </p:nvPr>
+        </p:nvSpPr>
+        <p:spPr/>
+        <p:txBody>
+          <a:bodyPr/>
+          <a:lstStyle/>
+          <a:p>
+            <a:r>
+              <a:rPr lang="en-US" dirty="0"/>
+              <a:t>Future Enhancements (Part 3)</a:t>
+            </a:r>
+            <a:endParaRPr lang="en-SG" dirty="0"/>
+          </a:p>
+        </p:txBody>
+      </p:sp>
+      <p:sp>
+        <p:nvSpPr>
+          <p:cNvPr id="3" name="Content Placeholder 2">
+            <a:extLst>
+              <a:ext uri="{FF2B5EF4-FFF2-40B4-BE49-F238E27FC236}">
+                <a16:creationId xmlns:a16="http://schemas.microsoft.com/office/drawing/2014/main" id="{CD40CE73-47D5-816E-F6B7-013B939C7337}"/>
+              </a:ext>
+            </a:extLst>
+          </p:cNvPr>
+          <p:cNvSpPr>
+            <a:spLocks noGrp="1"/>
+          </p:cNvSpPr>
+          <p:nvPr>
+            <p:ph idx="1"/>
+          </p:nvPr>
+        </p:nvSpPr>
+        <p:spPr/>
+        <p:txBody>
+          <a:bodyPr>
+            <a:normAutofit/>
+          </a:bodyPr>
+          <a:lstStyle/>
+          <a:p>
+            <a:r>
+              <a:rPr lang="en-US" dirty="0"/>
+              <a:t>Expansion Plans:</a:t>
+            </a:r>
+          </a:p>
+          <a:p>
+            <a:pPr marL="914400" lvl="1" indent="-457200">
+              <a:buFont typeface="+mj-lt"/>
+              <a:buAutoNum type="arabicPeriod"/>
+            </a:pPr>
+            <a:r>
+              <a:rPr lang="en-US" b="1" dirty="0"/>
+              <a:t>Non-Structured Text Media Support</a:t>
+            </a:r>
+            <a:endParaRPr lang="en-US" dirty="0"/>
+          </a:p>
+          <a:p>
+            <a:pPr marL="914400" lvl="1" indent="-457200">
+              <a:buFont typeface="+mj-lt"/>
+              <a:buAutoNum type="arabicPeriod"/>
+            </a:pPr>
+            <a:r>
+              <a:rPr lang="en-US" b="1" dirty="0"/>
+              <a:t>Audio Analysis Integration</a:t>
+            </a:r>
+            <a:endParaRPr lang="en-US" dirty="0"/>
+          </a:p>
+          <a:p>
+            <a:pPr marL="914400" lvl="1" indent="-457200">
+              <a:buFont typeface="+mj-lt"/>
+              <a:buAutoNum type="arabicPeriod"/>
+            </a:pPr>
+            <a:r>
+              <a:rPr lang="en-US" b="1" dirty="0"/>
+              <a:t>Image Recognition Functionality</a:t>
+            </a:r>
+            <a:endParaRPr lang="en-US" dirty="0"/>
+          </a:p>
+          <a:p>
+            <a:pPr marL="914400" lvl="1" indent="-457200">
+              <a:buFont typeface="+mj-lt"/>
+              <a:buAutoNum type="arabicPeriod"/>
+            </a:pPr>
+            <a:r>
+              <a:rPr lang="en-US" b="1" dirty="0"/>
+              <a:t>Video Media Inclusion</a:t>
+            </a:r>
+            <a:endParaRPr lang="en-SG" dirty="0"/>
+          </a:p>
+        </p:txBody>
+      </p:sp>
+      <p:sp>
+        <p:nvSpPr>
+          <p:cNvPr id="4" name="Footer Placeholder 3">
+            <a:extLst>
+              <a:ext uri="{FF2B5EF4-FFF2-40B4-BE49-F238E27FC236}">
+                <a16:creationId xmlns:a16="http://schemas.microsoft.com/office/drawing/2014/main" id="{6ED4E292-EC13-05E7-3B48-CCED9F3AF554}"/>
+              </a:ext>
+            </a:extLst>
+          </p:cNvPr>
+          <p:cNvSpPr>
+            <a:spLocks noGrp="1"/>
+          </p:cNvSpPr>
+          <p:nvPr>
+            <p:ph type="ftr" sz="quarter" idx="11"/>
+          </p:nvPr>
+        </p:nvSpPr>
+        <p:spPr/>
+        <p:txBody>
+          <a:bodyPr/>
+          <a:lstStyle/>
+          <a:p>
+            <a:endParaRPr lang="en-SG"/>
+          </a:p>
+        </p:txBody>
+      </p:sp>
+      <p:pic>
+        <p:nvPicPr>
+          <p:cNvPr id="6" name="Picture 5">
+            <a:extLst>
+              <a:ext uri="{FF2B5EF4-FFF2-40B4-BE49-F238E27FC236}">
+                <a16:creationId xmlns:a16="http://schemas.microsoft.com/office/drawing/2014/main" id="{CF07F756-2790-BBBE-070E-205057F499DF}"/>
+              </a:ext>
+            </a:extLst>
+          </p:cNvPr>
+          <p:cNvPicPr>
+            <a:picLocks noChangeAspect="1"/>
+          </p:cNvPicPr>
+          <p:nvPr/>
+        </p:nvPicPr>
+        <p:blipFill>
+          <a:blip r:embed="rId3">
+            <a:extLst>
+              <a:ext uri="{28A0092B-C50C-407E-A947-70E740481C1C}">
+                <a14:useLocalDpi xmlns:a14="http://schemas.microsoft.com/office/drawing/2010/main" val="0"/>
+              </a:ext>
+              <a:ext uri="{837473B0-CC2E-450A-ABE3-18F120FF3D39}">
+                <a1611:picAttrSrcUrl xmlns:a1611="http://schemas.microsoft.com/office/drawing/2016/11/main" r:id="rId4"/>
+              </a:ext>
+            </a:extLst>
+          </a:blip>
+          <a:stretch>
+            <a:fillRect/>
+          </a:stretch>
+        </p:blipFill>
+        <p:spPr>
+          <a:xfrm>
+            <a:off x="5395912" y="2327275"/>
+            <a:ext cx="6796088" cy="4530725"/>
+          </a:xfrm>
+          <a:prstGeom prst="rect">
+            <a:avLst/>
+          </a:prstGeom>
+        </p:spPr>
+      </p:pic>
+    </p:spTree>
+    <p:extLst>
+      <p:ext uri="{BB962C8B-B14F-4D97-AF65-F5344CB8AC3E}">
+        <p14:creationId xmlns:p14="http://schemas.microsoft.com/office/powerpoint/2010/main" val="1836329820"/>
+      </p:ext>
+    </p:extLst>
+  </p:cSld>
+  <p:clrMapOvr>
+    <a:masterClrMapping/>
+  </p:clrMapOvr>
+</p:sld>
+</file>
+
+<file path=ppt/slides/slide17.xml><?xml version="1.0" encoding="utf-8"?>
+<p:sld xmlns:a="http://schemas.openxmlformats.org/drawingml/2006/main" xmlns:r="http://schemas.openxmlformats.org/officeDocument/2006/relationships" xmlns:p="http://schemas.openxmlformats.org/presentationml/2006/main" show="0">
+  <p:cSld>
+    <p:spTree>
+      <p:nvGrpSpPr>
+        <p:cNvPr id="1" name=""/>
+        <p:cNvGrpSpPr/>
+        <p:nvPr/>
+      </p:nvGrpSpPr>
+      <p:grpSpPr>
+        <a:xfrm>
+          <a:off x="0" y="0"/>
+          <a:ext cx="0" cy="0"/>
+          <a:chOff x="0" y="0"/>
+          <a:chExt cx="0" cy="0"/>
+        </a:xfrm>
+      </p:grpSpPr>
+      <p:sp>
+        <p:nvSpPr>
+          <p:cNvPr id="2" name="Title 1">
+            <a:extLst>
+              <a:ext uri="{FF2B5EF4-FFF2-40B4-BE49-F238E27FC236}">
+                <a16:creationId xmlns:a16="http://schemas.microsoft.com/office/drawing/2014/main" id="{4BA6A9F7-4D81-412C-566A-445720E0D770}"/>
+              </a:ext>
+            </a:extLst>
+          </p:cNvPr>
+          <p:cNvSpPr>
+            <a:spLocks noGrp="1"/>
+          </p:cNvSpPr>
+          <p:nvPr>
+            <p:ph type="title"/>
+          </p:nvPr>
+        </p:nvSpPr>
+        <p:spPr/>
+        <p:txBody>
+          <a:bodyPr/>
+          <a:lstStyle/>
+          <a:p>
+            <a:r>
+              <a:rPr lang="en-US" dirty="0"/>
+              <a:t>Future Enhancements (Part 1)</a:t>
+            </a:r>
+            <a:endParaRPr lang="en-SG" dirty="0"/>
+          </a:p>
+        </p:txBody>
+      </p:sp>
+      <p:sp>
+        <p:nvSpPr>
+          <p:cNvPr id="3" name="Content Placeholder 2">
+            <a:extLst>
+              <a:ext uri="{FF2B5EF4-FFF2-40B4-BE49-F238E27FC236}">
+                <a16:creationId xmlns:a16="http://schemas.microsoft.com/office/drawing/2014/main" id="{CD40CE73-47D5-816E-F6B7-013B939C7337}"/>
+              </a:ext>
+            </a:extLst>
+          </p:cNvPr>
+          <p:cNvSpPr>
+            <a:spLocks noGrp="1"/>
+          </p:cNvSpPr>
+          <p:nvPr>
+            <p:ph idx="1"/>
+          </p:nvPr>
+        </p:nvSpPr>
+        <p:spPr/>
+        <p:txBody>
+          <a:bodyPr>
+            <a:normAutofit fontScale="62500" lnSpcReduction="20000"/>
+          </a:bodyPr>
+          <a:lstStyle/>
+          <a:p>
+            <a:r>
+              <a:rPr lang="en-US" dirty="0"/>
+              <a:t>Current Limitations:</a:t>
+            </a:r>
+          </a:p>
+          <a:p>
+            <a:pPr lvl="1"/>
+            <a:r>
+              <a:rPr lang="en-US" b="1" dirty="0"/>
+              <a:t>Language Barrier</a:t>
+            </a:r>
+            <a:r>
+              <a:rPr lang="en-US" dirty="0"/>
+              <a:t>: Currently, the tool is limited to analyzing English-language input, restricting its accessibility to a wider audience.</a:t>
+            </a:r>
+          </a:p>
+          <a:p>
+            <a:pPr lvl="1"/>
+            <a:r>
+              <a:rPr lang="en-US" b="1" dirty="0"/>
+              <a:t>Structured Text Focus</a:t>
+            </a:r>
+            <a:r>
+              <a:rPr lang="en-US" dirty="0"/>
+              <a:t>: The tool is primarily designed for structured text-based media source (such as wiki transcripts and summaries), such as scripts and novels, limiting its application to other forms of media.</a:t>
+            </a:r>
+          </a:p>
+          <a:p>
+            <a:r>
+              <a:rPr lang="en-US" dirty="0"/>
+              <a:t>Internationalization: Recognize the importance of internationalization.</a:t>
+            </a:r>
+          </a:p>
+          <a:p>
+            <a:pPr lvl="1"/>
+            <a:r>
+              <a:rPr lang="en-US" b="1" dirty="0"/>
+              <a:t>Global Trope Recognition</a:t>
+            </a:r>
+            <a:r>
+              <a:rPr lang="en-US" dirty="0"/>
+              <a:t>: TV Tropes, the underlying knowledge base for the tool, already encompasses non-English media, demonstrating the global relevance of tropes.</a:t>
+            </a:r>
+          </a:p>
+          <a:p>
+            <a:pPr lvl="1"/>
+            <a:r>
+              <a:rPr lang="en-US" b="1" dirty="0"/>
+              <a:t>Bridging Linguistic and Cultural Gaps</a:t>
+            </a:r>
+            <a:r>
+              <a:rPr lang="en-US" dirty="0"/>
+              <a:t>: Expanding the tool's analysis capabilities to a broader international audience holds the potential to bridge language and cultural barriers, fostering a more inclusive understanding of tropes.</a:t>
+            </a:r>
+          </a:p>
+          <a:p>
+            <a:r>
+              <a:rPr lang="en-US" dirty="0"/>
+              <a:t>Expansion Plans:</a:t>
+            </a:r>
+          </a:p>
+          <a:p>
+            <a:pPr marL="914400" lvl="1" indent="-457200">
+              <a:buFont typeface="+mj-lt"/>
+              <a:buAutoNum type="arabicPeriod"/>
+            </a:pPr>
+            <a:r>
+              <a:rPr lang="en-US" b="1" dirty="0"/>
+              <a:t>Non-Structured Text Media Support</a:t>
+            </a:r>
+            <a:r>
+              <a:rPr lang="en-US" dirty="0"/>
+              <a:t>: Enhancing the tool's versatility by enabling support for non-structured text media, such as blog posts and social media content, will broaden its applicability.</a:t>
+            </a:r>
+          </a:p>
+          <a:p>
+            <a:pPr marL="914400" lvl="1" indent="-457200">
+              <a:buFont typeface="+mj-lt"/>
+              <a:buAutoNum type="arabicPeriod"/>
+            </a:pPr>
+            <a:r>
+              <a:rPr lang="en-US" b="1" dirty="0"/>
+              <a:t>Audio Analysis Integration</a:t>
+            </a:r>
+            <a:r>
+              <a:rPr lang="en-US" dirty="0"/>
+              <a:t>: Exploring the incorporation of audio content, including podcasts and dialogues, into the tool's analysis will provide a deeper understanding of trope usage in auditory mediums.</a:t>
+            </a:r>
+          </a:p>
+          <a:p>
+            <a:pPr marL="914400" lvl="1" indent="-457200">
+              <a:buFont typeface="+mj-lt"/>
+              <a:buAutoNum type="arabicPeriod"/>
+            </a:pPr>
+            <a:r>
+              <a:rPr lang="en-US" b="1" dirty="0"/>
+              <a:t>Image Recognition Functionality</a:t>
+            </a:r>
+            <a:r>
+              <a:rPr lang="en-US" dirty="0"/>
+              <a:t>: Extending the tool's functionality to analyze images will allow for the identification of tropes within visual elements, recognizing that a single image can convey multiple narrative devices.</a:t>
+            </a:r>
+          </a:p>
+          <a:p>
+            <a:pPr marL="914400" lvl="1" indent="-457200">
+              <a:buFont typeface="+mj-lt"/>
+              <a:buAutoNum type="arabicPeriod"/>
+            </a:pPr>
+            <a:r>
+              <a:rPr lang="en-US" b="1" dirty="0"/>
+              <a:t>Video Media Inclusion</a:t>
+            </a:r>
+            <a:r>
+              <a:rPr lang="en-US" dirty="0"/>
+              <a:t>: Aiming to include video media analysis will provide a comprehensive trope-scanning experience across various forms of media. (Such as YouTubers who do What-Ifs with no existing wiki for them)</a:t>
+            </a:r>
+            <a:endParaRPr lang="en-SG" dirty="0"/>
+          </a:p>
+        </p:txBody>
+      </p:sp>
+      <p:sp>
+        <p:nvSpPr>
+          <p:cNvPr id="4" name="Footer Placeholder 3">
+            <a:extLst>
+              <a:ext uri="{FF2B5EF4-FFF2-40B4-BE49-F238E27FC236}">
+                <a16:creationId xmlns:a16="http://schemas.microsoft.com/office/drawing/2014/main" id="{6ED4E292-EC13-05E7-3B48-CCED9F3AF554}"/>
+              </a:ext>
+            </a:extLst>
+          </p:cNvPr>
+          <p:cNvSpPr>
+            <a:spLocks noGrp="1"/>
+          </p:cNvSpPr>
+          <p:nvPr>
+            <p:ph type="ftr" sz="quarter" idx="11"/>
+          </p:nvPr>
+        </p:nvSpPr>
+        <p:spPr/>
+        <p:txBody>
+          <a:bodyPr/>
+          <a:lstStyle/>
+          <a:p>
+            <a:endParaRPr lang="en-SG"/>
+          </a:p>
+        </p:txBody>
+      </p:sp>
+    </p:spTree>
+    <p:extLst>
+      <p:ext uri="{BB962C8B-B14F-4D97-AF65-F5344CB8AC3E}">
+        <p14:creationId xmlns:p14="http://schemas.microsoft.com/office/powerpoint/2010/main" val="730235476"/>
+      </p:ext>
+    </p:extLst>
+  </p:cSld>
+  <p:clrMapOvr>
+    <a:masterClrMapping/>
+  </p:clrMapOvr>
+</p:sld>
+</file>
+
+<file path=ppt/slides/slide18.xml><?xml version="1.0" encoding="utf-8"?>
 <p:sld xmlns:a="http://schemas.openxmlformats.org/drawingml/2006/main" xmlns:r="http://schemas.openxmlformats.org/officeDocument/2006/relationships" xmlns:p="http://schemas.openxmlformats.org/presentationml/2006/main" show="0">
   <p:cSld>
     <p:spTree>
@@ -6084,7 +9794,7 @@
               <a:rPr lang="en-US" dirty="0">
                 <a:latin typeface="+mj-lt"/>
               </a:rPr>
-              <a:t>Methodology - Introduction</a:t>
+              <a:t>Methodology</a:t>
             </a:r>
             <a:endParaRPr lang="en-SG" dirty="0"/>
           </a:p>
@@ -6113,19 +9823,7 @@
           <a:p>
             <a:r>
               <a:rPr lang="en-US" dirty="0"/>
-              <a:t>Briefly introduce the methodology section.</a:t>
-            </a:r>
-          </a:p>
-          <a:p>
-            <a:r>
-              <a:rPr lang="en-US" dirty="0"/>
-              <a:t>Mention the importance of explaining how the tool was developed.</a:t>
-            </a:r>
-          </a:p>
-          <a:p>
-            <a:r>
-              <a:rPr lang="en-US" dirty="0"/>
-              <a:t>State the number of slides in this section (e.g., "In the next 4 slides, we'll walk through the methodology of our trope-scanning tool development.").</a:t>
+              <a:t>Introduction to Development Methodology. We'll walk through the tool's creation in the next 4 slides.</a:t>
             </a:r>
             <a:endParaRPr lang="en-SG" dirty="0"/>
           </a:p>
@@ -6364,33 +10062,23 @@
               </a:rPr>
               <a:t>https://simpsons.fandom.com/wiki/Season_1</a:t>
             </a:r>
+            <a:endParaRPr lang="en-US" dirty="0"/>
+          </a:p>
+          <a:p>
+            <a:pPr lvl="1"/>
             <a:r>
               <a:rPr lang="en-US" dirty="0"/>
-              <a:t> and </a:t>
+              <a:t>Trope source: </a:t>
             </a:r>
             <a:r>
               <a:rPr lang="en-US" dirty="0">
                 <a:hlinkClick r:id="rId4"/>
               </a:rPr>
-              <a:t>https://simpsons.fandom.com/wiki/Season_2</a:t>
-            </a:r>
-            <a:endParaRPr lang="en-US" dirty="0"/>
-          </a:p>
-          <a:p>
-            <a:pPr lvl="1"/>
+              <a:t>https://tvtropes.org/pmwiki/pmwiki.php/Recap/TheSimpsons</a:t>
+            </a:r>
             <a:r>
               <a:rPr lang="en-US" dirty="0"/>
-              <a:t>Trope source: </a:t>
-            </a:r>
-            <a:r>
-              <a:rPr lang="en-US" dirty="0">
-                <a:hlinkClick r:id="rId5"/>
-              </a:rPr>
-              <a:t>https://tvtropes.org/pmwiki/pmwiki.php/Recap/TheSimpsons</a:t>
-            </a:r>
-            <a:r>
-              <a:rPr lang="en-US" dirty="0"/>
-              <a:t> (Only Season 1 and 2 episodes used)</a:t>
+              <a:t> (Only Season 1 episodes used)</a:t>
             </a:r>
           </a:p>
           <a:p>
@@ -6581,7 +10269,7 @@
           <p:cNvPr id="2" name="Title 1">
             <a:extLst>
               <a:ext uri="{FF2B5EF4-FFF2-40B4-BE49-F238E27FC236}">
-                <a16:creationId xmlns:a16="http://schemas.microsoft.com/office/drawing/2014/main" id="{BED2D3D8-D4F8-D468-493A-FF1E6A6FEEB6}"/>
+                <a16:creationId xmlns:a16="http://schemas.microsoft.com/office/drawing/2014/main" id="{301F39E2-43F6-3327-EA20-8199D0D2FA38}"/>
               </a:ext>
             </a:extLst>
           </p:cNvPr>
@@ -6594,14 +10282,12 @@
         </p:nvSpPr>
         <p:spPr/>
         <p:txBody>
-          <a:bodyPr>
-            <a:normAutofit/>
-          </a:bodyPr>
+          <a:bodyPr/>
           <a:lstStyle/>
           <a:p>
             <a:r>
               <a:rPr lang="en-SG" dirty="0"/>
-              <a:t>Functionality</a:t>
+              <a:t>Evaluation</a:t>
             </a:r>
           </a:p>
         </p:txBody>
@@ -6611,7 +10297,7 @@
           <p:cNvPr id="3" name="Content Placeholder 2">
             <a:extLst>
               <a:ext uri="{FF2B5EF4-FFF2-40B4-BE49-F238E27FC236}">
-                <a16:creationId xmlns:a16="http://schemas.microsoft.com/office/drawing/2014/main" id="{5A460667-441C-B7B5-F767-CEBC53228157}"/>
+                <a16:creationId xmlns:a16="http://schemas.microsoft.com/office/drawing/2014/main" id="{2FF5435C-63C3-6142-DE01-B9240A928DD0}"/>
               </a:ext>
             </a:extLst>
           </p:cNvPr>
@@ -6629,13 +10315,13 @@
           <a:p>
             <a:r>
               <a:rPr lang="en-US" dirty="0"/>
-              <a:t>Explain the functionality of the trope-scanning tool.</a:t>
+              <a:t>If applicable, discuss how you evaluated the effectiveness or accuracy of the tool.</a:t>
             </a:r>
           </a:p>
           <a:p>
             <a:r>
               <a:rPr lang="en-US" dirty="0"/>
-              <a:t>Use screenshots, diagrams, or flowcharts to illustrate how it works.</a:t>
+              <a:t>Share any results or findings from the evaluation process.</a:t>
             </a:r>
             <a:endParaRPr lang="en-SG" dirty="0"/>
           </a:p>
@@ -6646,7 +10332,7 @@
           <p:cNvPr id="4" name="Footer Placeholder 3">
             <a:extLst>
               <a:ext uri="{FF2B5EF4-FFF2-40B4-BE49-F238E27FC236}">
-                <a16:creationId xmlns:a16="http://schemas.microsoft.com/office/drawing/2014/main" id="{F4D4210A-A464-8375-3098-FC5C154984B2}"/>
+                <a16:creationId xmlns:a16="http://schemas.microsoft.com/office/drawing/2014/main" id="{149D4E25-9978-A56A-C099-E00EB7F7E300}"/>
               </a:ext>
             </a:extLst>
           </p:cNvPr>
@@ -6669,7 +10355,7 @@
     </p:spTree>
     <p:extLst>
       <p:ext uri="{BB962C8B-B14F-4D97-AF65-F5344CB8AC3E}">
-        <p14:creationId xmlns:p14="http://schemas.microsoft.com/office/powerpoint/2010/main" val="1569411802"/>
+        <p14:creationId xmlns:p14="http://schemas.microsoft.com/office/powerpoint/2010/main" val="3387552392"/>
       </p:ext>
     </p:extLst>
   </p:cSld>

--- a/Unveiling Tropes.pptx
+++ b/Unveiling Tropes.pptx
@@ -13,8 +13,8 @@
     <p:sldId id="259" r:id="rId4"/>
     <p:sldId id="258" r:id="rId5"/>
     <p:sldId id="260" r:id="rId6"/>
-    <p:sldId id="267" r:id="rId7"/>
-    <p:sldId id="265" r:id="rId8"/>
+    <p:sldId id="265" r:id="rId7"/>
+    <p:sldId id="275" r:id="rId8"/>
     <p:sldId id="261" r:id="rId9"/>
     <p:sldId id="263" r:id="rId10"/>
     <p:sldId id="268" r:id="rId11"/>
@@ -2728,7 +2728,7 @@
           <a:p>
             <a:fld id="{121E3297-75B2-40B0-B98B-875AF5EC2453}" type="datetimeFigureOut">
               <a:rPr lang="en-SG" smtClean="0"/>
-              <a:t>8/11/2023</a:t>
+              <a:t>9/11/2023</a:t>
             </a:fld>
             <a:endParaRPr lang="en-SG"/>
           </a:p>
@@ -3347,7 +3347,7 @@
           <a:p>
             <a:fld id="{C25E15D1-2997-4995-89EA-ABE974C14F7F}" type="slidenum">
               <a:rPr lang="en-SG" smtClean="0"/>
-              <a:t>7</a:t>
+              <a:t>6</a:t>
             </a:fld>
             <a:endParaRPr lang="en-SG"/>
           </a:p>
@@ -3412,37 +3412,7 @@
           <a:p>
             <a:r>
               <a:rPr lang="en-SG" dirty="0"/>
-              <a:t>How to use the machine:</a:t>
-            </a:r>
-          </a:p>
-          <a:p>
-            <a:pPr marL="228600" indent="-228600">
-              <a:buFont typeface="+mj-lt"/>
-              <a:buAutoNum type="arabicPeriod"/>
-            </a:pPr>
-            <a:r>
-              <a:rPr lang="en-SG" dirty="0"/>
-              <a:t>Copy the passage you want to find tropes from.</a:t>
-            </a:r>
-          </a:p>
-          <a:p>
-            <a:pPr marL="228600" indent="-228600">
-              <a:buFont typeface="+mj-lt"/>
-              <a:buAutoNum type="arabicPeriod"/>
-            </a:pPr>
-            <a:r>
-              <a:rPr lang="en-SG" dirty="0"/>
-              <a:t>The model will scan and determine from its dataset what tropes are likely to be inside your passage.</a:t>
-            </a:r>
-          </a:p>
-          <a:p>
-            <a:pPr marL="228600" indent="-228600">
-              <a:buFont typeface="+mj-lt"/>
-              <a:buAutoNum type="arabicPeriod"/>
-            </a:pPr>
-            <a:r>
-              <a:rPr lang="en-SG" dirty="0"/>
-              <a:t>You get a list of tropes and the attached text that made the model believe that text is why the trope is present.</a:t>
+              <a:t>Considering this is the very first model of its existence, it’s understandable why the model is so low.</a:t>
             </a:r>
           </a:p>
         </p:txBody>
@@ -3464,7 +3434,7 @@
           <a:p>
             <a:fld id="{C25E15D1-2997-4995-89EA-ABE974C14F7F}" type="slidenum">
               <a:rPr lang="en-SG" smtClean="0"/>
-              <a:t>12</a:t>
+              <a:t>10</a:t>
             </a:fld>
             <a:endParaRPr lang="en-SG"/>
           </a:p>
@@ -3473,7 +3443,7 @@
     </p:spTree>
     <p:extLst>
       <p:ext uri="{BB962C8B-B14F-4D97-AF65-F5344CB8AC3E}">
-        <p14:creationId xmlns:p14="http://schemas.microsoft.com/office/powerpoint/2010/main" val="86821700"/>
+        <p14:creationId xmlns:p14="http://schemas.microsoft.com/office/powerpoint/2010/main" val="4189548726"/>
       </p:ext>
     </p:extLst>
   </p:cSld>
@@ -3527,35 +3497,40 @@
           <a:bodyPr/>
           <a:lstStyle/>
           <a:p>
-            <a:pPr marL="628650" lvl="1" indent="-171450">
-              <a:buFont typeface="Arial" panose="020B0604020202020204" pitchFamily="34" charset="0"/>
-              <a:buChar char="•"/>
+            <a:r>
+              <a:rPr lang="en-SG" dirty="0"/>
+              <a:t>How to use the machine:</a:t>
+            </a:r>
+          </a:p>
+          <a:p>
+            <a:pPr marL="228600" indent="-228600">
+              <a:buFont typeface="+mj-lt"/>
+              <a:buAutoNum type="arabicPeriod"/>
             </a:pPr>
             <a:r>
-              <a:rPr lang="en-US" b="1" dirty="0"/>
-              <a:t>Language Barrier</a:t>
-            </a:r>
-            <a:r>
-              <a:rPr lang="en-US" dirty="0"/>
-              <a:t>: Currently, the tool is limited to analyzing English-language input, restricting its accessibility to a wider audience.</a:t>
-            </a:r>
-          </a:p>
-          <a:p>
-            <a:pPr marL="628650" lvl="1" indent="-171450">
-              <a:buFont typeface="Arial" panose="020B0604020202020204" pitchFamily="34" charset="0"/>
-              <a:buChar char="•"/>
+              <a:rPr lang="en-SG" dirty="0"/>
+              <a:t>Copy the passage you want to find tropes from.</a:t>
+            </a:r>
+          </a:p>
+          <a:p>
+            <a:pPr marL="228600" indent="-228600">
+              <a:buFont typeface="+mj-lt"/>
+              <a:buAutoNum type="arabicPeriod"/>
             </a:pPr>
             <a:r>
-              <a:rPr lang="en-US" b="1" dirty="0"/>
-              <a:t>Structured Text Focus</a:t>
-            </a:r>
-            <a:r>
-              <a:rPr lang="en-US" dirty="0"/>
-              <a:t>: The tool is primarily designed for structured text-based media source (such as wiki transcripts and summaries), such as scripts and novels, limiting its application to other forms of media.</a:t>
-            </a:r>
-          </a:p>
-          <a:p>
-            <a:endParaRPr lang="en-SG" dirty="0"/>
+              <a:rPr lang="en-SG" dirty="0"/>
+              <a:t>The model will scan and determine from its dataset what tropes are likely to be inside your passage.</a:t>
+            </a:r>
+          </a:p>
+          <a:p>
+            <a:pPr marL="228600" indent="-228600">
+              <a:buFont typeface="+mj-lt"/>
+              <a:buAutoNum type="arabicPeriod"/>
+            </a:pPr>
+            <a:r>
+              <a:rPr lang="en-SG" dirty="0"/>
+              <a:t>You get a list of tropes and the attached text that made the model believe that text is why the trope is present.</a:t>
+            </a:r>
           </a:p>
         </p:txBody>
       </p:sp>
@@ -3576,7 +3551,7 @@
           <a:p>
             <a:fld id="{C25E15D1-2997-4995-89EA-ABE974C14F7F}" type="slidenum">
               <a:rPr lang="en-SG" smtClean="0"/>
-              <a:t>14</a:t>
+              <a:t>12</a:t>
             </a:fld>
             <a:endParaRPr lang="en-SG"/>
           </a:p>
@@ -3585,7 +3560,7 @@
     </p:spTree>
     <p:extLst>
       <p:ext uri="{BB962C8B-B14F-4D97-AF65-F5344CB8AC3E}">
-        <p14:creationId xmlns:p14="http://schemas.microsoft.com/office/powerpoint/2010/main" val="1816613992"/>
+        <p14:creationId xmlns:p14="http://schemas.microsoft.com/office/powerpoint/2010/main" val="86821700"/>
       </p:ext>
     </p:extLst>
   </p:cSld>
@@ -3645,6 +3620,118 @@
             </a:pPr>
             <a:r>
               <a:rPr lang="en-US" b="1" dirty="0"/>
+              <a:t>Language Barrier</a:t>
+            </a:r>
+            <a:r>
+              <a:rPr lang="en-US" dirty="0"/>
+              <a:t>: Currently, the tool is limited to analyzing English-language input, restricting its accessibility to a wider audience.</a:t>
+            </a:r>
+          </a:p>
+          <a:p>
+            <a:pPr marL="628650" lvl="1" indent="-171450">
+              <a:buFont typeface="Arial" panose="020B0604020202020204" pitchFamily="34" charset="0"/>
+              <a:buChar char="•"/>
+            </a:pPr>
+            <a:r>
+              <a:rPr lang="en-US" b="1" dirty="0"/>
+              <a:t>Structured Text Focus</a:t>
+            </a:r>
+            <a:r>
+              <a:rPr lang="en-US" dirty="0"/>
+              <a:t>: The tool is primarily designed for structured text-based media source (such as wiki transcripts and summaries), such as scripts and novels, limiting its application to other forms of media.</a:t>
+            </a:r>
+          </a:p>
+          <a:p>
+            <a:endParaRPr lang="en-SG" dirty="0"/>
+          </a:p>
+        </p:txBody>
+      </p:sp>
+      <p:sp>
+        <p:nvSpPr>
+          <p:cNvPr id="4" name="Slide Number Placeholder 3"/>
+          <p:cNvSpPr>
+            <a:spLocks noGrp="1"/>
+          </p:cNvSpPr>
+          <p:nvPr>
+            <p:ph type="sldNum" sz="quarter" idx="5"/>
+          </p:nvPr>
+        </p:nvSpPr>
+        <p:spPr/>
+        <p:txBody>
+          <a:bodyPr/>
+          <a:lstStyle/>
+          <a:p>
+            <a:fld id="{C25E15D1-2997-4995-89EA-ABE974C14F7F}" type="slidenum">
+              <a:rPr lang="en-SG" smtClean="0"/>
+              <a:t>14</a:t>
+            </a:fld>
+            <a:endParaRPr lang="en-SG"/>
+          </a:p>
+        </p:txBody>
+      </p:sp>
+    </p:spTree>
+    <p:extLst>
+      <p:ext uri="{BB962C8B-B14F-4D97-AF65-F5344CB8AC3E}">
+        <p14:creationId xmlns:p14="http://schemas.microsoft.com/office/powerpoint/2010/main" val="1816613992"/>
+      </p:ext>
+    </p:extLst>
+  </p:cSld>
+  <p:clrMapOvr>
+    <a:masterClrMapping/>
+  </p:clrMapOvr>
+</p:notes>
+</file>
+
+<file path=ppt/notesSlides/notesSlide7.xml><?xml version="1.0" encoding="utf-8"?>
+<p:notes xmlns:a="http://schemas.openxmlformats.org/drawingml/2006/main" xmlns:r="http://schemas.openxmlformats.org/officeDocument/2006/relationships" xmlns:p="http://schemas.openxmlformats.org/presentationml/2006/main">
+  <p:cSld>
+    <p:spTree>
+      <p:nvGrpSpPr>
+        <p:cNvPr id="1" name=""/>
+        <p:cNvGrpSpPr/>
+        <p:nvPr/>
+      </p:nvGrpSpPr>
+      <p:grpSpPr>
+        <a:xfrm>
+          <a:off x="0" y="0"/>
+          <a:ext cx="0" cy="0"/>
+          <a:chOff x="0" y="0"/>
+          <a:chExt cx="0" cy="0"/>
+        </a:xfrm>
+      </p:grpSpPr>
+      <p:sp>
+        <p:nvSpPr>
+          <p:cNvPr id="2" name="Slide Image Placeholder 1"/>
+          <p:cNvSpPr>
+            <a:spLocks noGrp="1" noRot="1" noChangeAspect="1"/>
+          </p:cNvSpPr>
+          <p:nvPr>
+            <p:ph type="sldImg"/>
+          </p:nvPr>
+        </p:nvSpPr>
+        <p:spPr/>
+      </p:sp>
+      <p:sp>
+        <p:nvSpPr>
+          <p:cNvPr id="3" name="Notes Placeholder 2"/>
+          <p:cNvSpPr>
+            <a:spLocks noGrp="1"/>
+          </p:cNvSpPr>
+          <p:nvPr>
+            <p:ph type="body" idx="1"/>
+          </p:nvPr>
+        </p:nvSpPr>
+        <p:spPr/>
+        <p:txBody>
+          <a:bodyPr/>
+          <a:lstStyle/>
+          <a:p>
+            <a:pPr marL="628650" lvl="1" indent="-171450">
+              <a:buFont typeface="Arial" panose="020B0604020202020204" pitchFamily="34" charset="0"/>
+              <a:buChar char="•"/>
+            </a:pPr>
+            <a:r>
+              <a:rPr lang="en-US" b="1" dirty="0"/>
               <a:t>Global Trope Recognition</a:t>
             </a:r>
             <a:r>
@@ -3704,7 +3791,7 @@
 </p:notes>
 </file>
 
-<file path=ppt/notesSlides/notesSlide7.xml><?xml version="1.0" encoding="utf-8"?>
+<file path=ppt/notesSlides/notesSlide8.xml><?xml version="1.0" encoding="utf-8"?>
 <p:notes xmlns:a="http://schemas.openxmlformats.org/drawingml/2006/main" xmlns:r="http://schemas.openxmlformats.org/officeDocument/2006/relationships" xmlns:p="http://schemas.openxmlformats.org/presentationml/2006/main">
   <p:cSld>
     <p:spTree>
@@ -3994,7 +4081,7 @@
           <a:p>
             <a:fld id="{44A3B300-3034-4711-A098-AB0362F90C4D}" type="datetime1">
               <a:rPr lang="en-SG" smtClean="0"/>
-              <a:t>8/11/2023</a:t>
+              <a:t>9/11/2023</a:t>
             </a:fld>
             <a:endParaRPr lang="en-SG"/>
           </a:p>
@@ -4194,7 +4281,7 @@
           <a:p>
             <a:fld id="{9A10E00A-CDD1-43F5-8F32-673CFCC90A06}" type="datetime1">
               <a:rPr lang="en-SG" smtClean="0"/>
-              <a:t>8/11/2023</a:t>
+              <a:t>9/11/2023</a:t>
             </a:fld>
             <a:endParaRPr lang="en-SG"/>
           </a:p>
@@ -4404,7 +4491,7 @@
           <a:p>
             <a:fld id="{A8CFDA9A-4B43-4746-ABFB-7F1D187BEB52}" type="datetime1">
               <a:rPr lang="en-SG" smtClean="0"/>
-              <a:t>8/11/2023</a:t>
+              <a:t>9/11/2023</a:t>
             </a:fld>
             <a:endParaRPr lang="en-SG"/>
           </a:p>
@@ -4604,7 +4691,7 @@
           <a:p>
             <a:fld id="{6F379FAB-37FC-433C-B1CD-CDC09AA66DAE}" type="datetime1">
               <a:rPr lang="en-SG" smtClean="0"/>
-              <a:t>8/11/2023</a:t>
+              <a:t>9/11/2023</a:t>
             </a:fld>
             <a:endParaRPr lang="en-SG"/>
           </a:p>
@@ -4919,7 +5006,7 @@
           <a:p>
             <a:fld id="{41C82C2E-FF91-4EC7-A099-AC8701610FE2}" type="datetime1">
               <a:rPr lang="en-SG" smtClean="0"/>
-              <a:t>8/11/2023</a:t>
+              <a:t>9/11/2023</a:t>
             </a:fld>
             <a:endParaRPr lang="en-SG"/>
           </a:p>
@@ -5187,7 +5274,7 @@
           <a:p>
             <a:fld id="{009A6468-D97D-48A8-90D4-1193D41A0015}" type="datetime1">
               <a:rPr lang="en-SG" smtClean="0"/>
-              <a:t>8/11/2023</a:t>
+              <a:t>9/11/2023</a:t>
             </a:fld>
             <a:endParaRPr lang="en-SG"/>
           </a:p>
@@ -5602,7 +5689,7 @@
           <a:p>
             <a:fld id="{A90DFADD-FBA2-4915-9CC4-58C11C1A1085}" type="datetime1">
               <a:rPr lang="en-SG" smtClean="0"/>
-              <a:t>8/11/2023</a:t>
+              <a:t>9/11/2023</a:t>
             </a:fld>
             <a:endParaRPr lang="en-SG"/>
           </a:p>
@@ -5744,7 +5831,7 @@
           <a:p>
             <a:fld id="{2746AC76-0F03-4FF9-A7EF-78F1A93EB052}" type="datetime1">
               <a:rPr lang="en-SG" smtClean="0"/>
-              <a:t>8/11/2023</a:t>
+              <a:t>9/11/2023</a:t>
             </a:fld>
             <a:endParaRPr lang="en-SG"/>
           </a:p>
@@ -5857,7 +5944,7 @@
           <a:p>
             <a:fld id="{2B559D62-B841-4488-A495-CA6A89CB402F}" type="datetime1">
               <a:rPr lang="en-SG" smtClean="0"/>
-              <a:t>8/11/2023</a:t>
+              <a:t>9/11/2023</a:t>
             </a:fld>
             <a:endParaRPr lang="en-SG"/>
           </a:p>
@@ -6170,7 +6257,7 @@
           <a:p>
             <a:fld id="{C4F2C3DF-051A-434A-AD8C-9C4A0090360D}" type="datetime1">
               <a:rPr lang="en-SG" smtClean="0"/>
-              <a:t>8/11/2023</a:t>
+              <a:t>9/11/2023</a:t>
             </a:fld>
             <a:endParaRPr lang="en-SG"/>
           </a:p>
@@ -6459,7 +6546,7 @@
           <a:p>
             <a:fld id="{D348C875-7BA4-4EC9-9F1F-2047C20AE531}" type="datetime1">
               <a:rPr lang="en-SG" smtClean="0"/>
-              <a:t>8/11/2023</a:t>
+              <a:t>9/11/2023</a:t>
             </a:fld>
             <a:endParaRPr lang="en-SG"/>
           </a:p>
@@ -6702,7 +6789,7 @@
           <a:p>
             <a:fld id="{9FAD9D93-73FA-4888-8FED-12D2B901195C}" type="datetime1">
               <a:rPr lang="en-SG" smtClean="0"/>
-              <a:t>8/11/2023</a:t>
+              <a:t>9/11/2023</a:t>
             </a:fld>
             <a:endParaRPr lang="en-SG"/>
           </a:p>
@@ -7347,36 +7434,35 @@
           </a:p>
         </p:txBody>
       </p:sp>
-      <p:sp>
-        <p:nvSpPr>
-          <p:cNvPr id="3" name="Content Placeholder 2">
-            <a:extLst>
-              <a:ext uri="{FF2B5EF4-FFF2-40B4-BE49-F238E27FC236}">
-                <a16:creationId xmlns:a16="http://schemas.microsoft.com/office/drawing/2014/main" id="{EA7FDE6B-D567-21A9-C3D5-9705E7218373}"/>
-              </a:ext>
-            </a:extLst>
-          </p:cNvPr>
-          <p:cNvSpPr>
-            <a:spLocks noGrp="1"/>
-          </p:cNvSpPr>
+      <p:pic>
+        <p:nvPicPr>
+          <p:cNvPr id="6" name="Content Placeholder 5">
+            <a:extLst>
+              <a:ext uri="{FF2B5EF4-FFF2-40B4-BE49-F238E27FC236}">
+                <a16:creationId xmlns:a16="http://schemas.microsoft.com/office/drawing/2014/main" id="{4BCB6A6D-E1B2-C1F3-FDCC-01698BD29811}"/>
+              </a:ext>
+            </a:extLst>
+          </p:cNvPr>
+          <p:cNvPicPr>
+            <a:picLocks noGrp="1" noChangeAspect="1"/>
+          </p:cNvPicPr>
           <p:nvPr>
             <p:ph idx="1"/>
           </p:nvPr>
-        </p:nvSpPr>
-        <p:spPr/>
-        <p:txBody>
-          <a:bodyPr>
-            <a:normAutofit/>
-          </a:bodyPr>
-          <a:lstStyle/>
-          <a:p>
-            <a:r>
-              <a:rPr lang="en-US" dirty="0"/>
-              <a:t>This section should present the results of using your trope-scanning tool on sample texts and discuss the key findings. Be sure to include relevant statistics, visualizations, or examples to support your findings.</a:t>
-            </a:r>
-          </a:p>
-        </p:txBody>
-      </p:sp>
+        </p:nvPicPr>
+        <p:blipFill>
+          <a:blip r:embed="rId3"/>
+          <a:stretch>
+            <a:fillRect/>
+          </a:stretch>
+        </p:blipFill>
+        <p:spPr>
+          <a:xfrm>
+            <a:off x="838200" y="1519737"/>
+            <a:ext cx="6946239" cy="4973138"/>
+          </a:xfrm>
+        </p:spPr>
+      </p:pic>
       <p:sp>
         <p:nvSpPr>
           <p:cNvPr id="4" name="Footer Placeholder 3">
@@ -7603,6 +7689,41 @@
       </p:grpSpPr>
       <p:sp>
         <p:nvSpPr>
+          <p:cNvPr id="16" name="TextBox 15">
+            <a:extLst>
+              <a:ext uri="{FF2B5EF4-FFF2-40B4-BE49-F238E27FC236}">
+                <a16:creationId xmlns:a16="http://schemas.microsoft.com/office/drawing/2014/main" id="{F4680B68-8D72-4A92-4ECC-F69FADC0B59E}"/>
+              </a:ext>
+            </a:extLst>
+          </p:cNvPr>
+          <p:cNvSpPr txBox="1"/>
+          <p:nvPr/>
+        </p:nvSpPr>
+        <p:spPr>
+          <a:xfrm>
+            <a:off x="5452573" y="1240862"/>
+            <a:ext cx="2546647" cy="646331"/>
+          </a:xfrm>
+          <a:prstGeom prst="rect">
+            <a:avLst/>
+          </a:prstGeom>
+          <a:noFill/>
+        </p:spPr>
+        <p:txBody>
+          <a:bodyPr wrap="square" rtlCol="0">
+            <a:spAutoFit/>
+          </a:bodyPr>
+          <a:lstStyle/>
+          <a:p>
+            <a:r>
+              <a:rPr lang="en-SG" dirty="0"/>
+              <a:t>REMEMBER TO PUT THE QR CODE HERE</a:t>
+            </a:r>
+          </a:p>
+        </p:txBody>
+      </p:sp>
+      <p:sp>
+        <p:nvSpPr>
           <p:cNvPr id="2" name="Title 1">
             <a:extLst>
               <a:ext uri="{FF2B5EF4-FFF2-40B4-BE49-F238E27FC236}">
@@ -7730,41 +7851,6 @@
           <a:p>
             <a:pPr algn="ctr"/>
             <a:endParaRPr lang="en-SG"/>
-          </a:p>
-        </p:txBody>
-      </p:sp>
-      <p:sp>
-        <p:nvSpPr>
-          <p:cNvPr id="16" name="TextBox 15">
-            <a:extLst>
-              <a:ext uri="{FF2B5EF4-FFF2-40B4-BE49-F238E27FC236}">
-                <a16:creationId xmlns:a16="http://schemas.microsoft.com/office/drawing/2014/main" id="{F4680B68-8D72-4A92-4ECC-F69FADC0B59E}"/>
-              </a:ext>
-            </a:extLst>
-          </p:cNvPr>
-          <p:cNvSpPr txBox="1"/>
-          <p:nvPr/>
-        </p:nvSpPr>
-        <p:spPr>
-          <a:xfrm>
-            <a:off x="5452573" y="1240862"/>
-            <a:ext cx="2546647" cy="646331"/>
-          </a:xfrm>
-          <a:prstGeom prst="rect">
-            <a:avLst/>
-          </a:prstGeom>
-          <a:noFill/>
-        </p:spPr>
-        <p:txBody>
-          <a:bodyPr wrap="square" rtlCol="0">
-            <a:spAutoFit/>
-          </a:bodyPr>
-          <a:lstStyle/>
-          <a:p>
-            <a:r>
-              <a:rPr lang="en-SG" dirty="0"/>
-              <a:t>REMEMBER TO PUT THE QR CODE HERE</a:t>
-            </a:r>
           </a:p>
         </p:txBody>
       </p:sp>
@@ -7991,7 +8077,7 @@
             <a:pPr lvl="1"/>
             <a:r>
               <a:rPr lang="en-US" b="1" dirty="0"/>
-              <a:t>Language Barrier</a:t>
+              <a:t>Language Barrier (She is learning to play the piano)</a:t>
             </a:r>
             <a:endParaRPr lang="en-US" dirty="0"/>
           </a:p>
@@ -9130,7 +9216,7 @@
         <p:spPr/>
         <p:txBody>
           <a:bodyPr>
-            <a:normAutofit lnSpcReduction="10000"/>
+            <a:normAutofit/>
           </a:bodyPr>
           <a:lstStyle/>
           <a:p>
@@ -9165,15 +9251,6 @@
                 <a:latin typeface="+mj-lt"/>
               </a:rPr>
               <a:t>Problem Statement</a:t>
-            </a:r>
-          </a:p>
-          <a:p>
-            <a:pPr lvl="1"/>
-            <a:r>
-              <a:rPr lang="en-US" dirty="0">
-                <a:latin typeface="+mj-lt"/>
-              </a:rPr>
-              <a:t>Methodology</a:t>
             </a:r>
           </a:p>
           <a:p>
@@ -9753,7 +9830,7 @@
 </file>
 
 <file path=ppt/slides/slide5.xml><?xml version="1.0" encoding="utf-8"?>
-<p:sld xmlns:a="http://schemas.openxmlformats.org/drawingml/2006/main" xmlns:r="http://schemas.openxmlformats.org/officeDocument/2006/relationships" xmlns:p="http://schemas.openxmlformats.org/presentationml/2006/main">
+<p:sld xmlns:a="http://schemas.openxmlformats.org/drawingml/2006/main" xmlns:r="http://schemas.openxmlformats.org/officeDocument/2006/relationships" xmlns:p="http://schemas.openxmlformats.org/presentationml/2006/main" show="0">
   <p:cSld>
     <p:spTree>
       <p:nvGrpSpPr>
@@ -9906,36 +9983,75 @@
           <a:lstStyle/>
           <a:p>
             <a:r>
+              <a:rPr lang="en-US" dirty="0"/>
+              <a:t>Data Collection</a:t>
+            </a:r>
+            <a:endParaRPr lang="en-SG" dirty="0"/>
+          </a:p>
+        </p:txBody>
+      </p:sp>
+      <p:sp>
+        <p:nvSpPr>
+          <p:cNvPr id="3" name="Content Placeholder 2">
+            <a:extLst>
+              <a:ext uri="{FF2B5EF4-FFF2-40B4-BE49-F238E27FC236}">
+                <a16:creationId xmlns:a16="http://schemas.microsoft.com/office/drawing/2014/main" id="{AB1BAAFF-659F-6F85-4432-09E02A89F7C6}"/>
+              </a:ext>
+            </a:extLst>
+          </p:cNvPr>
+          <p:cNvSpPr>
+            <a:spLocks noGrp="1"/>
+          </p:cNvSpPr>
+          <p:nvPr>
+            <p:ph idx="1"/>
+          </p:nvPr>
+        </p:nvSpPr>
+        <p:spPr/>
+        <p:txBody>
+          <a:bodyPr/>
+          <a:lstStyle/>
+          <a:p>
+            <a:r>
+              <a:rPr lang="en-US" dirty="0"/>
+              <a:t>Media sources used: </a:t>
+            </a:r>
+          </a:p>
+          <a:p>
+            <a:pPr lvl="1"/>
+            <a:r>
+              <a:rPr lang="en-US" dirty="0"/>
+              <a:t>Full episode summary: </a:t>
+            </a:r>
+            <a:r>
               <a:rPr lang="en-US" dirty="0">
-                <a:latin typeface="+mj-lt"/>
+                <a:hlinkClick r:id="rId3"/>
               </a:rPr>
-              <a:t>Methodology</a:t>
-            </a:r>
-            <a:endParaRPr lang="en-SG" dirty="0"/>
-          </a:p>
-        </p:txBody>
-      </p:sp>
-      <p:sp>
-        <p:nvSpPr>
-          <p:cNvPr id="3" name="Content Placeholder 2">
-            <a:extLst>
-              <a:ext uri="{FF2B5EF4-FFF2-40B4-BE49-F238E27FC236}">
-                <a16:creationId xmlns:a16="http://schemas.microsoft.com/office/drawing/2014/main" id="{AB1BAAFF-659F-6F85-4432-09E02A89F7C6}"/>
-              </a:ext>
-            </a:extLst>
-          </p:cNvPr>
-          <p:cNvSpPr>
-            <a:spLocks noGrp="1"/>
-          </p:cNvSpPr>
-          <p:nvPr>
-            <p:ph idx="1"/>
-          </p:nvPr>
-        </p:nvSpPr>
-        <p:spPr/>
-        <p:txBody>
-          <a:bodyPr/>
-          <a:lstStyle/>
-          <a:p>
+              <a:t>https://simpsons.fandom.com/wiki/Season_1</a:t>
+            </a:r>
+            <a:endParaRPr lang="en-US" dirty="0"/>
+          </a:p>
+          <a:p>
+            <a:pPr lvl="1"/>
+            <a:r>
+              <a:rPr lang="en-US" dirty="0"/>
+              <a:t>Trope source: </a:t>
+            </a:r>
+            <a:r>
+              <a:rPr lang="en-US" dirty="0">
+                <a:hlinkClick r:id="rId4"/>
+              </a:rPr>
+              <a:t>https://tvtropes.org/pmwiki/pmwiki.php/Recap/TheSimpsons</a:t>
+            </a:r>
+            <a:r>
+              <a:rPr lang="en-US" dirty="0"/>
+              <a:t> (Only Season 1 episodes used)</a:t>
+            </a:r>
+          </a:p>
+          <a:p>
+            <a:r>
+              <a:rPr lang="en-US" dirty="0"/>
+              <a:t>Reason for Choice: Extensive data, well-maintained wiki, comprehensive trope definitions</a:t>
+            </a:r>
             <a:endParaRPr lang="en-SG" dirty="0"/>
           </a:p>
         </p:txBody>
@@ -9968,7 +10084,7 @@
     </p:spTree>
     <p:extLst>
       <p:ext uri="{BB962C8B-B14F-4D97-AF65-F5344CB8AC3E}">
-        <p14:creationId xmlns:p14="http://schemas.microsoft.com/office/powerpoint/2010/main" val="3262396248"/>
+        <p14:creationId xmlns:p14="http://schemas.microsoft.com/office/powerpoint/2010/main" val="489896481"/>
       </p:ext>
     </p:extLst>
   </p:cSld>
@@ -10000,7 +10116,7 @@
           <p:cNvPr id="2" name="Title 1">
             <a:extLst>
               <a:ext uri="{FF2B5EF4-FFF2-40B4-BE49-F238E27FC236}">
-                <a16:creationId xmlns:a16="http://schemas.microsoft.com/office/drawing/2014/main" id="{25FF25A2-32A6-0A5F-5546-74354CEA721B}"/>
+                <a16:creationId xmlns:a16="http://schemas.microsoft.com/office/drawing/2014/main" id="{361375CD-5C1B-F635-B6FD-12BD77005293}"/>
               </a:ext>
             </a:extLst>
           </p:cNvPr>
@@ -10017,10 +10133,9 @@
           <a:lstStyle/>
           <a:p>
             <a:r>
-              <a:rPr lang="en-US" dirty="0"/>
-              <a:t>Data Collection</a:t>
-            </a:r>
-            <a:endParaRPr lang="en-SG" dirty="0"/>
+              <a:rPr lang="en-SG" dirty="0"/>
+              <a:t>Trope selected</a:t>
+            </a:r>
           </a:p>
         </p:txBody>
       </p:sp>
@@ -10029,7 +10144,7 @@
           <p:cNvPr id="3" name="Content Placeholder 2">
             <a:extLst>
               <a:ext uri="{FF2B5EF4-FFF2-40B4-BE49-F238E27FC236}">
-                <a16:creationId xmlns:a16="http://schemas.microsoft.com/office/drawing/2014/main" id="{AB1BAAFF-659F-6F85-4432-09E02A89F7C6}"/>
+                <a16:creationId xmlns:a16="http://schemas.microsoft.com/office/drawing/2014/main" id="{D2C7B35C-B0FE-DD4B-3744-12D6E27052B2}"/>
               </a:ext>
             </a:extLst>
           </p:cNvPr>
@@ -10045,48 +10160,34 @@
           <a:bodyPr/>
           <a:lstStyle/>
           <a:p>
-            <a:r>
-              <a:rPr lang="en-US" dirty="0"/>
-              <a:t>Media sources used: </a:t>
-            </a:r>
-          </a:p>
-          <a:p>
-            <a:pPr lvl="1"/>
-            <a:r>
-              <a:rPr lang="en-US" dirty="0"/>
-              <a:t>Full episode summary: </a:t>
-            </a:r>
-            <a:r>
-              <a:rPr lang="en-US" dirty="0">
-                <a:hlinkClick r:id="rId3"/>
-              </a:rPr>
-              <a:t>https://simpsons.fandom.com/wiki/Season_1</a:t>
-            </a:r>
-            <a:endParaRPr lang="en-US" dirty="0"/>
-          </a:p>
-          <a:p>
-            <a:pPr lvl="1"/>
-            <a:r>
-              <a:rPr lang="en-US" dirty="0"/>
-              <a:t>Trope source: </a:t>
-            </a:r>
-            <a:r>
-              <a:rPr lang="en-US" dirty="0">
-                <a:hlinkClick r:id="rId4"/>
-              </a:rPr>
-              <a:t>https://tvtropes.org/pmwiki/pmwiki.php/Recap/TheSimpsons</a:t>
-            </a:r>
-            <a:r>
-              <a:rPr lang="en-US" dirty="0"/>
-              <a:t> (Only Season 1 episodes used)</a:t>
-            </a:r>
-          </a:p>
-          <a:p>
-            <a:r>
-              <a:rPr lang="en-US" dirty="0"/>
-              <a:t>Reason for Choice: Extensive data, well-maintained wiki, comprehensive trope definitions</a:t>
-            </a:r>
-            <a:endParaRPr lang="en-SG" dirty="0"/>
+            <a:pPr marL="514350" indent="-514350">
+              <a:buFont typeface="+mj-lt"/>
+              <a:buAutoNum type="arabicPeriod"/>
+            </a:pPr>
+            <a:r>
+              <a:rPr lang="en-SG" dirty="0"/>
+              <a:t>Extract tropes from selected recap pages</a:t>
+            </a:r>
+          </a:p>
+          <a:p>
+            <a:pPr marL="514350" indent="-514350">
+              <a:buFont typeface="+mj-lt"/>
+              <a:buAutoNum type="arabicPeriod"/>
+            </a:pPr>
+            <a:r>
+              <a:rPr lang="en-SG" dirty="0"/>
+              <a:t>Do tally of tropes</a:t>
+            </a:r>
+          </a:p>
+          <a:p>
+            <a:pPr marL="514350" indent="-514350">
+              <a:buFont typeface="+mj-lt"/>
+              <a:buAutoNum type="arabicPeriod"/>
+            </a:pPr>
+            <a:r>
+              <a:rPr lang="en-SG" dirty="0"/>
+              <a:t>Pick 10 most occurring tropes</a:t>
+            </a:r>
           </a:p>
         </p:txBody>
       </p:sp>
@@ -10095,7 +10196,7 @@
           <p:cNvPr id="4" name="Footer Placeholder 3">
             <a:extLst>
               <a:ext uri="{FF2B5EF4-FFF2-40B4-BE49-F238E27FC236}">
-                <a16:creationId xmlns:a16="http://schemas.microsoft.com/office/drawing/2014/main" id="{5703E7CA-9021-C336-32F8-B6874F4D74B8}"/>
+                <a16:creationId xmlns:a16="http://schemas.microsoft.com/office/drawing/2014/main" id="{8175DD08-1BB5-0914-30B1-20CA5AEBCD1C}"/>
               </a:ext>
             </a:extLst>
           </p:cNvPr>
@@ -10118,7 +10219,7 @@
     </p:spTree>
     <p:extLst>
       <p:ext uri="{BB962C8B-B14F-4D97-AF65-F5344CB8AC3E}">
-        <p14:creationId xmlns:p14="http://schemas.microsoft.com/office/powerpoint/2010/main" val="489896481"/>
+        <p14:creationId xmlns:p14="http://schemas.microsoft.com/office/powerpoint/2010/main" val="2244889221"/>
       </p:ext>
     </p:extLst>
   </p:cSld>
@@ -10129,7 +10230,7 @@
 </file>
 
 <file path=ppt/slides/slide8.xml><?xml version="1.0" encoding="utf-8"?>
-<p:sld xmlns:a="http://schemas.openxmlformats.org/drawingml/2006/main" xmlns:r="http://schemas.openxmlformats.org/officeDocument/2006/relationships" xmlns:p="http://schemas.openxmlformats.org/presentationml/2006/main">
+<p:sld xmlns:a="http://schemas.openxmlformats.org/drawingml/2006/main" xmlns:r="http://schemas.openxmlformats.org/officeDocument/2006/relationships" xmlns:p="http://schemas.openxmlformats.org/presentationml/2006/main" show="0">
   <p:cSld>
     <p:spTree>
       <p:nvGrpSpPr>
@@ -10248,7 +10349,7 @@
 </file>
 
 <file path=ppt/slides/slide9.xml><?xml version="1.0" encoding="utf-8"?>
-<p:sld xmlns:a="http://schemas.openxmlformats.org/drawingml/2006/main" xmlns:r="http://schemas.openxmlformats.org/officeDocument/2006/relationships" xmlns:p="http://schemas.openxmlformats.org/presentationml/2006/main">
+<p:sld xmlns:a="http://schemas.openxmlformats.org/drawingml/2006/main" xmlns:r="http://schemas.openxmlformats.org/officeDocument/2006/relationships" xmlns:p="http://schemas.openxmlformats.org/presentationml/2006/main" show="0">
   <p:cSld>
     <p:spTree>
       <p:nvGrpSpPr>
